--- a/doc/1.분석/cat24_회원_스토리보드.pptx
+++ b/doc/1.분석/cat24_회원_스토리보드.pptx
@@ -114,7 +114,7 @@
   </p:defaultTextStyle>
   <p:extLst>
     <p:ext uri="{EFAFB233-063F-42B5-8137-9DF3F51BA10A}">
-      <p15:sldGuideLst xmlns:p15="http://schemas.microsoft.com/office/powerpoint/2012/main"/>
+      <p15:sldGuideLst xmlns:p15="http://schemas.microsoft.com/office/powerpoint/2012/main" xmlns=""/>
     </p:ext>
   </p:extLst>
 </p:presentation>
@@ -142,7 +142,7 @@
           <p:cNvPr id="2" name="제목 1">
             <a:extLst>
               <a:ext uri="{FF2B5EF4-FFF2-40B4-BE49-F238E27FC236}">
-                <a16:creationId xmlns:a16="http://schemas.microsoft.com/office/drawing/2014/main" id="{E9B5A112-A2EE-449D-B7D2-299B0C00C257}"/>
+                <a16:creationId xmlns:a16="http://schemas.microsoft.com/office/drawing/2014/main" xmlns="" id="{E9B5A112-A2EE-449D-B7D2-299B0C00C257}"/>
               </a:ext>
             </a:extLst>
           </p:cNvPr>
@@ -179,7 +179,7 @@
           <p:cNvPr id="3" name="부제목 2">
             <a:extLst>
               <a:ext uri="{FF2B5EF4-FFF2-40B4-BE49-F238E27FC236}">
-                <a16:creationId xmlns:a16="http://schemas.microsoft.com/office/drawing/2014/main" id="{ADE8775C-8589-4AB0-BDB8-61CA22FA9461}"/>
+                <a16:creationId xmlns:a16="http://schemas.microsoft.com/office/drawing/2014/main" xmlns="" id="{ADE8775C-8589-4AB0-BDB8-61CA22FA9461}"/>
               </a:ext>
             </a:extLst>
           </p:cNvPr>
@@ -249,7 +249,7 @@
           <p:cNvPr id="4" name="날짜 개체 틀 3">
             <a:extLst>
               <a:ext uri="{FF2B5EF4-FFF2-40B4-BE49-F238E27FC236}">
-                <a16:creationId xmlns:a16="http://schemas.microsoft.com/office/drawing/2014/main" id="{FA75D788-B2C8-4E75-B4DE-F0594AFBC1E2}"/>
+                <a16:creationId xmlns:a16="http://schemas.microsoft.com/office/drawing/2014/main" xmlns="" id="{FA75D788-B2C8-4E75-B4DE-F0594AFBC1E2}"/>
               </a:ext>
             </a:extLst>
           </p:cNvPr>
@@ -267,7 +267,7 @@
           <a:p>
             <a:fld id="{0EEF20BB-663D-418E-A6A8-F1EF61C78B52}" type="datetimeFigureOut">
               <a:rPr lang="ko-KR" altLang="en-US" smtClean="0"/>
-              <a:t>2019-07-05</a:t>
+              <a:t>2019-07-10</a:t>
             </a:fld>
             <a:endParaRPr lang="ko-KR" altLang="en-US"/>
           </a:p>
@@ -278,7 +278,7 @@
           <p:cNvPr id="5" name="바닥글 개체 틀 4">
             <a:extLst>
               <a:ext uri="{FF2B5EF4-FFF2-40B4-BE49-F238E27FC236}">
-                <a16:creationId xmlns:a16="http://schemas.microsoft.com/office/drawing/2014/main" id="{A348CC5C-CE4A-4B90-9B2F-7A3543CE0499}"/>
+                <a16:creationId xmlns:a16="http://schemas.microsoft.com/office/drawing/2014/main" xmlns="" id="{A348CC5C-CE4A-4B90-9B2F-7A3543CE0499}"/>
               </a:ext>
             </a:extLst>
           </p:cNvPr>
@@ -303,7 +303,7 @@
           <p:cNvPr id="6" name="슬라이드 번호 개체 틀 5">
             <a:extLst>
               <a:ext uri="{FF2B5EF4-FFF2-40B4-BE49-F238E27FC236}">
-                <a16:creationId xmlns:a16="http://schemas.microsoft.com/office/drawing/2014/main" id="{918DFC18-6356-46EF-8C9B-4E58F12F0203}"/>
+                <a16:creationId xmlns:a16="http://schemas.microsoft.com/office/drawing/2014/main" xmlns="" id="{918DFC18-6356-46EF-8C9B-4E58F12F0203}"/>
               </a:ext>
             </a:extLst>
           </p:cNvPr>
@@ -362,7 +362,7 @@
           <p:cNvPr id="2" name="제목 1">
             <a:extLst>
               <a:ext uri="{FF2B5EF4-FFF2-40B4-BE49-F238E27FC236}">
-                <a16:creationId xmlns:a16="http://schemas.microsoft.com/office/drawing/2014/main" id="{E8864DC2-334A-4BDE-B491-EA1C925A041E}"/>
+                <a16:creationId xmlns:a16="http://schemas.microsoft.com/office/drawing/2014/main" xmlns="" id="{E8864DC2-334A-4BDE-B491-EA1C925A041E}"/>
               </a:ext>
             </a:extLst>
           </p:cNvPr>
@@ -390,7 +390,7 @@
           <p:cNvPr id="3" name="세로 텍스트 개체 틀 2">
             <a:extLst>
               <a:ext uri="{FF2B5EF4-FFF2-40B4-BE49-F238E27FC236}">
-                <a16:creationId xmlns:a16="http://schemas.microsoft.com/office/drawing/2014/main" id="{23FE2043-12EE-42F0-9A3D-6C3654F49AA6}"/>
+                <a16:creationId xmlns:a16="http://schemas.microsoft.com/office/drawing/2014/main" xmlns="" id="{23FE2043-12EE-42F0-9A3D-6C3654F49AA6}"/>
               </a:ext>
             </a:extLst>
           </p:cNvPr>
@@ -447,7 +447,7 @@
           <p:cNvPr id="4" name="날짜 개체 틀 3">
             <a:extLst>
               <a:ext uri="{FF2B5EF4-FFF2-40B4-BE49-F238E27FC236}">
-                <a16:creationId xmlns:a16="http://schemas.microsoft.com/office/drawing/2014/main" id="{E1E02C45-0C1A-4CA1-B367-6681E3CCADF2}"/>
+                <a16:creationId xmlns:a16="http://schemas.microsoft.com/office/drawing/2014/main" xmlns="" id="{E1E02C45-0C1A-4CA1-B367-6681E3CCADF2}"/>
               </a:ext>
             </a:extLst>
           </p:cNvPr>
@@ -465,7 +465,7 @@
           <a:p>
             <a:fld id="{0EEF20BB-663D-418E-A6A8-F1EF61C78B52}" type="datetimeFigureOut">
               <a:rPr lang="ko-KR" altLang="en-US" smtClean="0"/>
-              <a:t>2019-07-05</a:t>
+              <a:t>2019-07-10</a:t>
             </a:fld>
             <a:endParaRPr lang="ko-KR" altLang="en-US"/>
           </a:p>
@@ -476,7 +476,7 @@
           <p:cNvPr id="5" name="바닥글 개체 틀 4">
             <a:extLst>
               <a:ext uri="{FF2B5EF4-FFF2-40B4-BE49-F238E27FC236}">
-                <a16:creationId xmlns:a16="http://schemas.microsoft.com/office/drawing/2014/main" id="{A410F948-CCBA-40EC-87B3-3189B7BCA798}"/>
+                <a16:creationId xmlns:a16="http://schemas.microsoft.com/office/drawing/2014/main" xmlns="" id="{A410F948-CCBA-40EC-87B3-3189B7BCA798}"/>
               </a:ext>
             </a:extLst>
           </p:cNvPr>
@@ -501,7 +501,7 @@
           <p:cNvPr id="6" name="슬라이드 번호 개체 틀 5">
             <a:extLst>
               <a:ext uri="{FF2B5EF4-FFF2-40B4-BE49-F238E27FC236}">
-                <a16:creationId xmlns:a16="http://schemas.microsoft.com/office/drawing/2014/main" id="{F78BD624-8CAF-43AF-99CC-700178003F1D}"/>
+                <a16:creationId xmlns:a16="http://schemas.microsoft.com/office/drawing/2014/main" xmlns="" id="{F78BD624-8CAF-43AF-99CC-700178003F1D}"/>
               </a:ext>
             </a:extLst>
           </p:cNvPr>
@@ -560,7 +560,7 @@
           <p:cNvPr id="2" name="세로 제목 1">
             <a:extLst>
               <a:ext uri="{FF2B5EF4-FFF2-40B4-BE49-F238E27FC236}">
-                <a16:creationId xmlns:a16="http://schemas.microsoft.com/office/drawing/2014/main" id="{A978A834-BF65-43EF-8C55-619B2A0BA68A}"/>
+                <a16:creationId xmlns:a16="http://schemas.microsoft.com/office/drawing/2014/main" xmlns="" id="{A978A834-BF65-43EF-8C55-619B2A0BA68A}"/>
               </a:ext>
             </a:extLst>
           </p:cNvPr>
@@ -593,7 +593,7 @@
           <p:cNvPr id="3" name="세로 텍스트 개체 틀 2">
             <a:extLst>
               <a:ext uri="{FF2B5EF4-FFF2-40B4-BE49-F238E27FC236}">
-                <a16:creationId xmlns:a16="http://schemas.microsoft.com/office/drawing/2014/main" id="{32218615-B6AB-4F95-AB6B-C4DEABF37867}"/>
+                <a16:creationId xmlns:a16="http://schemas.microsoft.com/office/drawing/2014/main" xmlns="" id="{32218615-B6AB-4F95-AB6B-C4DEABF37867}"/>
               </a:ext>
             </a:extLst>
           </p:cNvPr>
@@ -655,7 +655,7 @@
           <p:cNvPr id="4" name="날짜 개체 틀 3">
             <a:extLst>
               <a:ext uri="{FF2B5EF4-FFF2-40B4-BE49-F238E27FC236}">
-                <a16:creationId xmlns:a16="http://schemas.microsoft.com/office/drawing/2014/main" id="{875F4C53-91FA-4021-8938-B20CC982E2E2}"/>
+                <a16:creationId xmlns:a16="http://schemas.microsoft.com/office/drawing/2014/main" xmlns="" id="{875F4C53-91FA-4021-8938-B20CC982E2E2}"/>
               </a:ext>
             </a:extLst>
           </p:cNvPr>
@@ -673,7 +673,7 @@
           <a:p>
             <a:fld id="{0EEF20BB-663D-418E-A6A8-F1EF61C78B52}" type="datetimeFigureOut">
               <a:rPr lang="ko-KR" altLang="en-US" smtClean="0"/>
-              <a:t>2019-07-05</a:t>
+              <a:t>2019-07-10</a:t>
             </a:fld>
             <a:endParaRPr lang="ko-KR" altLang="en-US"/>
           </a:p>
@@ -684,7 +684,7 @@
           <p:cNvPr id="5" name="바닥글 개체 틀 4">
             <a:extLst>
               <a:ext uri="{FF2B5EF4-FFF2-40B4-BE49-F238E27FC236}">
-                <a16:creationId xmlns:a16="http://schemas.microsoft.com/office/drawing/2014/main" id="{2F45EBB9-858A-4E56-AC76-19B469AE4988}"/>
+                <a16:creationId xmlns:a16="http://schemas.microsoft.com/office/drawing/2014/main" xmlns="" id="{2F45EBB9-858A-4E56-AC76-19B469AE4988}"/>
               </a:ext>
             </a:extLst>
           </p:cNvPr>
@@ -709,7 +709,7 @@
           <p:cNvPr id="6" name="슬라이드 번호 개체 틀 5">
             <a:extLst>
               <a:ext uri="{FF2B5EF4-FFF2-40B4-BE49-F238E27FC236}">
-                <a16:creationId xmlns:a16="http://schemas.microsoft.com/office/drawing/2014/main" id="{096D857B-D2BB-4109-8F71-98C0E3432938}"/>
+                <a16:creationId xmlns:a16="http://schemas.microsoft.com/office/drawing/2014/main" xmlns="" id="{096D857B-D2BB-4109-8F71-98C0E3432938}"/>
               </a:ext>
             </a:extLst>
           </p:cNvPr>
@@ -768,7 +768,7 @@
           <p:cNvPr id="2" name="제목 1">
             <a:extLst>
               <a:ext uri="{FF2B5EF4-FFF2-40B4-BE49-F238E27FC236}">
-                <a16:creationId xmlns:a16="http://schemas.microsoft.com/office/drawing/2014/main" id="{FD5FBFA7-D277-41D4-ACC2-734D0DBD08D3}"/>
+                <a16:creationId xmlns:a16="http://schemas.microsoft.com/office/drawing/2014/main" xmlns="" id="{FD5FBFA7-D277-41D4-ACC2-734D0DBD08D3}"/>
               </a:ext>
             </a:extLst>
           </p:cNvPr>
@@ -796,7 +796,7 @@
           <p:cNvPr id="3" name="내용 개체 틀 2">
             <a:extLst>
               <a:ext uri="{FF2B5EF4-FFF2-40B4-BE49-F238E27FC236}">
-                <a16:creationId xmlns:a16="http://schemas.microsoft.com/office/drawing/2014/main" id="{4123B8CF-80EA-40B2-B814-CA946074BAE6}"/>
+                <a16:creationId xmlns:a16="http://schemas.microsoft.com/office/drawing/2014/main" xmlns="" id="{4123B8CF-80EA-40B2-B814-CA946074BAE6}"/>
               </a:ext>
             </a:extLst>
           </p:cNvPr>
@@ -853,7 +853,7 @@
           <p:cNvPr id="4" name="날짜 개체 틀 3">
             <a:extLst>
               <a:ext uri="{FF2B5EF4-FFF2-40B4-BE49-F238E27FC236}">
-                <a16:creationId xmlns:a16="http://schemas.microsoft.com/office/drawing/2014/main" id="{9DA075B1-0165-46C0-AA2E-9D8DE28D8558}"/>
+                <a16:creationId xmlns:a16="http://schemas.microsoft.com/office/drawing/2014/main" xmlns="" id="{9DA075B1-0165-46C0-AA2E-9D8DE28D8558}"/>
               </a:ext>
             </a:extLst>
           </p:cNvPr>
@@ -871,7 +871,7 @@
           <a:p>
             <a:fld id="{0EEF20BB-663D-418E-A6A8-F1EF61C78B52}" type="datetimeFigureOut">
               <a:rPr lang="ko-KR" altLang="en-US" smtClean="0"/>
-              <a:t>2019-07-05</a:t>
+              <a:t>2019-07-10</a:t>
             </a:fld>
             <a:endParaRPr lang="ko-KR" altLang="en-US"/>
           </a:p>
@@ -882,7 +882,7 @@
           <p:cNvPr id="5" name="바닥글 개체 틀 4">
             <a:extLst>
               <a:ext uri="{FF2B5EF4-FFF2-40B4-BE49-F238E27FC236}">
-                <a16:creationId xmlns:a16="http://schemas.microsoft.com/office/drawing/2014/main" id="{47B0AEB1-9025-4E71-AC33-A31C00109F0F}"/>
+                <a16:creationId xmlns:a16="http://schemas.microsoft.com/office/drawing/2014/main" xmlns="" id="{47B0AEB1-9025-4E71-AC33-A31C00109F0F}"/>
               </a:ext>
             </a:extLst>
           </p:cNvPr>
@@ -907,7 +907,7 @@
           <p:cNvPr id="6" name="슬라이드 번호 개체 틀 5">
             <a:extLst>
               <a:ext uri="{FF2B5EF4-FFF2-40B4-BE49-F238E27FC236}">
-                <a16:creationId xmlns:a16="http://schemas.microsoft.com/office/drawing/2014/main" id="{3BC8C0F4-AA81-4FD4-96DA-B16A41672C16}"/>
+                <a16:creationId xmlns:a16="http://schemas.microsoft.com/office/drawing/2014/main" xmlns="" id="{3BC8C0F4-AA81-4FD4-96DA-B16A41672C16}"/>
               </a:ext>
             </a:extLst>
           </p:cNvPr>
@@ -966,7 +966,7 @@
           <p:cNvPr id="2" name="제목 1">
             <a:extLst>
               <a:ext uri="{FF2B5EF4-FFF2-40B4-BE49-F238E27FC236}">
-                <a16:creationId xmlns:a16="http://schemas.microsoft.com/office/drawing/2014/main" id="{319F00C7-FE24-4901-A623-BA329BEC9E6F}"/>
+                <a16:creationId xmlns:a16="http://schemas.microsoft.com/office/drawing/2014/main" xmlns="" id="{319F00C7-FE24-4901-A623-BA329BEC9E6F}"/>
               </a:ext>
             </a:extLst>
           </p:cNvPr>
@@ -1003,7 +1003,7 @@
           <p:cNvPr id="3" name="텍스트 개체 틀 2">
             <a:extLst>
               <a:ext uri="{FF2B5EF4-FFF2-40B4-BE49-F238E27FC236}">
-                <a16:creationId xmlns:a16="http://schemas.microsoft.com/office/drawing/2014/main" id="{FDB20D89-0629-4C0C-BC93-68D5471D5D8D}"/>
+                <a16:creationId xmlns:a16="http://schemas.microsoft.com/office/drawing/2014/main" xmlns="" id="{FDB20D89-0629-4C0C-BC93-68D5471D5D8D}"/>
               </a:ext>
             </a:extLst>
           </p:cNvPr>
@@ -1128,7 +1128,7 @@
           <p:cNvPr id="4" name="날짜 개체 틀 3">
             <a:extLst>
               <a:ext uri="{FF2B5EF4-FFF2-40B4-BE49-F238E27FC236}">
-                <a16:creationId xmlns:a16="http://schemas.microsoft.com/office/drawing/2014/main" id="{9875017A-08E3-4CD3-B19F-4B2021C073C7}"/>
+                <a16:creationId xmlns:a16="http://schemas.microsoft.com/office/drawing/2014/main" xmlns="" id="{9875017A-08E3-4CD3-B19F-4B2021C073C7}"/>
               </a:ext>
             </a:extLst>
           </p:cNvPr>
@@ -1146,7 +1146,7 @@
           <a:p>
             <a:fld id="{0EEF20BB-663D-418E-A6A8-F1EF61C78B52}" type="datetimeFigureOut">
               <a:rPr lang="ko-KR" altLang="en-US" smtClean="0"/>
-              <a:t>2019-07-05</a:t>
+              <a:t>2019-07-10</a:t>
             </a:fld>
             <a:endParaRPr lang="ko-KR" altLang="en-US"/>
           </a:p>
@@ -1157,7 +1157,7 @@
           <p:cNvPr id="5" name="바닥글 개체 틀 4">
             <a:extLst>
               <a:ext uri="{FF2B5EF4-FFF2-40B4-BE49-F238E27FC236}">
-                <a16:creationId xmlns:a16="http://schemas.microsoft.com/office/drawing/2014/main" id="{7B15893B-536F-4A4B-B2B5-07B2A8771F02}"/>
+                <a16:creationId xmlns:a16="http://schemas.microsoft.com/office/drawing/2014/main" xmlns="" id="{7B15893B-536F-4A4B-B2B5-07B2A8771F02}"/>
               </a:ext>
             </a:extLst>
           </p:cNvPr>
@@ -1182,7 +1182,7 @@
           <p:cNvPr id="6" name="슬라이드 번호 개체 틀 5">
             <a:extLst>
               <a:ext uri="{FF2B5EF4-FFF2-40B4-BE49-F238E27FC236}">
-                <a16:creationId xmlns:a16="http://schemas.microsoft.com/office/drawing/2014/main" id="{306CD8DE-E045-48B7-B58B-96C00956164B}"/>
+                <a16:creationId xmlns:a16="http://schemas.microsoft.com/office/drawing/2014/main" xmlns="" id="{306CD8DE-E045-48B7-B58B-96C00956164B}"/>
               </a:ext>
             </a:extLst>
           </p:cNvPr>
@@ -1241,7 +1241,7 @@
           <p:cNvPr id="2" name="제목 1">
             <a:extLst>
               <a:ext uri="{FF2B5EF4-FFF2-40B4-BE49-F238E27FC236}">
-                <a16:creationId xmlns:a16="http://schemas.microsoft.com/office/drawing/2014/main" id="{D04E05B5-825F-4F72-B044-ECA0A10E76F7}"/>
+                <a16:creationId xmlns:a16="http://schemas.microsoft.com/office/drawing/2014/main" xmlns="" id="{D04E05B5-825F-4F72-B044-ECA0A10E76F7}"/>
               </a:ext>
             </a:extLst>
           </p:cNvPr>
@@ -1269,7 +1269,7 @@
           <p:cNvPr id="3" name="내용 개체 틀 2">
             <a:extLst>
               <a:ext uri="{FF2B5EF4-FFF2-40B4-BE49-F238E27FC236}">
-                <a16:creationId xmlns:a16="http://schemas.microsoft.com/office/drawing/2014/main" id="{F3FFB805-3CBF-4091-AC02-4A8F527390A1}"/>
+                <a16:creationId xmlns:a16="http://schemas.microsoft.com/office/drawing/2014/main" xmlns="" id="{F3FFB805-3CBF-4091-AC02-4A8F527390A1}"/>
               </a:ext>
             </a:extLst>
           </p:cNvPr>
@@ -1331,7 +1331,7 @@
           <p:cNvPr id="4" name="내용 개체 틀 3">
             <a:extLst>
               <a:ext uri="{FF2B5EF4-FFF2-40B4-BE49-F238E27FC236}">
-                <a16:creationId xmlns:a16="http://schemas.microsoft.com/office/drawing/2014/main" id="{FEC22730-266C-4146-91D9-C83A1B5EBDD8}"/>
+                <a16:creationId xmlns:a16="http://schemas.microsoft.com/office/drawing/2014/main" xmlns="" id="{FEC22730-266C-4146-91D9-C83A1B5EBDD8}"/>
               </a:ext>
             </a:extLst>
           </p:cNvPr>
@@ -1393,7 +1393,7 @@
           <p:cNvPr id="5" name="날짜 개체 틀 4">
             <a:extLst>
               <a:ext uri="{FF2B5EF4-FFF2-40B4-BE49-F238E27FC236}">
-                <a16:creationId xmlns:a16="http://schemas.microsoft.com/office/drawing/2014/main" id="{3F5B0C70-A939-4343-8D67-5A8EB7BEC1B3}"/>
+                <a16:creationId xmlns:a16="http://schemas.microsoft.com/office/drawing/2014/main" xmlns="" id="{3F5B0C70-A939-4343-8D67-5A8EB7BEC1B3}"/>
               </a:ext>
             </a:extLst>
           </p:cNvPr>
@@ -1411,7 +1411,7 @@
           <a:p>
             <a:fld id="{0EEF20BB-663D-418E-A6A8-F1EF61C78B52}" type="datetimeFigureOut">
               <a:rPr lang="ko-KR" altLang="en-US" smtClean="0"/>
-              <a:t>2019-07-05</a:t>
+              <a:t>2019-07-10</a:t>
             </a:fld>
             <a:endParaRPr lang="ko-KR" altLang="en-US"/>
           </a:p>
@@ -1422,7 +1422,7 @@
           <p:cNvPr id="6" name="바닥글 개체 틀 5">
             <a:extLst>
               <a:ext uri="{FF2B5EF4-FFF2-40B4-BE49-F238E27FC236}">
-                <a16:creationId xmlns:a16="http://schemas.microsoft.com/office/drawing/2014/main" id="{4FCA7A22-51C4-4676-87B4-9A3F5FE2F1CB}"/>
+                <a16:creationId xmlns:a16="http://schemas.microsoft.com/office/drawing/2014/main" xmlns="" id="{4FCA7A22-51C4-4676-87B4-9A3F5FE2F1CB}"/>
               </a:ext>
             </a:extLst>
           </p:cNvPr>
@@ -1447,7 +1447,7 @@
           <p:cNvPr id="7" name="슬라이드 번호 개체 틀 6">
             <a:extLst>
               <a:ext uri="{FF2B5EF4-FFF2-40B4-BE49-F238E27FC236}">
-                <a16:creationId xmlns:a16="http://schemas.microsoft.com/office/drawing/2014/main" id="{6C614AF7-8016-4F98-9BD3-931D0B420709}"/>
+                <a16:creationId xmlns:a16="http://schemas.microsoft.com/office/drawing/2014/main" xmlns="" id="{6C614AF7-8016-4F98-9BD3-931D0B420709}"/>
               </a:ext>
             </a:extLst>
           </p:cNvPr>
@@ -1506,7 +1506,7 @@
           <p:cNvPr id="2" name="제목 1">
             <a:extLst>
               <a:ext uri="{FF2B5EF4-FFF2-40B4-BE49-F238E27FC236}">
-                <a16:creationId xmlns:a16="http://schemas.microsoft.com/office/drawing/2014/main" id="{F37DC2B0-EE6A-44AB-8C37-2F93B2FAD5CB}"/>
+                <a16:creationId xmlns:a16="http://schemas.microsoft.com/office/drawing/2014/main" xmlns="" id="{F37DC2B0-EE6A-44AB-8C37-2F93B2FAD5CB}"/>
               </a:ext>
             </a:extLst>
           </p:cNvPr>
@@ -1539,7 +1539,7 @@
           <p:cNvPr id="3" name="텍스트 개체 틀 2">
             <a:extLst>
               <a:ext uri="{FF2B5EF4-FFF2-40B4-BE49-F238E27FC236}">
-                <a16:creationId xmlns:a16="http://schemas.microsoft.com/office/drawing/2014/main" id="{7CC1EFF3-05C7-4561-9B1A-08824E621FFA}"/>
+                <a16:creationId xmlns:a16="http://schemas.microsoft.com/office/drawing/2014/main" xmlns="" id="{7CC1EFF3-05C7-4561-9B1A-08824E621FFA}"/>
               </a:ext>
             </a:extLst>
           </p:cNvPr>
@@ -1610,7 +1610,7 @@
           <p:cNvPr id="4" name="내용 개체 틀 3">
             <a:extLst>
               <a:ext uri="{FF2B5EF4-FFF2-40B4-BE49-F238E27FC236}">
-                <a16:creationId xmlns:a16="http://schemas.microsoft.com/office/drawing/2014/main" id="{0862530E-A54D-4441-A6DD-30AE6F42D929}"/>
+                <a16:creationId xmlns:a16="http://schemas.microsoft.com/office/drawing/2014/main" xmlns="" id="{0862530E-A54D-4441-A6DD-30AE6F42D929}"/>
               </a:ext>
             </a:extLst>
           </p:cNvPr>
@@ -1672,7 +1672,7 @@
           <p:cNvPr id="5" name="텍스트 개체 틀 4">
             <a:extLst>
               <a:ext uri="{FF2B5EF4-FFF2-40B4-BE49-F238E27FC236}">
-                <a16:creationId xmlns:a16="http://schemas.microsoft.com/office/drawing/2014/main" id="{44C97BBA-7ED5-4BBF-8E90-F9AFB29F7095}"/>
+                <a16:creationId xmlns:a16="http://schemas.microsoft.com/office/drawing/2014/main" xmlns="" id="{44C97BBA-7ED5-4BBF-8E90-F9AFB29F7095}"/>
               </a:ext>
             </a:extLst>
           </p:cNvPr>
@@ -1743,7 +1743,7 @@
           <p:cNvPr id="6" name="내용 개체 틀 5">
             <a:extLst>
               <a:ext uri="{FF2B5EF4-FFF2-40B4-BE49-F238E27FC236}">
-                <a16:creationId xmlns:a16="http://schemas.microsoft.com/office/drawing/2014/main" id="{EBEE150D-1113-45B2-A397-35296E941F80}"/>
+                <a16:creationId xmlns:a16="http://schemas.microsoft.com/office/drawing/2014/main" xmlns="" id="{EBEE150D-1113-45B2-A397-35296E941F80}"/>
               </a:ext>
             </a:extLst>
           </p:cNvPr>
@@ -1805,7 +1805,7 @@
           <p:cNvPr id="7" name="날짜 개체 틀 6">
             <a:extLst>
               <a:ext uri="{FF2B5EF4-FFF2-40B4-BE49-F238E27FC236}">
-                <a16:creationId xmlns:a16="http://schemas.microsoft.com/office/drawing/2014/main" id="{633F45BC-2739-4C94-8094-2EBCAA0A9ACC}"/>
+                <a16:creationId xmlns:a16="http://schemas.microsoft.com/office/drawing/2014/main" xmlns="" id="{633F45BC-2739-4C94-8094-2EBCAA0A9ACC}"/>
               </a:ext>
             </a:extLst>
           </p:cNvPr>
@@ -1823,7 +1823,7 @@
           <a:p>
             <a:fld id="{0EEF20BB-663D-418E-A6A8-F1EF61C78B52}" type="datetimeFigureOut">
               <a:rPr lang="ko-KR" altLang="en-US" smtClean="0"/>
-              <a:t>2019-07-05</a:t>
+              <a:t>2019-07-10</a:t>
             </a:fld>
             <a:endParaRPr lang="ko-KR" altLang="en-US"/>
           </a:p>
@@ -1834,7 +1834,7 @@
           <p:cNvPr id="8" name="바닥글 개체 틀 7">
             <a:extLst>
               <a:ext uri="{FF2B5EF4-FFF2-40B4-BE49-F238E27FC236}">
-                <a16:creationId xmlns:a16="http://schemas.microsoft.com/office/drawing/2014/main" id="{60DAE682-3616-4373-B5C7-07B482E2A9EF}"/>
+                <a16:creationId xmlns:a16="http://schemas.microsoft.com/office/drawing/2014/main" xmlns="" id="{60DAE682-3616-4373-B5C7-07B482E2A9EF}"/>
               </a:ext>
             </a:extLst>
           </p:cNvPr>
@@ -1859,7 +1859,7 @@
           <p:cNvPr id="9" name="슬라이드 번호 개체 틀 8">
             <a:extLst>
               <a:ext uri="{FF2B5EF4-FFF2-40B4-BE49-F238E27FC236}">
-                <a16:creationId xmlns:a16="http://schemas.microsoft.com/office/drawing/2014/main" id="{9E616BB9-A656-46C0-89BE-56503477CE28}"/>
+                <a16:creationId xmlns:a16="http://schemas.microsoft.com/office/drawing/2014/main" xmlns="" id="{9E616BB9-A656-46C0-89BE-56503477CE28}"/>
               </a:ext>
             </a:extLst>
           </p:cNvPr>
@@ -1918,7 +1918,7 @@
           <p:cNvPr id="2" name="제목 1">
             <a:extLst>
               <a:ext uri="{FF2B5EF4-FFF2-40B4-BE49-F238E27FC236}">
-                <a16:creationId xmlns:a16="http://schemas.microsoft.com/office/drawing/2014/main" id="{413536B9-A8BD-4AED-A7F0-28B9939B6DFF}"/>
+                <a16:creationId xmlns:a16="http://schemas.microsoft.com/office/drawing/2014/main" xmlns="" id="{413536B9-A8BD-4AED-A7F0-28B9939B6DFF}"/>
               </a:ext>
             </a:extLst>
           </p:cNvPr>
@@ -1946,7 +1946,7 @@
           <p:cNvPr id="3" name="날짜 개체 틀 2">
             <a:extLst>
               <a:ext uri="{FF2B5EF4-FFF2-40B4-BE49-F238E27FC236}">
-                <a16:creationId xmlns:a16="http://schemas.microsoft.com/office/drawing/2014/main" id="{463E9A22-BC78-43F8-A6D9-04C741747141}"/>
+                <a16:creationId xmlns:a16="http://schemas.microsoft.com/office/drawing/2014/main" xmlns="" id="{463E9A22-BC78-43F8-A6D9-04C741747141}"/>
               </a:ext>
             </a:extLst>
           </p:cNvPr>
@@ -1964,7 +1964,7 @@
           <a:p>
             <a:fld id="{0EEF20BB-663D-418E-A6A8-F1EF61C78B52}" type="datetimeFigureOut">
               <a:rPr lang="ko-KR" altLang="en-US" smtClean="0"/>
-              <a:t>2019-07-05</a:t>
+              <a:t>2019-07-10</a:t>
             </a:fld>
             <a:endParaRPr lang="ko-KR" altLang="en-US"/>
           </a:p>
@@ -1975,7 +1975,7 @@
           <p:cNvPr id="4" name="바닥글 개체 틀 3">
             <a:extLst>
               <a:ext uri="{FF2B5EF4-FFF2-40B4-BE49-F238E27FC236}">
-                <a16:creationId xmlns:a16="http://schemas.microsoft.com/office/drawing/2014/main" id="{355E2047-A656-4671-ACAB-91F2C0313626}"/>
+                <a16:creationId xmlns:a16="http://schemas.microsoft.com/office/drawing/2014/main" xmlns="" id="{355E2047-A656-4671-ACAB-91F2C0313626}"/>
               </a:ext>
             </a:extLst>
           </p:cNvPr>
@@ -2000,7 +2000,7 @@
           <p:cNvPr id="5" name="슬라이드 번호 개체 틀 4">
             <a:extLst>
               <a:ext uri="{FF2B5EF4-FFF2-40B4-BE49-F238E27FC236}">
-                <a16:creationId xmlns:a16="http://schemas.microsoft.com/office/drawing/2014/main" id="{85340CE3-BBC4-422B-A010-9C9973D64A6D}"/>
+                <a16:creationId xmlns:a16="http://schemas.microsoft.com/office/drawing/2014/main" xmlns="" id="{85340CE3-BBC4-422B-A010-9C9973D64A6D}"/>
               </a:ext>
             </a:extLst>
           </p:cNvPr>
@@ -2059,7 +2059,7 @@
           <p:cNvPr id="2" name="날짜 개체 틀 1">
             <a:extLst>
               <a:ext uri="{FF2B5EF4-FFF2-40B4-BE49-F238E27FC236}">
-                <a16:creationId xmlns:a16="http://schemas.microsoft.com/office/drawing/2014/main" id="{F46F170F-C378-4ED6-A32B-6BD052CC65E4}"/>
+                <a16:creationId xmlns:a16="http://schemas.microsoft.com/office/drawing/2014/main" xmlns="" id="{F46F170F-C378-4ED6-A32B-6BD052CC65E4}"/>
               </a:ext>
             </a:extLst>
           </p:cNvPr>
@@ -2077,7 +2077,7 @@
           <a:p>
             <a:fld id="{0EEF20BB-663D-418E-A6A8-F1EF61C78B52}" type="datetimeFigureOut">
               <a:rPr lang="ko-KR" altLang="en-US" smtClean="0"/>
-              <a:t>2019-07-05</a:t>
+              <a:t>2019-07-10</a:t>
             </a:fld>
             <a:endParaRPr lang="ko-KR" altLang="en-US"/>
           </a:p>
@@ -2088,7 +2088,7 @@
           <p:cNvPr id="3" name="바닥글 개체 틀 2">
             <a:extLst>
               <a:ext uri="{FF2B5EF4-FFF2-40B4-BE49-F238E27FC236}">
-                <a16:creationId xmlns:a16="http://schemas.microsoft.com/office/drawing/2014/main" id="{D1BC16C3-2EFA-4F14-85AB-0A5AA1D9A5A0}"/>
+                <a16:creationId xmlns:a16="http://schemas.microsoft.com/office/drawing/2014/main" xmlns="" id="{D1BC16C3-2EFA-4F14-85AB-0A5AA1D9A5A0}"/>
               </a:ext>
             </a:extLst>
           </p:cNvPr>
@@ -2113,7 +2113,7 @@
           <p:cNvPr id="4" name="슬라이드 번호 개체 틀 3">
             <a:extLst>
               <a:ext uri="{FF2B5EF4-FFF2-40B4-BE49-F238E27FC236}">
-                <a16:creationId xmlns:a16="http://schemas.microsoft.com/office/drawing/2014/main" id="{63850378-F03F-4A6D-9559-8A01B0AAF7FD}"/>
+                <a16:creationId xmlns:a16="http://schemas.microsoft.com/office/drawing/2014/main" xmlns="" id="{63850378-F03F-4A6D-9559-8A01B0AAF7FD}"/>
               </a:ext>
             </a:extLst>
           </p:cNvPr>
@@ -2172,7 +2172,7 @@
           <p:cNvPr id="2" name="제목 1">
             <a:extLst>
               <a:ext uri="{FF2B5EF4-FFF2-40B4-BE49-F238E27FC236}">
-                <a16:creationId xmlns:a16="http://schemas.microsoft.com/office/drawing/2014/main" id="{ED7F0D63-3595-4B0B-A4E2-E8C032659C4B}"/>
+                <a16:creationId xmlns:a16="http://schemas.microsoft.com/office/drawing/2014/main" xmlns="" id="{ED7F0D63-3595-4B0B-A4E2-E8C032659C4B}"/>
               </a:ext>
             </a:extLst>
           </p:cNvPr>
@@ -2209,7 +2209,7 @@
           <p:cNvPr id="3" name="내용 개체 틀 2">
             <a:extLst>
               <a:ext uri="{FF2B5EF4-FFF2-40B4-BE49-F238E27FC236}">
-                <a16:creationId xmlns:a16="http://schemas.microsoft.com/office/drawing/2014/main" id="{26345AF7-775D-4EC1-BB9C-36B9C301FA41}"/>
+                <a16:creationId xmlns:a16="http://schemas.microsoft.com/office/drawing/2014/main" xmlns="" id="{26345AF7-775D-4EC1-BB9C-36B9C301FA41}"/>
               </a:ext>
             </a:extLst>
           </p:cNvPr>
@@ -2299,7 +2299,7 @@
           <p:cNvPr id="4" name="텍스트 개체 틀 3">
             <a:extLst>
               <a:ext uri="{FF2B5EF4-FFF2-40B4-BE49-F238E27FC236}">
-                <a16:creationId xmlns:a16="http://schemas.microsoft.com/office/drawing/2014/main" id="{29646DE5-0FFD-4F6D-915E-9ED36B519EAA}"/>
+                <a16:creationId xmlns:a16="http://schemas.microsoft.com/office/drawing/2014/main" xmlns="" id="{29646DE5-0FFD-4F6D-915E-9ED36B519EAA}"/>
               </a:ext>
             </a:extLst>
           </p:cNvPr>
@@ -2370,7 +2370,7 @@
           <p:cNvPr id="5" name="날짜 개체 틀 4">
             <a:extLst>
               <a:ext uri="{FF2B5EF4-FFF2-40B4-BE49-F238E27FC236}">
-                <a16:creationId xmlns:a16="http://schemas.microsoft.com/office/drawing/2014/main" id="{DA36F71F-1010-42DE-9AC9-47CA75388EA5}"/>
+                <a16:creationId xmlns:a16="http://schemas.microsoft.com/office/drawing/2014/main" xmlns="" id="{DA36F71F-1010-42DE-9AC9-47CA75388EA5}"/>
               </a:ext>
             </a:extLst>
           </p:cNvPr>
@@ -2388,7 +2388,7 @@
           <a:p>
             <a:fld id="{0EEF20BB-663D-418E-A6A8-F1EF61C78B52}" type="datetimeFigureOut">
               <a:rPr lang="ko-KR" altLang="en-US" smtClean="0"/>
-              <a:t>2019-07-05</a:t>
+              <a:t>2019-07-10</a:t>
             </a:fld>
             <a:endParaRPr lang="ko-KR" altLang="en-US"/>
           </a:p>
@@ -2399,7 +2399,7 @@
           <p:cNvPr id="6" name="바닥글 개체 틀 5">
             <a:extLst>
               <a:ext uri="{FF2B5EF4-FFF2-40B4-BE49-F238E27FC236}">
-                <a16:creationId xmlns:a16="http://schemas.microsoft.com/office/drawing/2014/main" id="{4839E590-3B67-4EB1-9157-AC3D1E5E04C3}"/>
+                <a16:creationId xmlns:a16="http://schemas.microsoft.com/office/drawing/2014/main" xmlns="" id="{4839E590-3B67-4EB1-9157-AC3D1E5E04C3}"/>
               </a:ext>
             </a:extLst>
           </p:cNvPr>
@@ -2424,7 +2424,7 @@
           <p:cNvPr id="7" name="슬라이드 번호 개체 틀 6">
             <a:extLst>
               <a:ext uri="{FF2B5EF4-FFF2-40B4-BE49-F238E27FC236}">
-                <a16:creationId xmlns:a16="http://schemas.microsoft.com/office/drawing/2014/main" id="{99F54673-36FF-4D85-9E19-3D7D0B1C140F}"/>
+                <a16:creationId xmlns:a16="http://schemas.microsoft.com/office/drawing/2014/main" xmlns="" id="{99F54673-36FF-4D85-9E19-3D7D0B1C140F}"/>
               </a:ext>
             </a:extLst>
           </p:cNvPr>
@@ -2483,7 +2483,7 @@
           <p:cNvPr id="2" name="제목 1">
             <a:extLst>
               <a:ext uri="{FF2B5EF4-FFF2-40B4-BE49-F238E27FC236}">
-                <a16:creationId xmlns:a16="http://schemas.microsoft.com/office/drawing/2014/main" id="{257BD887-C185-4E83-B232-573BD19ED592}"/>
+                <a16:creationId xmlns:a16="http://schemas.microsoft.com/office/drawing/2014/main" xmlns="" id="{257BD887-C185-4E83-B232-573BD19ED592}"/>
               </a:ext>
             </a:extLst>
           </p:cNvPr>
@@ -2520,7 +2520,7 @@
           <p:cNvPr id="3" name="그림 개체 틀 2">
             <a:extLst>
               <a:ext uri="{FF2B5EF4-FFF2-40B4-BE49-F238E27FC236}">
-                <a16:creationId xmlns:a16="http://schemas.microsoft.com/office/drawing/2014/main" id="{4D532441-CAFA-4A63-83CF-1DF6C0E76A4D}"/>
+                <a16:creationId xmlns:a16="http://schemas.microsoft.com/office/drawing/2014/main" xmlns="" id="{4D532441-CAFA-4A63-83CF-1DF6C0E76A4D}"/>
               </a:ext>
             </a:extLst>
           </p:cNvPr>
@@ -2587,7 +2587,7 @@
           <p:cNvPr id="4" name="텍스트 개체 틀 3">
             <a:extLst>
               <a:ext uri="{FF2B5EF4-FFF2-40B4-BE49-F238E27FC236}">
-                <a16:creationId xmlns:a16="http://schemas.microsoft.com/office/drawing/2014/main" id="{503CAC43-AC9C-44FC-80D8-47F77F84B98B}"/>
+                <a16:creationId xmlns:a16="http://schemas.microsoft.com/office/drawing/2014/main" xmlns="" id="{503CAC43-AC9C-44FC-80D8-47F77F84B98B}"/>
               </a:ext>
             </a:extLst>
           </p:cNvPr>
@@ -2658,7 +2658,7 @@
           <p:cNvPr id="5" name="날짜 개체 틀 4">
             <a:extLst>
               <a:ext uri="{FF2B5EF4-FFF2-40B4-BE49-F238E27FC236}">
-                <a16:creationId xmlns:a16="http://schemas.microsoft.com/office/drawing/2014/main" id="{0D15A154-0916-44F2-8F99-F6671A1148A7}"/>
+                <a16:creationId xmlns:a16="http://schemas.microsoft.com/office/drawing/2014/main" xmlns="" id="{0D15A154-0916-44F2-8F99-F6671A1148A7}"/>
               </a:ext>
             </a:extLst>
           </p:cNvPr>
@@ -2676,7 +2676,7 @@
           <a:p>
             <a:fld id="{0EEF20BB-663D-418E-A6A8-F1EF61C78B52}" type="datetimeFigureOut">
               <a:rPr lang="ko-KR" altLang="en-US" smtClean="0"/>
-              <a:t>2019-07-05</a:t>
+              <a:t>2019-07-10</a:t>
             </a:fld>
             <a:endParaRPr lang="ko-KR" altLang="en-US"/>
           </a:p>
@@ -2687,7 +2687,7 @@
           <p:cNvPr id="6" name="바닥글 개체 틀 5">
             <a:extLst>
               <a:ext uri="{FF2B5EF4-FFF2-40B4-BE49-F238E27FC236}">
-                <a16:creationId xmlns:a16="http://schemas.microsoft.com/office/drawing/2014/main" id="{FBF07A13-9368-4350-83A3-43B23432206C}"/>
+                <a16:creationId xmlns:a16="http://schemas.microsoft.com/office/drawing/2014/main" xmlns="" id="{FBF07A13-9368-4350-83A3-43B23432206C}"/>
               </a:ext>
             </a:extLst>
           </p:cNvPr>
@@ -2712,7 +2712,7 @@
           <p:cNvPr id="7" name="슬라이드 번호 개체 틀 6">
             <a:extLst>
               <a:ext uri="{FF2B5EF4-FFF2-40B4-BE49-F238E27FC236}">
-                <a16:creationId xmlns:a16="http://schemas.microsoft.com/office/drawing/2014/main" id="{A0196FF0-B103-4299-BA6C-E1DDD8FB94BD}"/>
+                <a16:creationId xmlns:a16="http://schemas.microsoft.com/office/drawing/2014/main" xmlns="" id="{A0196FF0-B103-4299-BA6C-E1DDD8FB94BD}"/>
               </a:ext>
             </a:extLst>
           </p:cNvPr>
@@ -2776,7 +2776,7 @@
           <p:cNvPr id="2" name="제목 개체 틀 1">
             <a:extLst>
               <a:ext uri="{FF2B5EF4-FFF2-40B4-BE49-F238E27FC236}">
-                <a16:creationId xmlns:a16="http://schemas.microsoft.com/office/drawing/2014/main" id="{4E76F52E-7280-451D-A673-F55E8264EA15}"/>
+                <a16:creationId xmlns:a16="http://schemas.microsoft.com/office/drawing/2014/main" xmlns="" id="{4E76F52E-7280-451D-A673-F55E8264EA15}"/>
               </a:ext>
             </a:extLst>
           </p:cNvPr>
@@ -2814,7 +2814,7 @@
           <p:cNvPr id="3" name="텍스트 개체 틀 2">
             <a:extLst>
               <a:ext uri="{FF2B5EF4-FFF2-40B4-BE49-F238E27FC236}">
-                <a16:creationId xmlns:a16="http://schemas.microsoft.com/office/drawing/2014/main" id="{5722A08F-DE6A-4BED-8898-5CA48771DB5B}"/>
+                <a16:creationId xmlns:a16="http://schemas.microsoft.com/office/drawing/2014/main" xmlns="" id="{5722A08F-DE6A-4BED-8898-5CA48771DB5B}"/>
               </a:ext>
             </a:extLst>
           </p:cNvPr>
@@ -2881,7 +2881,7 @@
           <p:cNvPr id="4" name="날짜 개체 틀 3">
             <a:extLst>
               <a:ext uri="{FF2B5EF4-FFF2-40B4-BE49-F238E27FC236}">
-                <a16:creationId xmlns:a16="http://schemas.microsoft.com/office/drawing/2014/main" id="{C5F1FCB4-F6C2-413F-97B0-39B8D575C23F}"/>
+                <a16:creationId xmlns:a16="http://schemas.microsoft.com/office/drawing/2014/main" xmlns="" id="{C5F1FCB4-F6C2-413F-97B0-39B8D575C23F}"/>
               </a:ext>
             </a:extLst>
           </p:cNvPr>
@@ -2917,7 +2917,7 @@
           <a:p>
             <a:fld id="{0EEF20BB-663D-418E-A6A8-F1EF61C78B52}" type="datetimeFigureOut">
               <a:rPr lang="ko-KR" altLang="en-US" smtClean="0"/>
-              <a:t>2019-07-05</a:t>
+              <a:t>2019-07-10</a:t>
             </a:fld>
             <a:endParaRPr lang="ko-KR" altLang="en-US"/>
           </a:p>
@@ -2928,7 +2928,7 @@
           <p:cNvPr id="5" name="바닥글 개체 틀 4">
             <a:extLst>
               <a:ext uri="{FF2B5EF4-FFF2-40B4-BE49-F238E27FC236}">
-                <a16:creationId xmlns:a16="http://schemas.microsoft.com/office/drawing/2014/main" id="{C857CD03-CD61-489B-BAF5-3B2C56891B46}"/>
+                <a16:creationId xmlns:a16="http://schemas.microsoft.com/office/drawing/2014/main" xmlns="" id="{C857CD03-CD61-489B-BAF5-3B2C56891B46}"/>
               </a:ext>
             </a:extLst>
           </p:cNvPr>
@@ -2971,7 +2971,7 @@
           <p:cNvPr id="6" name="슬라이드 번호 개체 틀 5">
             <a:extLst>
               <a:ext uri="{FF2B5EF4-FFF2-40B4-BE49-F238E27FC236}">
-                <a16:creationId xmlns:a16="http://schemas.microsoft.com/office/drawing/2014/main" id="{7283BC56-1D4D-45A1-9141-184A3F3E6644}"/>
+                <a16:creationId xmlns:a16="http://schemas.microsoft.com/office/drawing/2014/main" xmlns="" id="{7283BC56-1D4D-45A1-9141-184A3F3E6644}"/>
               </a:ext>
             </a:extLst>
           </p:cNvPr>
@@ -3339,7 +3339,7 @@
           <p:cNvPr id="4" name="직사각형 3">
             <a:extLst>
               <a:ext uri="{FF2B5EF4-FFF2-40B4-BE49-F238E27FC236}">
-                <a16:creationId xmlns:a16="http://schemas.microsoft.com/office/drawing/2014/main" id="{106E2E02-125D-4F9D-AC3C-ED8BF11CAA5E}"/>
+                <a16:creationId xmlns:a16="http://schemas.microsoft.com/office/drawing/2014/main" xmlns="" id="{106E2E02-125D-4F9D-AC3C-ED8BF11CAA5E}"/>
               </a:ext>
             </a:extLst>
           </p:cNvPr>
@@ -3388,7 +3388,7 @@
           <p:cNvPr id="7" name="Group 129">
             <a:extLst>
               <a:ext uri="{FF2B5EF4-FFF2-40B4-BE49-F238E27FC236}">
-                <a16:creationId xmlns:a16="http://schemas.microsoft.com/office/drawing/2014/main" id="{ED10A177-F284-42AD-B325-1CF1C4B40024}"/>
+                <a16:creationId xmlns:a16="http://schemas.microsoft.com/office/drawing/2014/main" xmlns="" id="{ED10A177-F284-42AD-B325-1CF1C4B40024}"/>
               </a:ext>
             </a:extLst>
           </p:cNvPr>
@@ -3415,35 +3415,35 @@
                 <a:gridCol w="1646498">
                   <a:extLst>
                     <a:ext uri="{9D8B030D-6E8A-4147-A177-3AD203B41FA5}">
-                      <a16:colId xmlns:a16="http://schemas.microsoft.com/office/drawing/2014/main" val="20000"/>
+                      <a16:colId xmlns:a16="http://schemas.microsoft.com/office/drawing/2014/main" xmlns="" val="20000"/>
                     </a:ext>
                   </a:extLst>
                 </a:gridCol>
                 <a:gridCol w="1646498">
                   <a:extLst>
                     <a:ext uri="{9D8B030D-6E8A-4147-A177-3AD203B41FA5}">
-                      <a16:colId xmlns:a16="http://schemas.microsoft.com/office/drawing/2014/main" val="20001"/>
+                      <a16:colId xmlns:a16="http://schemas.microsoft.com/office/drawing/2014/main" xmlns="" val="20001"/>
                     </a:ext>
                   </a:extLst>
                 </a:gridCol>
                 <a:gridCol w="1646498">
                   <a:extLst>
                     <a:ext uri="{9D8B030D-6E8A-4147-A177-3AD203B41FA5}">
-                      <a16:colId xmlns:a16="http://schemas.microsoft.com/office/drawing/2014/main" val="20002"/>
+                      <a16:colId xmlns:a16="http://schemas.microsoft.com/office/drawing/2014/main" xmlns="" val="20002"/>
                     </a:ext>
                   </a:extLst>
                 </a:gridCol>
                 <a:gridCol w="1646498">
                   <a:extLst>
                     <a:ext uri="{9D8B030D-6E8A-4147-A177-3AD203B41FA5}">
-                      <a16:colId xmlns:a16="http://schemas.microsoft.com/office/drawing/2014/main" val="20003"/>
+                      <a16:colId xmlns:a16="http://schemas.microsoft.com/office/drawing/2014/main" xmlns="" val="20003"/>
                     </a:ext>
                   </a:extLst>
                 </a:gridCol>
                 <a:gridCol w="1646498">
                   <a:extLst>
                     <a:ext uri="{9D8B030D-6E8A-4147-A177-3AD203B41FA5}">
-                      <a16:colId xmlns:a16="http://schemas.microsoft.com/office/drawing/2014/main" val="20004"/>
+                      <a16:colId xmlns:a16="http://schemas.microsoft.com/office/drawing/2014/main" xmlns="" val="20004"/>
                     </a:ext>
                   </a:extLst>
                 </a:gridCol>
@@ -3885,7 +3885,7 @@
                 </a:tc>
                 <a:extLst>
                   <a:ext uri="{0D108BD9-81ED-4DB2-BD59-A6C34878D82A}">
-                    <a16:rowId xmlns:a16="http://schemas.microsoft.com/office/drawing/2014/main" val="10000"/>
+                    <a16:rowId xmlns:a16="http://schemas.microsoft.com/office/drawing/2014/main" xmlns="" val="10000"/>
                   </a:ext>
                 </a:extLst>
               </a:tr>
@@ -4301,7 +4301,7 @@
                 </a:tc>
                 <a:extLst>
                   <a:ext uri="{0D108BD9-81ED-4DB2-BD59-A6C34878D82A}">
-                    <a16:rowId xmlns:a16="http://schemas.microsoft.com/office/drawing/2014/main" val="10001"/>
+                    <a16:rowId xmlns:a16="http://schemas.microsoft.com/office/drawing/2014/main" xmlns="" val="10001"/>
                   </a:ext>
                 </a:extLst>
               </a:tr>
@@ -4314,7 +4314,7 @@
           <p:cNvPr id="10" name="직사각형 9">
             <a:extLst>
               <a:ext uri="{FF2B5EF4-FFF2-40B4-BE49-F238E27FC236}">
-                <a16:creationId xmlns:a16="http://schemas.microsoft.com/office/drawing/2014/main" id="{CAC270B1-CC44-474B-8C78-7E155E1BE921}"/>
+                <a16:creationId xmlns:a16="http://schemas.microsoft.com/office/drawing/2014/main" xmlns="" id="{CAC270B1-CC44-474B-8C78-7E155E1BE921}"/>
               </a:ext>
             </a:extLst>
           </p:cNvPr>
@@ -4368,7 +4368,7 @@
           <p:cNvPr id="9" name="그림 8">
             <a:extLst>
               <a:ext uri="{FF2B5EF4-FFF2-40B4-BE49-F238E27FC236}">
-                <a16:creationId xmlns:a16="http://schemas.microsoft.com/office/drawing/2014/main" id="{1567CCE0-92CD-4468-899B-031430E06946}"/>
+                <a16:creationId xmlns:a16="http://schemas.microsoft.com/office/drawing/2014/main" xmlns="" id="{1567CCE0-92CD-4468-899B-031430E06946}"/>
               </a:ext>
             </a:extLst>
           </p:cNvPr>
@@ -4404,7 +4404,7 @@
           <p:cNvPr id="11" name="TextBox 10">
             <a:extLst>
               <a:ext uri="{FF2B5EF4-FFF2-40B4-BE49-F238E27FC236}">
-                <a16:creationId xmlns:a16="http://schemas.microsoft.com/office/drawing/2014/main" id="{7B707040-B994-40BB-B513-912B973F6E08}"/>
+                <a16:creationId xmlns:a16="http://schemas.microsoft.com/office/drawing/2014/main" xmlns="" id="{7B707040-B994-40BB-B513-912B973F6E08}"/>
               </a:ext>
             </a:extLst>
           </p:cNvPr>
@@ -4459,7 +4459,7 @@
           <p:cNvPr id="12" name="TextBox 11">
             <a:extLst>
               <a:ext uri="{FF2B5EF4-FFF2-40B4-BE49-F238E27FC236}">
-                <a16:creationId xmlns:a16="http://schemas.microsoft.com/office/drawing/2014/main" id="{92291A03-ED02-4AB3-935E-9D6B31BB8AB1}"/>
+                <a16:creationId xmlns:a16="http://schemas.microsoft.com/office/drawing/2014/main" xmlns="" id="{92291A03-ED02-4AB3-935E-9D6B31BB8AB1}"/>
               </a:ext>
             </a:extLst>
           </p:cNvPr>
@@ -4503,7 +4503,7 @@
           <p:cNvPr id="14" name="직선 연결선 13">
             <a:extLst>
               <a:ext uri="{FF2B5EF4-FFF2-40B4-BE49-F238E27FC236}">
-                <a16:creationId xmlns:a16="http://schemas.microsoft.com/office/drawing/2014/main" id="{2B69BD4B-649A-476B-9319-066F3975F51B}"/>
+                <a16:creationId xmlns:a16="http://schemas.microsoft.com/office/drawing/2014/main" xmlns="" id="{2B69BD4B-649A-476B-9319-066F3975F51B}"/>
               </a:ext>
             </a:extLst>
           </p:cNvPr>
@@ -4576,7 +4576,7 @@
           <p:cNvPr id="2" name="TextBox 1">
             <a:extLst>
               <a:ext uri="{FF2B5EF4-FFF2-40B4-BE49-F238E27FC236}">
-                <a16:creationId xmlns:a16="http://schemas.microsoft.com/office/drawing/2014/main" id="{17C67F73-C4CF-4A8C-9EDE-0A3BE5B434EC}"/>
+                <a16:creationId xmlns:a16="http://schemas.microsoft.com/office/drawing/2014/main" xmlns="" id="{17C67F73-C4CF-4A8C-9EDE-0A3BE5B434EC}"/>
               </a:ext>
             </a:extLst>
           </p:cNvPr>
@@ -4664,7 +4664,7 @@
           <p:cNvPr id="4" name="직사각형 3">
             <a:extLst>
               <a:ext uri="{FF2B5EF4-FFF2-40B4-BE49-F238E27FC236}">
-                <a16:creationId xmlns:a16="http://schemas.microsoft.com/office/drawing/2014/main" id="{F3AC4945-6399-4DED-BA0F-0B49B0E9519D}"/>
+                <a16:creationId xmlns:a16="http://schemas.microsoft.com/office/drawing/2014/main" xmlns="" id="{F3AC4945-6399-4DED-BA0F-0B49B0E9519D}"/>
               </a:ext>
             </a:extLst>
           </p:cNvPr>
@@ -4732,7 +4732,7 @@
           <p:cNvPr id="3" name="TextBox 2">
             <a:extLst>
               <a:ext uri="{FF2B5EF4-FFF2-40B4-BE49-F238E27FC236}">
-                <a16:creationId xmlns:a16="http://schemas.microsoft.com/office/drawing/2014/main" id="{C2A53113-6117-4BE0-801A-9839CCA5AA51}"/>
+                <a16:creationId xmlns:a16="http://schemas.microsoft.com/office/drawing/2014/main" xmlns="" id="{C2A53113-6117-4BE0-801A-9839CCA5AA51}"/>
               </a:ext>
             </a:extLst>
           </p:cNvPr>
@@ -4920,7 +4920,7 @@
           <p:cNvPr id="4" name="직사각형 3">
             <a:extLst>
               <a:ext uri="{FF2B5EF4-FFF2-40B4-BE49-F238E27FC236}">
-                <a16:creationId xmlns:a16="http://schemas.microsoft.com/office/drawing/2014/main" id="{7E6BB38F-17DD-4AFA-AAC8-EC1A2298F8A3}"/>
+                <a16:creationId xmlns:a16="http://schemas.microsoft.com/office/drawing/2014/main" xmlns="" id="{7E6BB38F-17DD-4AFA-AAC8-EC1A2298F8A3}"/>
               </a:ext>
             </a:extLst>
           </p:cNvPr>
@@ -4988,7 +4988,7 @@
           <p:cNvPr id="6" name="모서리가 둥근 직사각형 5">
             <a:extLst>
               <a:ext uri="{FF2B5EF4-FFF2-40B4-BE49-F238E27FC236}">
-                <a16:creationId xmlns:a16="http://schemas.microsoft.com/office/drawing/2014/main" id="{97821731-FD2C-4DC3-AD1B-8D84EC0287D5}"/>
+                <a16:creationId xmlns:a16="http://schemas.microsoft.com/office/drawing/2014/main" xmlns="" id="{97821731-FD2C-4DC3-AD1B-8D84EC0287D5}"/>
               </a:ext>
             </a:extLst>
           </p:cNvPr>
@@ -5058,7 +5058,7 @@
           <p:cNvPr id="7" name="꺾인 연결선 8">
             <a:extLst>
               <a:ext uri="{FF2B5EF4-FFF2-40B4-BE49-F238E27FC236}">
-                <a16:creationId xmlns:a16="http://schemas.microsoft.com/office/drawing/2014/main" id="{BD98694F-4575-4A0D-91BA-8D06D22F0D70}"/>
+                <a16:creationId xmlns:a16="http://schemas.microsoft.com/office/drawing/2014/main" xmlns="" id="{BD98694F-4575-4A0D-91BA-8D06D22F0D70}"/>
               </a:ext>
             </a:extLst>
           </p:cNvPr>
@@ -5107,7 +5107,7 @@
           <p:cNvPr id="8" name="꺾인 연결선 9">
             <a:extLst>
               <a:ext uri="{FF2B5EF4-FFF2-40B4-BE49-F238E27FC236}">
-                <a16:creationId xmlns:a16="http://schemas.microsoft.com/office/drawing/2014/main" id="{7A0D543E-542A-42B9-AE65-D867342395C3}"/>
+                <a16:creationId xmlns:a16="http://schemas.microsoft.com/office/drawing/2014/main" xmlns="" id="{7A0D543E-542A-42B9-AE65-D867342395C3}"/>
               </a:ext>
             </a:extLst>
           </p:cNvPr>
@@ -5156,7 +5156,7 @@
           <p:cNvPr id="9" name="그룹 8">
             <a:extLst>
               <a:ext uri="{FF2B5EF4-FFF2-40B4-BE49-F238E27FC236}">
-                <a16:creationId xmlns:a16="http://schemas.microsoft.com/office/drawing/2014/main" id="{BB808E8E-D2BD-49AD-899D-2FF592D05C5F}"/>
+                <a16:creationId xmlns:a16="http://schemas.microsoft.com/office/drawing/2014/main" xmlns="" id="{BB808E8E-D2BD-49AD-899D-2FF592D05C5F}"/>
               </a:ext>
             </a:extLst>
           </p:cNvPr>
@@ -5176,7 +5176,7 @@
             <p:cNvPr id="10" name="모서리가 둥근 직사각형 6">
               <a:extLst>
                 <a:ext uri="{FF2B5EF4-FFF2-40B4-BE49-F238E27FC236}">
-                  <a16:creationId xmlns:a16="http://schemas.microsoft.com/office/drawing/2014/main" id="{5CF560C7-1594-47C4-B993-0950CEA0800E}"/>
+                  <a16:creationId xmlns:a16="http://schemas.microsoft.com/office/drawing/2014/main" xmlns="" id="{5CF560C7-1594-47C4-B993-0950CEA0800E}"/>
                 </a:ext>
               </a:extLst>
             </p:cNvPr>
@@ -5246,7 +5246,7 @@
             <p:cNvPr id="11" name="모서리가 둥근 직사각형 14">
               <a:extLst>
                 <a:ext uri="{FF2B5EF4-FFF2-40B4-BE49-F238E27FC236}">
-                  <a16:creationId xmlns:a16="http://schemas.microsoft.com/office/drawing/2014/main" id="{E48958AA-4FE0-49BF-98EE-BF822FC6D9DA}"/>
+                  <a16:creationId xmlns:a16="http://schemas.microsoft.com/office/drawing/2014/main" xmlns="" id="{E48958AA-4FE0-49BF-98EE-BF822FC6D9DA}"/>
                 </a:ext>
               </a:extLst>
             </p:cNvPr>
@@ -5312,7 +5312,7 @@
             <p:cNvPr id="12" name="TextBox 11">
               <a:extLst>
                 <a:ext uri="{FF2B5EF4-FFF2-40B4-BE49-F238E27FC236}">
-                  <a16:creationId xmlns:a16="http://schemas.microsoft.com/office/drawing/2014/main" id="{40CE4F7D-5080-4C7C-B4F6-914D3ABD2F0C}"/>
+                  <a16:creationId xmlns:a16="http://schemas.microsoft.com/office/drawing/2014/main" xmlns="" id="{40CE4F7D-5080-4C7C-B4F6-914D3ABD2F0C}"/>
                 </a:ext>
               </a:extLst>
             </p:cNvPr>
@@ -5351,7 +5351,7 @@
           <p:cNvPr id="13" name="그룹 12">
             <a:extLst>
               <a:ext uri="{FF2B5EF4-FFF2-40B4-BE49-F238E27FC236}">
-                <a16:creationId xmlns:a16="http://schemas.microsoft.com/office/drawing/2014/main" id="{66A9CAFA-E554-42EA-B6FE-3CAC70633290}"/>
+                <a16:creationId xmlns:a16="http://schemas.microsoft.com/office/drawing/2014/main" xmlns="" id="{66A9CAFA-E554-42EA-B6FE-3CAC70633290}"/>
               </a:ext>
             </a:extLst>
           </p:cNvPr>
@@ -5371,7 +5371,7 @@
             <p:cNvPr id="14" name="모서리가 둥근 직사각형 7">
               <a:extLst>
                 <a:ext uri="{FF2B5EF4-FFF2-40B4-BE49-F238E27FC236}">
-                  <a16:creationId xmlns:a16="http://schemas.microsoft.com/office/drawing/2014/main" id="{418D6C56-7E74-4321-8D10-5B9FD518EFF7}"/>
+                  <a16:creationId xmlns:a16="http://schemas.microsoft.com/office/drawing/2014/main" xmlns="" id="{418D6C56-7E74-4321-8D10-5B9FD518EFF7}"/>
                 </a:ext>
               </a:extLst>
             </p:cNvPr>
@@ -5441,7 +5441,7 @@
             <p:cNvPr id="15" name="모서리가 둥근 직사각형 16">
               <a:extLst>
                 <a:ext uri="{FF2B5EF4-FFF2-40B4-BE49-F238E27FC236}">
-                  <a16:creationId xmlns:a16="http://schemas.microsoft.com/office/drawing/2014/main" id="{073135EA-D7D2-4D3D-A405-C2A778F113AB}"/>
+                  <a16:creationId xmlns:a16="http://schemas.microsoft.com/office/drawing/2014/main" xmlns="" id="{073135EA-D7D2-4D3D-A405-C2A778F113AB}"/>
                 </a:ext>
               </a:extLst>
             </p:cNvPr>
@@ -5504,7 +5504,7 @@
             <p:cNvPr id="16" name="TextBox 15">
               <a:extLst>
                 <a:ext uri="{FF2B5EF4-FFF2-40B4-BE49-F238E27FC236}">
-                  <a16:creationId xmlns:a16="http://schemas.microsoft.com/office/drawing/2014/main" id="{828D8243-85D7-4326-B2DE-DE321445FEB5}"/>
+                  <a16:creationId xmlns:a16="http://schemas.microsoft.com/office/drawing/2014/main" xmlns="" id="{828D8243-85D7-4326-B2DE-DE321445FEB5}"/>
                 </a:ext>
               </a:extLst>
             </p:cNvPr>
@@ -5544,7 +5544,7 @@
           <p:cNvPr id="17" name="그룹 16">
             <a:extLst>
               <a:ext uri="{FF2B5EF4-FFF2-40B4-BE49-F238E27FC236}">
-                <a16:creationId xmlns:a16="http://schemas.microsoft.com/office/drawing/2014/main" id="{0D803E33-BC0B-440C-9A17-D260A0DE2C71}"/>
+                <a16:creationId xmlns:a16="http://schemas.microsoft.com/office/drawing/2014/main" xmlns="" id="{0D803E33-BC0B-440C-9A17-D260A0DE2C71}"/>
               </a:ext>
             </a:extLst>
           </p:cNvPr>
@@ -5564,7 +5564,7 @@
             <p:cNvPr id="18" name="모서리가 둥근 직사각형 17">
               <a:extLst>
                 <a:ext uri="{FF2B5EF4-FFF2-40B4-BE49-F238E27FC236}">
-                  <a16:creationId xmlns:a16="http://schemas.microsoft.com/office/drawing/2014/main" id="{8E8834FC-38C6-4BDA-BA00-74D271DE0795}"/>
+                  <a16:creationId xmlns:a16="http://schemas.microsoft.com/office/drawing/2014/main" xmlns="" id="{8E8834FC-38C6-4BDA-BA00-74D271DE0795}"/>
                 </a:ext>
               </a:extLst>
             </p:cNvPr>
@@ -5634,7 +5634,7 @@
             <p:cNvPr id="19" name="모서리가 둥근 직사각형 18">
               <a:extLst>
                 <a:ext uri="{FF2B5EF4-FFF2-40B4-BE49-F238E27FC236}">
-                  <a16:creationId xmlns:a16="http://schemas.microsoft.com/office/drawing/2014/main" id="{9BD43C52-4959-40FA-B557-F1EE680E6B38}"/>
+                  <a16:creationId xmlns:a16="http://schemas.microsoft.com/office/drawing/2014/main" xmlns="" id="{9BD43C52-4959-40FA-B557-F1EE680E6B38}"/>
                 </a:ext>
               </a:extLst>
             </p:cNvPr>
@@ -5698,7 +5698,7 @@
           <p:cNvPr id="20" name="그룹 19">
             <a:extLst>
               <a:ext uri="{FF2B5EF4-FFF2-40B4-BE49-F238E27FC236}">
-                <a16:creationId xmlns:a16="http://schemas.microsoft.com/office/drawing/2014/main" id="{01C07444-B358-4780-84C0-E6BAC4BE5E10}"/>
+                <a16:creationId xmlns:a16="http://schemas.microsoft.com/office/drawing/2014/main" xmlns="" id="{01C07444-B358-4780-84C0-E6BAC4BE5E10}"/>
               </a:ext>
             </a:extLst>
           </p:cNvPr>
@@ -5718,7 +5718,7 @@
             <p:cNvPr id="21" name="모서리가 둥근 직사각형 20">
               <a:extLst>
                 <a:ext uri="{FF2B5EF4-FFF2-40B4-BE49-F238E27FC236}">
-                  <a16:creationId xmlns:a16="http://schemas.microsoft.com/office/drawing/2014/main" id="{11A101CC-6EE9-461C-8FFA-9651AB84C241}"/>
+                  <a16:creationId xmlns:a16="http://schemas.microsoft.com/office/drawing/2014/main" xmlns="" id="{11A101CC-6EE9-461C-8FFA-9651AB84C241}"/>
                 </a:ext>
               </a:extLst>
             </p:cNvPr>
@@ -5788,7 +5788,7 @@
             <p:cNvPr id="22" name="모서리가 둥근 직사각형 21">
               <a:extLst>
                 <a:ext uri="{FF2B5EF4-FFF2-40B4-BE49-F238E27FC236}">
-                  <a16:creationId xmlns:a16="http://schemas.microsoft.com/office/drawing/2014/main" id="{C7CC6DE4-3B45-4E3E-9A75-149DC21A5530}"/>
+                  <a16:creationId xmlns:a16="http://schemas.microsoft.com/office/drawing/2014/main" xmlns="" id="{C7CC6DE4-3B45-4E3E-9A75-149DC21A5530}"/>
                 </a:ext>
               </a:extLst>
             </p:cNvPr>
@@ -5855,7 +5855,7 @@
           <p:cNvPr id="23" name="꺾인 연결선 22">
             <a:extLst>
               <a:ext uri="{FF2B5EF4-FFF2-40B4-BE49-F238E27FC236}">
-                <a16:creationId xmlns:a16="http://schemas.microsoft.com/office/drawing/2014/main" id="{B75532A0-8B84-4252-BB18-E463432DCF0F}"/>
+                <a16:creationId xmlns:a16="http://schemas.microsoft.com/office/drawing/2014/main" xmlns="" id="{B75532A0-8B84-4252-BB18-E463432DCF0F}"/>
               </a:ext>
             </a:extLst>
           </p:cNvPr>
@@ -5904,7 +5904,7 @@
           <p:cNvPr id="24" name="꺾인 연결선 23">
             <a:extLst>
               <a:ext uri="{FF2B5EF4-FFF2-40B4-BE49-F238E27FC236}">
-                <a16:creationId xmlns:a16="http://schemas.microsoft.com/office/drawing/2014/main" id="{888F9A3E-7E5D-4664-BF75-0635A3C6D764}"/>
+                <a16:creationId xmlns:a16="http://schemas.microsoft.com/office/drawing/2014/main" xmlns="" id="{888F9A3E-7E5D-4664-BF75-0635A3C6D764}"/>
               </a:ext>
             </a:extLst>
           </p:cNvPr>
@@ -5953,7 +5953,7 @@
           <p:cNvPr id="26" name="그룹 25">
             <a:extLst>
               <a:ext uri="{FF2B5EF4-FFF2-40B4-BE49-F238E27FC236}">
-                <a16:creationId xmlns:a16="http://schemas.microsoft.com/office/drawing/2014/main" id="{9D67947A-D58C-4C5C-890C-CEBC5B8FC1C4}"/>
+                <a16:creationId xmlns:a16="http://schemas.microsoft.com/office/drawing/2014/main" xmlns="" id="{9D67947A-D58C-4C5C-890C-CEBC5B8FC1C4}"/>
               </a:ext>
             </a:extLst>
           </p:cNvPr>
@@ -5973,7 +5973,7 @@
             <p:cNvPr id="27" name="모서리가 둥근 직사각형 26">
               <a:extLst>
                 <a:ext uri="{FF2B5EF4-FFF2-40B4-BE49-F238E27FC236}">
-                  <a16:creationId xmlns:a16="http://schemas.microsoft.com/office/drawing/2014/main" id="{56CD4194-A785-4377-8072-EA4389FDEABD}"/>
+                  <a16:creationId xmlns:a16="http://schemas.microsoft.com/office/drawing/2014/main" xmlns="" id="{56CD4194-A785-4377-8072-EA4389FDEABD}"/>
                 </a:ext>
               </a:extLst>
             </p:cNvPr>
@@ -6043,7 +6043,7 @@
             <p:cNvPr id="28" name="모서리가 둥근 직사각형 27">
               <a:extLst>
                 <a:ext uri="{FF2B5EF4-FFF2-40B4-BE49-F238E27FC236}">
-                  <a16:creationId xmlns:a16="http://schemas.microsoft.com/office/drawing/2014/main" id="{B3B53AA7-80A2-4F81-ABC1-783D3A1696A2}"/>
+                  <a16:creationId xmlns:a16="http://schemas.microsoft.com/office/drawing/2014/main" xmlns="" id="{B3B53AA7-80A2-4F81-ABC1-783D3A1696A2}"/>
                 </a:ext>
               </a:extLst>
             </p:cNvPr>
@@ -6110,7 +6110,7 @@
           <p:cNvPr id="29" name="그룹 28">
             <a:extLst>
               <a:ext uri="{FF2B5EF4-FFF2-40B4-BE49-F238E27FC236}">
-                <a16:creationId xmlns:a16="http://schemas.microsoft.com/office/drawing/2014/main" id="{87D6B60D-B1D8-4E54-9DB1-93EB09FFC167}"/>
+                <a16:creationId xmlns:a16="http://schemas.microsoft.com/office/drawing/2014/main" xmlns="" id="{87D6B60D-B1D8-4E54-9DB1-93EB09FFC167}"/>
               </a:ext>
             </a:extLst>
           </p:cNvPr>
@@ -6130,7 +6130,7 @@
             <p:cNvPr id="30" name="모서리가 둥근 직사각형 32">
               <a:extLst>
                 <a:ext uri="{FF2B5EF4-FFF2-40B4-BE49-F238E27FC236}">
-                  <a16:creationId xmlns:a16="http://schemas.microsoft.com/office/drawing/2014/main" id="{BCB5C382-2BB1-482E-891B-F6B8D604447A}"/>
+                  <a16:creationId xmlns:a16="http://schemas.microsoft.com/office/drawing/2014/main" xmlns="" id="{BCB5C382-2BB1-482E-891B-F6B8D604447A}"/>
                 </a:ext>
               </a:extLst>
             </p:cNvPr>
@@ -6200,7 +6200,7 @@
             <p:cNvPr id="31" name="모서리가 둥근 직사각형 33">
               <a:extLst>
                 <a:ext uri="{FF2B5EF4-FFF2-40B4-BE49-F238E27FC236}">
-                  <a16:creationId xmlns:a16="http://schemas.microsoft.com/office/drawing/2014/main" id="{A602F2CA-78B9-4E66-9B64-C4E551BA5C3F}"/>
+                  <a16:creationId xmlns:a16="http://schemas.microsoft.com/office/drawing/2014/main" xmlns="" id="{A602F2CA-78B9-4E66-9B64-C4E551BA5C3F}"/>
                 </a:ext>
               </a:extLst>
             </p:cNvPr>
@@ -6267,7 +6267,7 @@
           <p:cNvPr id="32" name="꺾인 연결선 42">
             <a:extLst>
               <a:ext uri="{FF2B5EF4-FFF2-40B4-BE49-F238E27FC236}">
-                <a16:creationId xmlns:a16="http://schemas.microsoft.com/office/drawing/2014/main" id="{160B8308-5552-4EB1-ABC4-3C4099D8CC63}"/>
+                <a16:creationId xmlns:a16="http://schemas.microsoft.com/office/drawing/2014/main" xmlns="" id="{160B8308-5552-4EB1-ABC4-3C4099D8CC63}"/>
               </a:ext>
             </a:extLst>
           </p:cNvPr>
@@ -6316,7 +6316,7 @@
           <p:cNvPr id="33" name="꺾인 연결선 45">
             <a:extLst>
               <a:ext uri="{FF2B5EF4-FFF2-40B4-BE49-F238E27FC236}">
-                <a16:creationId xmlns:a16="http://schemas.microsoft.com/office/drawing/2014/main" id="{D6ADC58B-6D23-4C3C-854F-FD8EA828D4B2}"/>
+                <a16:creationId xmlns:a16="http://schemas.microsoft.com/office/drawing/2014/main" xmlns="" id="{D6ADC58B-6D23-4C3C-854F-FD8EA828D4B2}"/>
               </a:ext>
             </a:extLst>
           </p:cNvPr>
@@ -6365,7 +6365,7 @@
           <p:cNvPr id="34" name="표 33">
             <a:extLst>
               <a:ext uri="{FF2B5EF4-FFF2-40B4-BE49-F238E27FC236}">
-                <a16:creationId xmlns:a16="http://schemas.microsoft.com/office/drawing/2014/main" id="{300A4C18-815E-4ADA-B76F-C20310D80BAC}"/>
+                <a16:creationId xmlns:a16="http://schemas.microsoft.com/office/drawing/2014/main" xmlns="" id="{300A4C18-815E-4ADA-B76F-C20310D80BAC}"/>
               </a:ext>
             </a:extLst>
           </p:cNvPr>
@@ -6394,35 +6394,35 @@
                 <a:gridCol w="1003479">
                   <a:extLst>
                     <a:ext uri="{9D8B030D-6E8A-4147-A177-3AD203B41FA5}">
-                      <a16:colId xmlns:a16="http://schemas.microsoft.com/office/drawing/2014/main" val="20000"/>
+                      <a16:colId xmlns:a16="http://schemas.microsoft.com/office/drawing/2014/main" xmlns="" val="20000"/>
                     </a:ext>
                   </a:extLst>
                 </a:gridCol>
                 <a:gridCol w="1241657">
                   <a:extLst>
                     <a:ext uri="{9D8B030D-6E8A-4147-A177-3AD203B41FA5}">
-                      <a16:colId xmlns:a16="http://schemas.microsoft.com/office/drawing/2014/main" val="20001"/>
+                      <a16:colId xmlns:a16="http://schemas.microsoft.com/office/drawing/2014/main" xmlns="" val="20001"/>
                     </a:ext>
                   </a:extLst>
                 </a:gridCol>
                 <a:gridCol w="1241657">
                   <a:extLst>
                     <a:ext uri="{9D8B030D-6E8A-4147-A177-3AD203B41FA5}">
-                      <a16:colId xmlns:a16="http://schemas.microsoft.com/office/drawing/2014/main" val="20002"/>
+                      <a16:colId xmlns:a16="http://schemas.microsoft.com/office/drawing/2014/main" xmlns="" val="20002"/>
                     </a:ext>
                   </a:extLst>
                 </a:gridCol>
                 <a:gridCol w="3795179">
                   <a:extLst>
                     <a:ext uri="{9D8B030D-6E8A-4147-A177-3AD203B41FA5}">
-                      <a16:colId xmlns:a16="http://schemas.microsoft.com/office/drawing/2014/main" val="20003"/>
+                      <a16:colId xmlns:a16="http://schemas.microsoft.com/office/drawing/2014/main" xmlns="" val="20003"/>
                     </a:ext>
                   </a:extLst>
                 </a:gridCol>
                 <a:gridCol w="1831019">
                   <a:extLst>
                     <a:ext uri="{9D8B030D-6E8A-4147-A177-3AD203B41FA5}">
-                      <a16:colId xmlns:a16="http://schemas.microsoft.com/office/drawing/2014/main" val="20004"/>
+                      <a16:colId xmlns:a16="http://schemas.microsoft.com/office/drawing/2014/main" xmlns="" val="20004"/>
                     </a:ext>
                   </a:extLst>
                 </a:gridCol>
@@ -6722,7 +6722,7 @@
                 </a:tc>
                 <a:extLst>
                   <a:ext uri="{0D108BD9-81ED-4DB2-BD59-A6C34878D82A}">
-                    <a16:rowId xmlns:a16="http://schemas.microsoft.com/office/drawing/2014/main" val="10000"/>
+                    <a16:rowId xmlns:a16="http://schemas.microsoft.com/office/drawing/2014/main" xmlns="" val="10000"/>
                   </a:ext>
                 </a:extLst>
               </a:tr>
@@ -7024,7 +7024,7 @@
                 </a:tc>
                 <a:extLst>
                   <a:ext uri="{0D108BD9-81ED-4DB2-BD59-A6C34878D82A}">
-                    <a16:rowId xmlns:a16="http://schemas.microsoft.com/office/drawing/2014/main" val="10001"/>
+                    <a16:rowId xmlns:a16="http://schemas.microsoft.com/office/drawing/2014/main" xmlns="" val="10001"/>
                   </a:ext>
                 </a:extLst>
               </a:tr>
@@ -7360,7 +7360,7 @@
                 </a:tc>
                 <a:extLst>
                   <a:ext uri="{0D108BD9-81ED-4DB2-BD59-A6C34878D82A}">
-                    <a16:rowId xmlns:a16="http://schemas.microsoft.com/office/drawing/2014/main" val="10002"/>
+                    <a16:rowId xmlns:a16="http://schemas.microsoft.com/office/drawing/2014/main" xmlns="" val="10002"/>
                   </a:ext>
                 </a:extLst>
               </a:tr>
@@ -7690,7 +7690,7 @@
                 </a:tc>
                 <a:extLst>
                   <a:ext uri="{0D108BD9-81ED-4DB2-BD59-A6C34878D82A}">
-                    <a16:rowId xmlns:a16="http://schemas.microsoft.com/office/drawing/2014/main" val="10003"/>
+                    <a16:rowId xmlns:a16="http://schemas.microsoft.com/office/drawing/2014/main" xmlns="" val="10003"/>
                   </a:ext>
                 </a:extLst>
               </a:tr>
@@ -8004,7 +8004,7 @@
                 </a:tc>
                 <a:extLst>
                   <a:ext uri="{0D108BD9-81ED-4DB2-BD59-A6C34878D82A}">
-                    <a16:rowId xmlns:a16="http://schemas.microsoft.com/office/drawing/2014/main" val="10004"/>
+                    <a16:rowId xmlns:a16="http://schemas.microsoft.com/office/drawing/2014/main" xmlns="" val="10004"/>
                   </a:ext>
                 </a:extLst>
               </a:tr>
@@ -8318,7 +8318,7 @@
                 </a:tc>
                 <a:extLst>
                   <a:ext uri="{0D108BD9-81ED-4DB2-BD59-A6C34878D82A}">
-                    <a16:rowId xmlns:a16="http://schemas.microsoft.com/office/drawing/2014/main" val="10005"/>
+                    <a16:rowId xmlns:a16="http://schemas.microsoft.com/office/drawing/2014/main" xmlns="" val="10005"/>
                   </a:ext>
                 </a:extLst>
               </a:tr>
@@ -8644,7 +8644,7 @@
                 </a:tc>
                 <a:extLst>
                   <a:ext uri="{0D108BD9-81ED-4DB2-BD59-A6C34878D82A}">
-                    <a16:rowId xmlns:a16="http://schemas.microsoft.com/office/drawing/2014/main" val="10006"/>
+                    <a16:rowId xmlns:a16="http://schemas.microsoft.com/office/drawing/2014/main" xmlns="" val="10006"/>
                   </a:ext>
                 </a:extLst>
               </a:tr>
@@ -8974,7 +8974,7 @@
                 </a:tc>
                 <a:extLst>
                   <a:ext uri="{0D108BD9-81ED-4DB2-BD59-A6C34878D82A}">
-                    <a16:rowId xmlns:a16="http://schemas.microsoft.com/office/drawing/2014/main" val="10007"/>
+                    <a16:rowId xmlns:a16="http://schemas.microsoft.com/office/drawing/2014/main" xmlns="" val="10007"/>
                   </a:ext>
                 </a:extLst>
               </a:tr>
@@ -9294,7 +9294,7 @@
                 </a:tc>
                 <a:extLst>
                   <a:ext uri="{0D108BD9-81ED-4DB2-BD59-A6C34878D82A}">
-                    <a16:rowId xmlns:a16="http://schemas.microsoft.com/office/drawing/2014/main" val="10008"/>
+                    <a16:rowId xmlns:a16="http://schemas.microsoft.com/office/drawing/2014/main" xmlns="" val="10008"/>
                   </a:ext>
                 </a:extLst>
               </a:tr>
@@ -9601,7 +9601,7 @@
                 </a:tc>
                 <a:extLst>
                   <a:ext uri="{0D108BD9-81ED-4DB2-BD59-A6C34878D82A}">
-                    <a16:rowId xmlns:a16="http://schemas.microsoft.com/office/drawing/2014/main" val="10009"/>
+                    <a16:rowId xmlns:a16="http://schemas.microsoft.com/office/drawing/2014/main" xmlns="" val="10009"/>
                   </a:ext>
                 </a:extLst>
               </a:tr>
@@ -9905,7 +9905,7 @@
                 </a:tc>
                 <a:extLst>
                   <a:ext uri="{0D108BD9-81ED-4DB2-BD59-A6C34878D82A}">
-                    <a16:rowId xmlns:a16="http://schemas.microsoft.com/office/drawing/2014/main" val="10010"/>
+                    <a16:rowId xmlns:a16="http://schemas.microsoft.com/office/drawing/2014/main" xmlns="" val="10010"/>
                   </a:ext>
                 </a:extLst>
               </a:tr>
@@ -10209,7 +10209,7 @@
                 </a:tc>
                 <a:extLst>
                   <a:ext uri="{0D108BD9-81ED-4DB2-BD59-A6C34878D82A}">
-                    <a16:rowId xmlns:a16="http://schemas.microsoft.com/office/drawing/2014/main" val="10011"/>
+                    <a16:rowId xmlns:a16="http://schemas.microsoft.com/office/drawing/2014/main" xmlns="" val="10011"/>
                   </a:ext>
                 </a:extLst>
               </a:tr>
@@ -10222,7 +10222,7 @@
           <p:cNvPr id="36" name="직사각형 35">
             <a:extLst>
               <a:ext uri="{FF2B5EF4-FFF2-40B4-BE49-F238E27FC236}">
-                <a16:creationId xmlns:a16="http://schemas.microsoft.com/office/drawing/2014/main" id="{AF6B8C2E-9C54-45C8-9909-9DF4080E21E9}"/>
+                <a16:creationId xmlns:a16="http://schemas.microsoft.com/office/drawing/2014/main" xmlns="" id="{AF6B8C2E-9C54-45C8-9909-9DF4080E21E9}"/>
               </a:ext>
             </a:extLst>
           </p:cNvPr>
@@ -10260,7 +10260,7 @@
           <p:cNvPr id="43" name="TextBox 42">
             <a:extLst>
               <a:ext uri="{FF2B5EF4-FFF2-40B4-BE49-F238E27FC236}">
-                <a16:creationId xmlns:a16="http://schemas.microsoft.com/office/drawing/2014/main" id="{DA681E15-E302-49E8-8FF5-5400619C363E}"/>
+                <a16:creationId xmlns:a16="http://schemas.microsoft.com/office/drawing/2014/main" xmlns="" id="{DA681E15-E302-49E8-8FF5-5400619C363E}"/>
               </a:ext>
             </a:extLst>
           </p:cNvPr>
@@ -10324,7 +10324,7 @@
           <p:cNvPr id="44" name="그룹 130">
             <a:extLst>
               <a:ext uri="{FF2B5EF4-FFF2-40B4-BE49-F238E27FC236}">
-                <a16:creationId xmlns:a16="http://schemas.microsoft.com/office/drawing/2014/main" id="{8199F684-D1EA-4B90-B7D2-1F9825398688}"/>
+                <a16:creationId xmlns:a16="http://schemas.microsoft.com/office/drawing/2014/main" xmlns="" id="{8199F684-D1EA-4B90-B7D2-1F9825398688}"/>
               </a:ext>
             </a:extLst>
           </p:cNvPr>
@@ -10346,7 +10346,7 @@
             <p:cNvPr id="45" name="Rectangle 66">
               <a:extLst>
                 <a:ext uri="{FF2B5EF4-FFF2-40B4-BE49-F238E27FC236}">
-                  <a16:creationId xmlns:a16="http://schemas.microsoft.com/office/drawing/2014/main" id="{0DE61445-5679-4A55-A6C4-88DCF6698E5B}"/>
+                  <a16:creationId xmlns:a16="http://schemas.microsoft.com/office/drawing/2014/main" xmlns="" id="{0DE61445-5679-4A55-A6C4-88DCF6698E5B}"/>
                 </a:ext>
               </a:extLst>
             </p:cNvPr>
@@ -10407,7 +10407,7 @@
             <p:cNvPr id="46" name="Text Box 16">
               <a:extLst>
                 <a:ext uri="{FF2B5EF4-FFF2-40B4-BE49-F238E27FC236}">
-                  <a16:creationId xmlns:a16="http://schemas.microsoft.com/office/drawing/2014/main" id="{22DE469C-CF0F-4C0F-9059-5FC8EF2AF8CB}"/>
+                  <a16:creationId xmlns:a16="http://schemas.microsoft.com/office/drawing/2014/main" xmlns="" id="{22DE469C-CF0F-4C0F-9059-5FC8EF2AF8CB}"/>
                 </a:ext>
               </a:extLst>
             </p:cNvPr>
@@ -10472,7 +10472,7 @@
             <p:cNvPr id="47" name="Rectangle 67">
               <a:extLst>
                 <a:ext uri="{FF2B5EF4-FFF2-40B4-BE49-F238E27FC236}">
-                  <a16:creationId xmlns:a16="http://schemas.microsoft.com/office/drawing/2014/main" id="{77C11B8B-540B-485A-9838-809BB4A358AA}"/>
+                  <a16:creationId xmlns:a16="http://schemas.microsoft.com/office/drawing/2014/main" xmlns="" id="{77C11B8B-540B-485A-9838-809BB4A358AA}"/>
                 </a:ext>
               </a:extLst>
             </p:cNvPr>
@@ -10530,7 +10530,7 @@
             <p:cNvPr id="48" name="Text Box 16">
               <a:extLst>
                 <a:ext uri="{FF2B5EF4-FFF2-40B4-BE49-F238E27FC236}">
-                  <a16:creationId xmlns:a16="http://schemas.microsoft.com/office/drawing/2014/main" id="{E69C3E27-E0F7-4028-94C8-373E09E51851}"/>
+                  <a16:creationId xmlns:a16="http://schemas.microsoft.com/office/drawing/2014/main" xmlns="" id="{E69C3E27-E0F7-4028-94C8-373E09E51851}"/>
                 </a:ext>
               </a:extLst>
             </p:cNvPr>
@@ -10693,7 +10693,7 @@
             <p:cNvPr id="49" name="Rectangle 66">
               <a:extLst>
                 <a:ext uri="{FF2B5EF4-FFF2-40B4-BE49-F238E27FC236}">
-                  <a16:creationId xmlns:a16="http://schemas.microsoft.com/office/drawing/2014/main" id="{CE3E1784-FA51-4674-BAF3-86BAA9CF9658}"/>
+                  <a16:creationId xmlns:a16="http://schemas.microsoft.com/office/drawing/2014/main" xmlns="" id="{CE3E1784-FA51-4674-BAF3-86BAA9CF9658}"/>
                 </a:ext>
               </a:extLst>
             </p:cNvPr>
@@ -10753,7 +10753,7 @@
             <p:cNvPr id="50" name="Text Box 16">
               <a:extLst>
                 <a:ext uri="{FF2B5EF4-FFF2-40B4-BE49-F238E27FC236}">
-                  <a16:creationId xmlns:a16="http://schemas.microsoft.com/office/drawing/2014/main" id="{EEBA2C60-DFB9-403C-9A7A-37731CF97564}"/>
+                  <a16:creationId xmlns:a16="http://schemas.microsoft.com/office/drawing/2014/main" xmlns="" id="{EEBA2C60-DFB9-403C-9A7A-37731CF97564}"/>
                 </a:ext>
               </a:extLst>
             </p:cNvPr>
@@ -10828,7 +10828,7 @@
             <p:cNvPr id="51" name="AutoShape 19">
               <a:extLst>
                 <a:ext uri="{FF2B5EF4-FFF2-40B4-BE49-F238E27FC236}">
-                  <a16:creationId xmlns:a16="http://schemas.microsoft.com/office/drawing/2014/main" id="{0B213D92-465F-4F2B-86D4-AF24F9964914}"/>
+                  <a16:creationId xmlns:a16="http://schemas.microsoft.com/office/drawing/2014/main" xmlns="" id="{0B213D92-465F-4F2B-86D4-AF24F9964914}"/>
                 </a:ext>
               </a:extLst>
             </p:cNvPr>
@@ -10890,7 +10890,7 @@
           <p:cNvPr id="52" name="Text Box 16">
             <a:extLst>
               <a:ext uri="{FF2B5EF4-FFF2-40B4-BE49-F238E27FC236}">
-                <a16:creationId xmlns:a16="http://schemas.microsoft.com/office/drawing/2014/main" id="{41432101-4445-40E7-92B5-E4D2113DF35E}"/>
+                <a16:creationId xmlns:a16="http://schemas.microsoft.com/office/drawing/2014/main" xmlns="" id="{41432101-4445-40E7-92B5-E4D2113DF35E}"/>
               </a:ext>
             </a:extLst>
           </p:cNvPr>
@@ -11033,7 +11033,7 @@
           <p:cNvPr id="53" name="Rectangle 67">
             <a:extLst>
               <a:ext uri="{FF2B5EF4-FFF2-40B4-BE49-F238E27FC236}">
-                <a16:creationId xmlns:a16="http://schemas.microsoft.com/office/drawing/2014/main" id="{B039BA6F-2572-4AD0-95C7-EC0894E02EA8}"/>
+                <a16:creationId xmlns:a16="http://schemas.microsoft.com/office/drawing/2014/main" xmlns="" id="{B039BA6F-2572-4AD0-95C7-EC0894E02EA8}"/>
               </a:ext>
             </a:extLst>
           </p:cNvPr>
@@ -11091,7 +11091,7 @@
           <p:cNvPr id="56" name="그룹 55">
             <a:extLst>
               <a:ext uri="{FF2B5EF4-FFF2-40B4-BE49-F238E27FC236}">
-                <a16:creationId xmlns:a16="http://schemas.microsoft.com/office/drawing/2014/main" id="{154B41CD-9504-4A29-A625-CF350EC3C2CF}"/>
+                <a16:creationId xmlns:a16="http://schemas.microsoft.com/office/drawing/2014/main" xmlns="" id="{154B41CD-9504-4A29-A625-CF350EC3C2CF}"/>
               </a:ext>
             </a:extLst>
           </p:cNvPr>
@@ -11111,7 +11111,7 @@
             <p:cNvPr id="58" name="모서리가 둥근 직사각형 21">
               <a:extLst>
                 <a:ext uri="{FF2B5EF4-FFF2-40B4-BE49-F238E27FC236}">
-                  <a16:creationId xmlns:a16="http://schemas.microsoft.com/office/drawing/2014/main" id="{E2BBAA05-8A8B-4F88-B86B-EA465FB688CD}"/>
+                  <a16:creationId xmlns:a16="http://schemas.microsoft.com/office/drawing/2014/main" xmlns="" id="{E2BBAA05-8A8B-4F88-B86B-EA465FB688CD}"/>
                 </a:ext>
               </a:extLst>
             </p:cNvPr>
@@ -11186,7 +11186,7 @@
             <p:cNvPr id="57" name="모서리가 둥근 직사각형 20">
               <a:extLst>
                 <a:ext uri="{FF2B5EF4-FFF2-40B4-BE49-F238E27FC236}">
-                  <a16:creationId xmlns:a16="http://schemas.microsoft.com/office/drawing/2014/main" id="{99032F59-4B09-4E28-BA8C-3DD492C93697}"/>
+                  <a16:creationId xmlns:a16="http://schemas.microsoft.com/office/drawing/2014/main" xmlns="" id="{99032F59-4B09-4E28-BA8C-3DD492C93697}"/>
                 </a:ext>
               </a:extLst>
             </p:cNvPr>
@@ -11257,7 +11257,7 @@
           <p:cNvPr id="72" name="연결선: 꺾임 71">
             <a:extLst>
               <a:ext uri="{FF2B5EF4-FFF2-40B4-BE49-F238E27FC236}">
-                <a16:creationId xmlns:a16="http://schemas.microsoft.com/office/drawing/2014/main" id="{910D35FA-68DF-4019-A168-CA2A2078D78E}"/>
+                <a16:creationId xmlns:a16="http://schemas.microsoft.com/office/drawing/2014/main" xmlns="" id="{910D35FA-68DF-4019-A168-CA2A2078D78E}"/>
               </a:ext>
             </a:extLst>
           </p:cNvPr>
@@ -11295,7 +11295,7 @@
           <p:cNvPr id="54" name="직사각형 53">
             <a:extLst>
               <a:ext uri="{FF2B5EF4-FFF2-40B4-BE49-F238E27FC236}">
-                <a16:creationId xmlns:a16="http://schemas.microsoft.com/office/drawing/2014/main" id="{0C827899-F76D-425E-B083-9E974491222B}"/>
+                <a16:creationId xmlns:a16="http://schemas.microsoft.com/office/drawing/2014/main" xmlns="" id="{0C827899-F76D-425E-B083-9E974491222B}"/>
               </a:ext>
             </a:extLst>
           </p:cNvPr>
@@ -11349,7 +11349,7 @@
           <p:cNvPr id="73" name="TextBox 72">
             <a:extLst>
               <a:ext uri="{FF2B5EF4-FFF2-40B4-BE49-F238E27FC236}">
-                <a16:creationId xmlns:a16="http://schemas.microsoft.com/office/drawing/2014/main" id="{06DA7C49-432A-4827-BC5B-2535535199BD}"/>
+                <a16:creationId xmlns:a16="http://schemas.microsoft.com/office/drawing/2014/main" xmlns="" id="{06DA7C49-432A-4827-BC5B-2535535199BD}"/>
               </a:ext>
             </a:extLst>
           </p:cNvPr>
@@ -11393,7 +11393,7 @@
           <p:cNvPr id="74" name="TextBox 73">
             <a:extLst>
               <a:ext uri="{FF2B5EF4-FFF2-40B4-BE49-F238E27FC236}">
-                <a16:creationId xmlns:a16="http://schemas.microsoft.com/office/drawing/2014/main" id="{DD143194-1FF9-47D0-A6CB-6A6BB4D2F25E}"/>
+                <a16:creationId xmlns:a16="http://schemas.microsoft.com/office/drawing/2014/main" xmlns="" id="{DD143194-1FF9-47D0-A6CB-6A6BB4D2F25E}"/>
               </a:ext>
             </a:extLst>
           </p:cNvPr>
@@ -11457,7 +11457,7 @@
           <p:cNvPr id="75" name="AutoShape 19">
             <a:extLst>
               <a:ext uri="{FF2B5EF4-FFF2-40B4-BE49-F238E27FC236}">
-                <a16:creationId xmlns:a16="http://schemas.microsoft.com/office/drawing/2014/main" id="{0C58EF3B-418F-4AA3-8B07-0E0A88157780}"/>
+                <a16:creationId xmlns:a16="http://schemas.microsoft.com/office/drawing/2014/main" xmlns="" id="{0C58EF3B-418F-4AA3-8B07-0E0A88157780}"/>
               </a:ext>
             </a:extLst>
           </p:cNvPr>
@@ -11544,7 +11544,7 @@
           <p:cNvPr id="76" name="직사각형 75">
             <a:extLst>
               <a:ext uri="{FF2B5EF4-FFF2-40B4-BE49-F238E27FC236}">
-                <a16:creationId xmlns:a16="http://schemas.microsoft.com/office/drawing/2014/main" id="{8FCF4D42-7672-4E12-9F55-3A2E8CDBE5AE}"/>
+                <a16:creationId xmlns:a16="http://schemas.microsoft.com/office/drawing/2014/main" xmlns="" id="{8FCF4D42-7672-4E12-9F55-3A2E8CDBE5AE}"/>
               </a:ext>
             </a:extLst>
           </p:cNvPr>
@@ -11628,7 +11628,7 @@
           <p:cNvPr id="3" name="Rectangle 2">
             <a:extLst>
               <a:ext uri="{FF2B5EF4-FFF2-40B4-BE49-F238E27FC236}">
-                <a16:creationId xmlns:a16="http://schemas.microsoft.com/office/drawing/2014/main" id="{765F57FD-16B0-4A3C-8402-B173E0C28007}"/>
+                <a16:creationId xmlns:a16="http://schemas.microsoft.com/office/drawing/2014/main" xmlns="" id="{765F57FD-16B0-4A3C-8402-B173E0C28007}"/>
               </a:ext>
             </a:extLst>
           </p:cNvPr>
@@ -11811,7 +11811,7 @@
           <p:cNvPr id="4" name="TextBox 3">
             <a:extLst>
               <a:ext uri="{FF2B5EF4-FFF2-40B4-BE49-F238E27FC236}">
-                <a16:creationId xmlns:a16="http://schemas.microsoft.com/office/drawing/2014/main" id="{0C8CE5D6-CDA9-43CB-A417-EA1CB1AF6755}"/>
+                <a16:creationId xmlns:a16="http://schemas.microsoft.com/office/drawing/2014/main" xmlns="" id="{0C8CE5D6-CDA9-43CB-A417-EA1CB1AF6755}"/>
               </a:ext>
             </a:extLst>
           </p:cNvPr>
@@ -11911,7 +11911,7 @@
           <p:cNvPr id="5" name="Group 88">
             <a:extLst>
               <a:ext uri="{FF2B5EF4-FFF2-40B4-BE49-F238E27FC236}">
-                <a16:creationId xmlns:a16="http://schemas.microsoft.com/office/drawing/2014/main" id="{75F6D779-2459-4B0C-AE83-7D052702A1DF}"/>
+                <a16:creationId xmlns:a16="http://schemas.microsoft.com/office/drawing/2014/main" xmlns="" id="{75F6D779-2459-4B0C-AE83-7D052702A1DF}"/>
               </a:ext>
             </a:extLst>
           </p:cNvPr>
@@ -11932,14 +11932,14 @@
                 <a:gridCol w="288701">
                   <a:extLst>
                     <a:ext uri="{9D8B030D-6E8A-4147-A177-3AD203B41FA5}">
-                      <a16:colId xmlns:a16="http://schemas.microsoft.com/office/drawing/2014/main" val="20000"/>
+                      <a16:colId xmlns:a16="http://schemas.microsoft.com/office/drawing/2014/main" xmlns="" val="20000"/>
                     </a:ext>
                   </a:extLst>
                 </a:gridCol>
                 <a:gridCol w="2087786">
                   <a:extLst>
                     <a:ext uri="{9D8B030D-6E8A-4147-A177-3AD203B41FA5}">
-                      <a16:colId xmlns:a16="http://schemas.microsoft.com/office/drawing/2014/main" val="20001"/>
+                      <a16:colId xmlns:a16="http://schemas.microsoft.com/office/drawing/2014/main" xmlns="" val="20001"/>
                     </a:ext>
                   </a:extLst>
                 </a:gridCol>
@@ -12174,7 +12174,7 @@
                 </a:tc>
                 <a:extLst>
                   <a:ext uri="{0D108BD9-81ED-4DB2-BD59-A6C34878D82A}">
-                    <a16:rowId xmlns:a16="http://schemas.microsoft.com/office/drawing/2014/main" val="10000"/>
+                    <a16:rowId xmlns:a16="http://schemas.microsoft.com/office/drawing/2014/main" xmlns="" val="10000"/>
                   </a:ext>
                 </a:extLst>
               </a:tr>
@@ -12458,7 +12458,7 @@
                 </a:tc>
                 <a:extLst>
                   <a:ext uri="{0D108BD9-81ED-4DB2-BD59-A6C34878D82A}">
-                    <a16:rowId xmlns:a16="http://schemas.microsoft.com/office/drawing/2014/main" val="1221975929"/>
+                    <a16:rowId xmlns:a16="http://schemas.microsoft.com/office/drawing/2014/main" xmlns="" val="1221975929"/>
                   </a:ext>
                 </a:extLst>
               </a:tr>
@@ -12742,7 +12742,7 @@
                 </a:tc>
                 <a:extLst>
                   <a:ext uri="{0D108BD9-81ED-4DB2-BD59-A6C34878D82A}">
-                    <a16:rowId xmlns:a16="http://schemas.microsoft.com/office/drawing/2014/main" val="10002"/>
+                    <a16:rowId xmlns:a16="http://schemas.microsoft.com/office/drawing/2014/main" xmlns="" val="10002"/>
                   </a:ext>
                 </a:extLst>
               </a:tr>
@@ -13149,7 +13149,7 @@
                 </a:tc>
                 <a:extLst>
                   <a:ext uri="{0D108BD9-81ED-4DB2-BD59-A6C34878D82A}">
-                    <a16:rowId xmlns:a16="http://schemas.microsoft.com/office/drawing/2014/main" val="10003"/>
+                    <a16:rowId xmlns:a16="http://schemas.microsoft.com/office/drawing/2014/main" xmlns="" val="10003"/>
                   </a:ext>
                 </a:extLst>
               </a:tr>
@@ -13162,7 +13162,7 @@
           <p:cNvPr id="6" name="직사각형 5">
             <a:extLst>
               <a:ext uri="{FF2B5EF4-FFF2-40B4-BE49-F238E27FC236}">
-                <a16:creationId xmlns:a16="http://schemas.microsoft.com/office/drawing/2014/main" id="{1B099465-C2A7-409B-8AA0-3995FE3DC99B}"/>
+                <a16:creationId xmlns:a16="http://schemas.microsoft.com/office/drawing/2014/main" xmlns="" id="{1B099465-C2A7-409B-8AA0-3995FE3DC99B}"/>
               </a:ext>
             </a:extLst>
           </p:cNvPr>
@@ -13245,7 +13245,7 @@
           <p:cNvPr id="7" name="모서리가 둥근 직사각형 5">
             <a:extLst>
               <a:ext uri="{FF2B5EF4-FFF2-40B4-BE49-F238E27FC236}">
-                <a16:creationId xmlns:a16="http://schemas.microsoft.com/office/drawing/2014/main" id="{45304771-59DB-43D1-91FB-4DED828BB8C4}"/>
+                <a16:creationId xmlns:a16="http://schemas.microsoft.com/office/drawing/2014/main" xmlns="" id="{45304771-59DB-43D1-91FB-4DED828BB8C4}"/>
               </a:ext>
             </a:extLst>
           </p:cNvPr>
@@ -13301,7 +13301,7 @@
           <p:cNvPr id="9" name="직사각형 8">
             <a:extLst>
               <a:ext uri="{FF2B5EF4-FFF2-40B4-BE49-F238E27FC236}">
-                <a16:creationId xmlns:a16="http://schemas.microsoft.com/office/drawing/2014/main" id="{F34B951A-17BA-4849-9490-79F36AA73DF8}"/>
+                <a16:creationId xmlns:a16="http://schemas.microsoft.com/office/drawing/2014/main" xmlns="" id="{F34B951A-17BA-4849-9490-79F36AA73DF8}"/>
               </a:ext>
             </a:extLst>
           </p:cNvPr>
@@ -13374,7 +13374,7 @@
           <p:cNvPr id="10" name="직사각형 9">
             <a:extLst>
               <a:ext uri="{FF2B5EF4-FFF2-40B4-BE49-F238E27FC236}">
-                <a16:creationId xmlns:a16="http://schemas.microsoft.com/office/drawing/2014/main" id="{80F85F13-DCD2-4772-9266-65AC2E0A439D}"/>
+                <a16:creationId xmlns:a16="http://schemas.microsoft.com/office/drawing/2014/main" xmlns="" id="{80F85F13-DCD2-4772-9266-65AC2E0A439D}"/>
               </a:ext>
             </a:extLst>
           </p:cNvPr>
@@ -13458,7 +13458,7 @@
           <p:cNvPr id="11" name="직사각형 10">
             <a:extLst>
               <a:ext uri="{FF2B5EF4-FFF2-40B4-BE49-F238E27FC236}">
-                <a16:creationId xmlns:a16="http://schemas.microsoft.com/office/drawing/2014/main" id="{C4C0F1DA-B11D-4DBD-AA1A-5418A37DAF41}"/>
+                <a16:creationId xmlns:a16="http://schemas.microsoft.com/office/drawing/2014/main" xmlns="" id="{C4C0F1DA-B11D-4DBD-AA1A-5418A37DAF41}"/>
               </a:ext>
             </a:extLst>
           </p:cNvPr>
@@ -13531,7 +13531,7 @@
           <p:cNvPr id="12" name="직사각형 11">
             <a:extLst>
               <a:ext uri="{FF2B5EF4-FFF2-40B4-BE49-F238E27FC236}">
-                <a16:creationId xmlns:a16="http://schemas.microsoft.com/office/drawing/2014/main" id="{BCD38DA3-0EC0-4FF4-AA1D-B1927A1F2207}"/>
+                <a16:creationId xmlns:a16="http://schemas.microsoft.com/office/drawing/2014/main" xmlns="" id="{BCD38DA3-0EC0-4FF4-AA1D-B1927A1F2207}"/>
               </a:ext>
             </a:extLst>
           </p:cNvPr>
@@ -13604,7 +13604,7 @@
           <p:cNvPr id="14" name="직사각형 13">
             <a:extLst>
               <a:ext uri="{FF2B5EF4-FFF2-40B4-BE49-F238E27FC236}">
-                <a16:creationId xmlns:a16="http://schemas.microsoft.com/office/drawing/2014/main" id="{729B3375-CA50-4B4A-8A5D-73C2807696CF}"/>
+                <a16:creationId xmlns:a16="http://schemas.microsoft.com/office/drawing/2014/main" xmlns="" id="{729B3375-CA50-4B4A-8A5D-73C2807696CF}"/>
               </a:ext>
             </a:extLst>
           </p:cNvPr>
@@ -13685,7 +13685,7 @@
           <p:cNvPr id="15" name="그룹 14">
             <a:extLst>
               <a:ext uri="{FF2B5EF4-FFF2-40B4-BE49-F238E27FC236}">
-                <a16:creationId xmlns:a16="http://schemas.microsoft.com/office/drawing/2014/main" id="{9A3F7EAE-4AD7-41B4-885C-3349B7D27330}"/>
+                <a16:creationId xmlns:a16="http://schemas.microsoft.com/office/drawing/2014/main" xmlns="" id="{9A3F7EAE-4AD7-41B4-885C-3349B7D27330}"/>
               </a:ext>
             </a:extLst>
           </p:cNvPr>
@@ -13705,7 +13705,7 @@
             <p:cNvPr id="16" name="순서도: 판단 15">
               <a:extLst>
                 <a:ext uri="{FF2B5EF4-FFF2-40B4-BE49-F238E27FC236}">
-                  <a16:creationId xmlns:a16="http://schemas.microsoft.com/office/drawing/2014/main" id="{16D626F0-628A-4D7B-9D70-913251A02A5D}"/>
+                  <a16:creationId xmlns:a16="http://schemas.microsoft.com/office/drawing/2014/main" xmlns="" id="{16D626F0-628A-4D7B-9D70-913251A02A5D}"/>
                 </a:ext>
               </a:extLst>
             </p:cNvPr>
@@ -13775,7 +13775,7 @@
             <p:cNvPr id="17" name="직사각형 16">
               <a:extLst>
                 <a:ext uri="{FF2B5EF4-FFF2-40B4-BE49-F238E27FC236}">
-                  <a16:creationId xmlns:a16="http://schemas.microsoft.com/office/drawing/2014/main" id="{EEADC960-AFA7-4945-90EC-8218A8921AA1}"/>
+                  <a16:creationId xmlns:a16="http://schemas.microsoft.com/office/drawing/2014/main" xmlns="" id="{EEADC960-AFA7-4945-90EC-8218A8921AA1}"/>
                 </a:ext>
               </a:extLst>
             </p:cNvPr>
@@ -13854,7 +13854,7 @@
           <p:cNvPr id="18" name="꺾인 연결선 138">
             <a:extLst>
               <a:ext uri="{FF2B5EF4-FFF2-40B4-BE49-F238E27FC236}">
-                <a16:creationId xmlns:a16="http://schemas.microsoft.com/office/drawing/2014/main" id="{0C01E81C-12E0-40FF-92B2-A65E172F28C8}"/>
+                <a16:creationId xmlns:a16="http://schemas.microsoft.com/office/drawing/2014/main" xmlns="" id="{0C01E81C-12E0-40FF-92B2-A65E172F28C8}"/>
               </a:ext>
             </a:extLst>
           </p:cNvPr>
@@ -13899,7 +13899,7 @@
           <p:cNvPr id="19" name="직사각형 18">
             <a:extLst>
               <a:ext uri="{FF2B5EF4-FFF2-40B4-BE49-F238E27FC236}">
-                <a16:creationId xmlns:a16="http://schemas.microsoft.com/office/drawing/2014/main" id="{1ECAF982-2F0E-4984-BA7A-54E23F9D8C90}"/>
+                <a16:creationId xmlns:a16="http://schemas.microsoft.com/office/drawing/2014/main" xmlns="" id="{1ECAF982-2F0E-4984-BA7A-54E23F9D8C90}"/>
               </a:ext>
             </a:extLst>
           </p:cNvPr>
@@ -13953,7 +13953,7 @@
           <p:cNvPr id="20" name="직사각형 19">
             <a:extLst>
               <a:ext uri="{FF2B5EF4-FFF2-40B4-BE49-F238E27FC236}">
-                <a16:creationId xmlns:a16="http://schemas.microsoft.com/office/drawing/2014/main" id="{191986B6-96C2-4508-8BCB-A2D2955A6F17}"/>
+                <a16:creationId xmlns:a16="http://schemas.microsoft.com/office/drawing/2014/main" xmlns="" id="{191986B6-96C2-4508-8BCB-A2D2955A6F17}"/>
               </a:ext>
             </a:extLst>
           </p:cNvPr>
@@ -14007,7 +14007,7 @@
           <p:cNvPr id="21" name="꺾인 연결선 140">
             <a:extLst>
               <a:ext uri="{FF2B5EF4-FFF2-40B4-BE49-F238E27FC236}">
-                <a16:creationId xmlns:a16="http://schemas.microsoft.com/office/drawing/2014/main" id="{89E57163-EDC3-4DC3-92A7-8A8680D232D0}"/>
+                <a16:creationId xmlns:a16="http://schemas.microsoft.com/office/drawing/2014/main" xmlns="" id="{89E57163-EDC3-4DC3-92A7-8A8680D232D0}"/>
               </a:ext>
             </a:extLst>
           </p:cNvPr>
@@ -14055,7 +14055,7 @@
           <p:cNvPr id="22" name="그룹 21">
             <a:extLst>
               <a:ext uri="{FF2B5EF4-FFF2-40B4-BE49-F238E27FC236}">
-                <a16:creationId xmlns:a16="http://schemas.microsoft.com/office/drawing/2014/main" id="{CE79E1C7-34BB-4589-A78D-D0D320861F63}"/>
+                <a16:creationId xmlns:a16="http://schemas.microsoft.com/office/drawing/2014/main" xmlns="" id="{CE79E1C7-34BB-4589-A78D-D0D320861F63}"/>
               </a:ext>
             </a:extLst>
           </p:cNvPr>
@@ -14075,7 +14075,7 @@
             <p:cNvPr id="23" name="순서도: 판단 22">
               <a:extLst>
                 <a:ext uri="{FF2B5EF4-FFF2-40B4-BE49-F238E27FC236}">
-                  <a16:creationId xmlns:a16="http://schemas.microsoft.com/office/drawing/2014/main" id="{B6EC0BD0-1EB0-4C3B-AF98-E5D1713A7C67}"/>
+                  <a16:creationId xmlns:a16="http://schemas.microsoft.com/office/drawing/2014/main" xmlns="" id="{B6EC0BD0-1EB0-4C3B-AF98-E5D1713A7C67}"/>
                 </a:ext>
               </a:extLst>
             </p:cNvPr>
@@ -14145,7 +14145,7 @@
             <p:cNvPr id="24" name="직사각형 23">
               <a:extLst>
                 <a:ext uri="{FF2B5EF4-FFF2-40B4-BE49-F238E27FC236}">
-                  <a16:creationId xmlns:a16="http://schemas.microsoft.com/office/drawing/2014/main" id="{7549F2B5-6E90-45FE-A00E-E45F17A43B31}"/>
+                  <a16:creationId xmlns:a16="http://schemas.microsoft.com/office/drawing/2014/main" xmlns="" id="{7549F2B5-6E90-45FE-A00E-E45F17A43B31}"/>
                 </a:ext>
               </a:extLst>
             </p:cNvPr>
@@ -14224,7 +14224,7 @@
           <p:cNvPr id="25" name="꺾인 연결선 145">
             <a:extLst>
               <a:ext uri="{FF2B5EF4-FFF2-40B4-BE49-F238E27FC236}">
-                <a16:creationId xmlns:a16="http://schemas.microsoft.com/office/drawing/2014/main" id="{180E5069-6AAC-461D-881E-11BA001BC924}"/>
+                <a16:creationId xmlns:a16="http://schemas.microsoft.com/office/drawing/2014/main" xmlns="" id="{180E5069-6AAC-461D-881E-11BA001BC924}"/>
               </a:ext>
             </a:extLst>
           </p:cNvPr>
@@ -14271,7 +14271,7 @@
           <p:cNvPr id="26" name="꺾인 연결선 146">
             <a:extLst>
               <a:ext uri="{FF2B5EF4-FFF2-40B4-BE49-F238E27FC236}">
-                <a16:creationId xmlns:a16="http://schemas.microsoft.com/office/drawing/2014/main" id="{99786BD9-05CC-409C-86AE-9DC73558B1F2}"/>
+                <a16:creationId xmlns:a16="http://schemas.microsoft.com/office/drawing/2014/main" xmlns="" id="{99786BD9-05CC-409C-86AE-9DC73558B1F2}"/>
               </a:ext>
             </a:extLst>
           </p:cNvPr>
@@ -14316,7 +14316,7 @@
           <p:cNvPr id="27" name="직사각형 26">
             <a:extLst>
               <a:ext uri="{FF2B5EF4-FFF2-40B4-BE49-F238E27FC236}">
-                <a16:creationId xmlns:a16="http://schemas.microsoft.com/office/drawing/2014/main" id="{C42A6B0F-F845-4A7B-B0C2-3801BD75863E}"/>
+                <a16:creationId xmlns:a16="http://schemas.microsoft.com/office/drawing/2014/main" xmlns="" id="{C42A6B0F-F845-4A7B-B0C2-3801BD75863E}"/>
               </a:ext>
             </a:extLst>
           </p:cNvPr>
@@ -14370,7 +14370,7 @@
           <p:cNvPr id="28" name="직사각형 27">
             <a:extLst>
               <a:ext uri="{FF2B5EF4-FFF2-40B4-BE49-F238E27FC236}">
-                <a16:creationId xmlns:a16="http://schemas.microsoft.com/office/drawing/2014/main" id="{77A47694-788D-4657-8134-C00FC6C845BA}"/>
+                <a16:creationId xmlns:a16="http://schemas.microsoft.com/office/drawing/2014/main" xmlns="" id="{77A47694-788D-4657-8134-C00FC6C845BA}"/>
               </a:ext>
             </a:extLst>
           </p:cNvPr>
@@ -14424,7 +14424,7 @@
           <p:cNvPr id="30" name="그룹 29">
             <a:extLst>
               <a:ext uri="{FF2B5EF4-FFF2-40B4-BE49-F238E27FC236}">
-                <a16:creationId xmlns:a16="http://schemas.microsoft.com/office/drawing/2014/main" id="{36DE1B26-E055-4444-B654-13F14B518372}"/>
+                <a16:creationId xmlns:a16="http://schemas.microsoft.com/office/drawing/2014/main" xmlns="" id="{36DE1B26-E055-4444-B654-13F14B518372}"/>
               </a:ext>
             </a:extLst>
           </p:cNvPr>
@@ -14444,7 +14444,7 @@
             <p:cNvPr id="31" name="순서도: 판단 30">
               <a:extLst>
                 <a:ext uri="{FF2B5EF4-FFF2-40B4-BE49-F238E27FC236}">
-                  <a16:creationId xmlns:a16="http://schemas.microsoft.com/office/drawing/2014/main" id="{47C91C83-DAC6-428E-ABE2-B2DB22ED4931}"/>
+                  <a16:creationId xmlns:a16="http://schemas.microsoft.com/office/drawing/2014/main" xmlns="" id="{47C91C83-DAC6-428E-ABE2-B2DB22ED4931}"/>
                 </a:ext>
               </a:extLst>
             </p:cNvPr>
@@ -14537,7 +14537,7 @@
             <p:cNvPr id="32" name="직사각형 31">
               <a:extLst>
                 <a:ext uri="{FF2B5EF4-FFF2-40B4-BE49-F238E27FC236}">
-                  <a16:creationId xmlns:a16="http://schemas.microsoft.com/office/drawing/2014/main" id="{683D2C51-69F4-49DD-95E6-ACEE000C9D55}"/>
+                  <a16:creationId xmlns:a16="http://schemas.microsoft.com/office/drawing/2014/main" xmlns="" id="{683D2C51-69F4-49DD-95E6-ACEE000C9D55}"/>
                 </a:ext>
               </a:extLst>
             </p:cNvPr>
@@ -14583,7 +14583,7 @@
           <p:cNvPr id="33" name="꺾인 연결선 155">
             <a:extLst>
               <a:ext uri="{FF2B5EF4-FFF2-40B4-BE49-F238E27FC236}">
-                <a16:creationId xmlns:a16="http://schemas.microsoft.com/office/drawing/2014/main" id="{C6DE03F0-E60C-4070-A0DA-5E41AA65C0DC}"/>
+                <a16:creationId xmlns:a16="http://schemas.microsoft.com/office/drawing/2014/main" xmlns="" id="{C6DE03F0-E60C-4070-A0DA-5E41AA65C0DC}"/>
               </a:ext>
             </a:extLst>
           </p:cNvPr>
@@ -14632,7 +14632,7 @@
           <p:cNvPr id="34" name="직사각형 33">
             <a:extLst>
               <a:ext uri="{FF2B5EF4-FFF2-40B4-BE49-F238E27FC236}">
-                <a16:creationId xmlns:a16="http://schemas.microsoft.com/office/drawing/2014/main" id="{C47DF1EE-C92E-4BB0-B1B6-B287352AC160}"/>
+                <a16:creationId xmlns:a16="http://schemas.microsoft.com/office/drawing/2014/main" xmlns="" id="{C47DF1EE-C92E-4BB0-B1B6-B287352AC160}"/>
               </a:ext>
             </a:extLst>
           </p:cNvPr>
@@ -14686,7 +14686,7 @@
           <p:cNvPr id="35" name="직사각형 34">
             <a:extLst>
               <a:ext uri="{FF2B5EF4-FFF2-40B4-BE49-F238E27FC236}">
-                <a16:creationId xmlns:a16="http://schemas.microsoft.com/office/drawing/2014/main" id="{755DF250-2532-49CB-99ED-0C7DC23DACDA}"/>
+                <a16:creationId xmlns:a16="http://schemas.microsoft.com/office/drawing/2014/main" xmlns="" id="{755DF250-2532-49CB-99ED-0C7DC23DACDA}"/>
               </a:ext>
             </a:extLst>
           </p:cNvPr>
@@ -14740,7 +14740,7 @@
           <p:cNvPr id="36" name="꺾인 연결선 162">
             <a:extLst>
               <a:ext uri="{FF2B5EF4-FFF2-40B4-BE49-F238E27FC236}">
-                <a16:creationId xmlns:a16="http://schemas.microsoft.com/office/drawing/2014/main" id="{D6F39F3D-FDDF-48DD-A62E-4B53BAF512D5}"/>
+                <a16:creationId xmlns:a16="http://schemas.microsoft.com/office/drawing/2014/main" xmlns="" id="{D6F39F3D-FDDF-48DD-A62E-4B53BAF512D5}"/>
               </a:ext>
             </a:extLst>
           </p:cNvPr>
@@ -14788,7 +14788,7 @@
           <p:cNvPr id="42" name="직선 화살표 연결선 41">
             <a:extLst>
               <a:ext uri="{FF2B5EF4-FFF2-40B4-BE49-F238E27FC236}">
-                <a16:creationId xmlns:a16="http://schemas.microsoft.com/office/drawing/2014/main" id="{51233EE8-8569-4C7C-BE44-CD4EB565A36B}"/>
+                <a16:creationId xmlns:a16="http://schemas.microsoft.com/office/drawing/2014/main" xmlns="" id="{51233EE8-8569-4C7C-BE44-CD4EB565A36B}"/>
               </a:ext>
             </a:extLst>
           </p:cNvPr>
@@ -14834,7 +14834,7 @@
           <p:cNvPr id="46" name="직선 화살표 연결선 45">
             <a:extLst>
               <a:ext uri="{FF2B5EF4-FFF2-40B4-BE49-F238E27FC236}">
-                <a16:creationId xmlns:a16="http://schemas.microsoft.com/office/drawing/2014/main" id="{DBD81312-AF65-4D8B-BA30-69ED13256C55}"/>
+                <a16:creationId xmlns:a16="http://schemas.microsoft.com/office/drawing/2014/main" xmlns="" id="{DBD81312-AF65-4D8B-BA30-69ED13256C55}"/>
               </a:ext>
             </a:extLst>
           </p:cNvPr>
@@ -14880,7 +14880,7 @@
           <p:cNvPr id="47" name="모서리가 둥근 직사각형 202">
             <a:extLst>
               <a:ext uri="{FF2B5EF4-FFF2-40B4-BE49-F238E27FC236}">
-                <a16:creationId xmlns:a16="http://schemas.microsoft.com/office/drawing/2014/main" id="{0EA41CDC-696A-4538-B829-F5095EB35382}"/>
+                <a16:creationId xmlns:a16="http://schemas.microsoft.com/office/drawing/2014/main" xmlns="" id="{0EA41CDC-696A-4538-B829-F5095EB35382}"/>
               </a:ext>
             </a:extLst>
           </p:cNvPr>
@@ -14936,7 +14936,7 @@
           <p:cNvPr id="48" name="모서리가 둥근 직사각형 203">
             <a:extLst>
               <a:ext uri="{FF2B5EF4-FFF2-40B4-BE49-F238E27FC236}">
-                <a16:creationId xmlns:a16="http://schemas.microsoft.com/office/drawing/2014/main" id="{4F3445B8-BC93-4396-8C9B-91D63FFECD0B}"/>
+                <a16:creationId xmlns:a16="http://schemas.microsoft.com/office/drawing/2014/main" xmlns="" id="{4F3445B8-BC93-4396-8C9B-91D63FFECD0B}"/>
               </a:ext>
             </a:extLst>
           </p:cNvPr>
@@ -14992,7 +14992,7 @@
           <p:cNvPr id="51" name="직사각형 50">
             <a:extLst>
               <a:ext uri="{FF2B5EF4-FFF2-40B4-BE49-F238E27FC236}">
-                <a16:creationId xmlns:a16="http://schemas.microsoft.com/office/drawing/2014/main" id="{5B640A58-A4D4-4FD7-8B6D-B3EBE9C8C317}"/>
+                <a16:creationId xmlns:a16="http://schemas.microsoft.com/office/drawing/2014/main" xmlns="" id="{5B640A58-A4D4-4FD7-8B6D-B3EBE9C8C317}"/>
               </a:ext>
             </a:extLst>
           </p:cNvPr>
@@ -15065,7 +15065,7 @@
           <p:cNvPr id="53" name="TextBox 52">
             <a:extLst>
               <a:ext uri="{FF2B5EF4-FFF2-40B4-BE49-F238E27FC236}">
-                <a16:creationId xmlns:a16="http://schemas.microsoft.com/office/drawing/2014/main" id="{524CAFBF-787D-46D6-A1C6-99D8F8535FA5}"/>
+                <a16:creationId xmlns:a16="http://schemas.microsoft.com/office/drawing/2014/main" xmlns="" id="{524CAFBF-787D-46D6-A1C6-99D8F8535FA5}"/>
               </a:ext>
             </a:extLst>
           </p:cNvPr>
@@ -15103,7 +15103,7 @@
           <p:cNvPr id="54" name="TextBox 53">
             <a:extLst>
               <a:ext uri="{FF2B5EF4-FFF2-40B4-BE49-F238E27FC236}">
-                <a16:creationId xmlns:a16="http://schemas.microsoft.com/office/drawing/2014/main" id="{F5F634FD-B447-4E7D-A248-7A52748E359B}"/>
+                <a16:creationId xmlns:a16="http://schemas.microsoft.com/office/drawing/2014/main" xmlns="" id="{F5F634FD-B447-4E7D-A248-7A52748E359B}"/>
               </a:ext>
             </a:extLst>
           </p:cNvPr>
@@ -15141,7 +15141,7 @@
           <p:cNvPr id="64" name="직사각형 63">
             <a:extLst>
               <a:ext uri="{FF2B5EF4-FFF2-40B4-BE49-F238E27FC236}">
-                <a16:creationId xmlns:a16="http://schemas.microsoft.com/office/drawing/2014/main" id="{D9D9AF47-9CBF-4953-AD53-D9B5540871D6}"/>
+                <a16:creationId xmlns:a16="http://schemas.microsoft.com/office/drawing/2014/main" xmlns="" id="{D9D9AF47-9CBF-4953-AD53-D9B5540871D6}"/>
               </a:ext>
             </a:extLst>
           </p:cNvPr>
@@ -15224,7 +15224,7 @@
           <p:cNvPr id="65" name="직선 화살표 연결선 64">
             <a:extLst>
               <a:ext uri="{FF2B5EF4-FFF2-40B4-BE49-F238E27FC236}">
-                <a16:creationId xmlns:a16="http://schemas.microsoft.com/office/drawing/2014/main" id="{D65EFD91-AE7B-47E2-927C-F89FBB746890}"/>
+                <a16:creationId xmlns:a16="http://schemas.microsoft.com/office/drawing/2014/main" xmlns="" id="{D65EFD91-AE7B-47E2-927C-F89FBB746890}"/>
               </a:ext>
             </a:extLst>
           </p:cNvPr>
@@ -15268,7 +15268,7 @@
           <p:cNvPr id="92" name="꺾인 연결선 140">
             <a:extLst>
               <a:ext uri="{FF2B5EF4-FFF2-40B4-BE49-F238E27FC236}">
-                <a16:creationId xmlns:a16="http://schemas.microsoft.com/office/drawing/2014/main" id="{4E782F2A-CE36-4C29-9781-A3C759B61644}"/>
+                <a16:creationId xmlns:a16="http://schemas.microsoft.com/office/drawing/2014/main" xmlns="" id="{4E782F2A-CE36-4C29-9781-A3C759B61644}"/>
               </a:ext>
             </a:extLst>
           </p:cNvPr>
@@ -15312,7 +15312,7 @@
           <p:cNvPr id="102" name="직선 연결선 101">
             <a:extLst>
               <a:ext uri="{FF2B5EF4-FFF2-40B4-BE49-F238E27FC236}">
-                <a16:creationId xmlns:a16="http://schemas.microsoft.com/office/drawing/2014/main" id="{7DE66BB1-1E47-4726-BEFA-6D00CA63F2C8}"/>
+                <a16:creationId xmlns:a16="http://schemas.microsoft.com/office/drawing/2014/main" xmlns="" id="{7DE66BB1-1E47-4726-BEFA-6D00CA63F2C8}"/>
               </a:ext>
             </a:extLst>
           </p:cNvPr>
@@ -15350,7 +15350,7 @@
           <p:cNvPr id="105" name="직선 화살표 연결선 104">
             <a:extLst>
               <a:ext uri="{FF2B5EF4-FFF2-40B4-BE49-F238E27FC236}">
-                <a16:creationId xmlns:a16="http://schemas.microsoft.com/office/drawing/2014/main" id="{2931E4F7-BD1A-4505-BB83-CA75751FFC26}"/>
+                <a16:creationId xmlns:a16="http://schemas.microsoft.com/office/drawing/2014/main" xmlns="" id="{2931E4F7-BD1A-4505-BB83-CA75751FFC26}"/>
               </a:ext>
             </a:extLst>
           </p:cNvPr>
@@ -15394,7 +15394,7 @@
           <p:cNvPr id="106" name="직사각형 105">
             <a:extLst>
               <a:ext uri="{FF2B5EF4-FFF2-40B4-BE49-F238E27FC236}">
-                <a16:creationId xmlns:a16="http://schemas.microsoft.com/office/drawing/2014/main" id="{4B69F101-859C-422A-B0AD-A564B9AE5F76}"/>
+                <a16:creationId xmlns:a16="http://schemas.microsoft.com/office/drawing/2014/main" xmlns="" id="{4B69F101-859C-422A-B0AD-A564B9AE5F76}"/>
               </a:ext>
             </a:extLst>
           </p:cNvPr>
@@ -15507,7 +15507,7 @@
           <p:cNvPr id="114" name="연결선: 꺾임 113">
             <a:extLst>
               <a:ext uri="{FF2B5EF4-FFF2-40B4-BE49-F238E27FC236}">
-                <a16:creationId xmlns:a16="http://schemas.microsoft.com/office/drawing/2014/main" id="{BCE737EB-22BA-404F-AB3A-B6CC8202AFE4}"/>
+                <a16:creationId xmlns:a16="http://schemas.microsoft.com/office/drawing/2014/main" xmlns="" id="{BCE737EB-22BA-404F-AB3A-B6CC8202AFE4}"/>
               </a:ext>
             </a:extLst>
           </p:cNvPr>
@@ -15545,7 +15545,7 @@
           <p:cNvPr id="119" name="직선 화살표 연결선 118">
             <a:extLst>
               <a:ext uri="{FF2B5EF4-FFF2-40B4-BE49-F238E27FC236}">
-                <a16:creationId xmlns:a16="http://schemas.microsoft.com/office/drawing/2014/main" id="{ACD2AB20-EB0D-4809-A424-B5AFDEEB3E09}"/>
+                <a16:creationId xmlns:a16="http://schemas.microsoft.com/office/drawing/2014/main" xmlns="" id="{ACD2AB20-EB0D-4809-A424-B5AFDEEB3E09}"/>
               </a:ext>
             </a:extLst>
           </p:cNvPr>
@@ -15590,7 +15590,7 @@
           <p:cNvPr id="122" name="그룹 121">
             <a:extLst>
               <a:ext uri="{FF2B5EF4-FFF2-40B4-BE49-F238E27FC236}">
-                <a16:creationId xmlns:a16="http://schemas.microsoft.com/office/drawing/2014/main" id="{5AE639A2-7BAB-4A11-A2D0-DBB4A0850EDA}"/>
+                <a16:creationId xmlns:a16="http://schemas.microsoft.com/office/drawing/2014/main" xmlns="" id="{5AE639A2-7BAB-4A11-A2D0-DBB4A0850EDA}"/>
               </a:ext>
             </a:extLst>
           </p:cNvPr>
@@ -15610,7 +15610,7 @@
             <p:cNvPr id="123" name="순서도: 판단 122">
               <a:extLst>
                 <a:ext uri="{FF2B5EF4-FFF2-40B4-BE49-F238E27FC236}">
-                  <a16:creationId xmlns:a16="http://schemas.microsoft.com/office/drawing/2014/main" id="{35E47DA8-74F3-4035-B9B5-AA6AF30E791E}"/>
+                  <a16:creationId xmlns:a16="http://schemas.microsoft.com/office/drawing/2014/main" xmlns="" id="{35E47DA8-74F3-4035-B9B5-AA6AF30E791E}"/>
                 </a:ext>
               </a:extLst>
             </p:cNvPr>
@@ -15680,7 +15680,7 @@
             <p:cNvPr id="124" name="직사각형 123">
               <a:extLst>
                 <a:ext uri="{FF2B5EF4-FFF2-40B4-BE49-F238E27FC236}">
-                  <a16:creationId xmlns:a16="http://schemas.microsoft.com/office/drawing/2014/main" id="{F28620F9-72C4-4CB9-B848-83859F1B1457}"/>
+                  <a16:creationId xmlns:a16="http://schemas.microsoft.com/office/drawing/2014/main" xmlns="" id="{F28620F9-72C4-4CB9-B848-83859F1B1457}"/>
                 </a:ext>
               </a:extLst>
             </p:cNvPr>
@@ -15772,7 +15772,7 @@
           <p:cNvPr id="125" name="직사각형 124">
             <a:extLst>
               <a:ext uri="{FF2B5EF4-FFF2-40B4-BE49-F238E27FC236}">
-                <a16:creationId xmlns:a16="http://schemas.microsoft.com/office/drawing/2014/main" id="{C43872DC-F904-4EC9-97DF-312159C3AE31}"/>
+                <a16:creationId xmlns:a16="http://schemas.microsoft.com/office/drawing/2014/main" xmlns="" id="{C43872DC-F904-4EC9-97DF-312159C3AE31}"/>
               </a:ext>
             </a:extLst>
           </p:cNvPr>
@@ -15826,7 +15826,7 @@
           <p:cNvPr id="126" name="직사각형 125">
             <a:extLst>
               <a:ext uri="{FF2B5EF4-FFF2-40B4-BE49-F238E27FC236}">
-                <a16:creationId xmlns:a16="http://schemas.microsoft.com/office/drawing/2014/main" id="{6C96E99A-F3B3-43D3-9C6D-7F272D63722D}"/>
+                <a16:creationId xmlns:a16="http://schemas.microsoft.com/office/drawing/2014/main" xmlns="" id="{6C96E99A-F3B3-43D3-9C6D-7F272D63722D}"/>
               </a:ext>
             </a:extLst>
           </p:cNvPr>
@@ -15880,7 +15880,7 @@
           <p:cNvPr id="127" name="직선 화살표 연결선 126">
             <a:extLst>
               <a:ext uri="{FF2B5EF4-FFF2-40B4-BE49-F238E27FC236}">
-                <a16:creationId xmlns:a16="http://schemas.microsoft.com/office/drawing/2014/main" id="{6FC23BE4-9464-45AC-A069-ED57974591ED}"/>
+                <a16:creationId xmlns:a16="http://schemas.microsoft.com/office/drawing/2014/main" xmlns="" id="{6FC23BE4-9464-45AC-A069-ED57974591ED}"/>
               </a:ext>
             </a:extLst>
           </p:cNvPr>
@@ -15925,7 +15925,7 @@
           <p:cNvPr id="130" name="TextBox 129">
             <a:extLst>
               <a:ext uri="{FF2B5EF4-FFF2-40B4-BE49-F238E27FC236}">
-                <a16:creationId xmlns:a16="http://schemas.microsoft.com/office/drawing/2014/main" id="{6C6327E9-E090-4D2C-97F4-F63A79C14142}"/>
+                <a16:creationId xmlns:a16="http://schemas.microsoft.com/office/drawing/2014/main" xmlns="" id="{6C6327E9-E090-4D2C-97F4-F63A79C14142}"/>
               </a:ext>
             </a:extLst>
           </p:cNvPr>
@@ -15964,7 +15964,7 @@
           <p:cNvPr id="131" name="직사각형 130">
             <a:extLst>
               <a:ext uri="{FF2B5EF4-FFF2-40B4-BE49-F238E27FC236}">
-                <a16:creationId xmlns:a16="http://schemas.microsoft.com/office/drawing/2014/main" id="{1199A0DA-32A2-46CA-AD13-68EEA905B915}"/>
+                <a16:creationId xmlns:a16="http://schemas.microsoft.com/office/drawing/2014/main" xmlns="" id="{1199A0DA-32A2-46CA-AD13-68EEA905B915}"/>
               </a:ext>
             </a:extLst>
           </p:cNvPr>
@@ -16047,7 +16047,7 @@
           <p:cNvPr id="134" name="직선 화살표 연결선 133">
             <a:extLst>
               <a:ext uri="{FF2B5EF4-FFF2-40B4-BE49-F238E27FC236}">
-                <a16:creationId xmlns:a16="http://schemas.microsoft.com/office/drawing/2014/main" id="{276E9C9A-4556-4784-92B2-79DA9FFA9D8A}"/>
+                <a16:creationId xmlns:a16="http://schemas.microsoft.com/office/drawing/2014/main" xmlns="" id="{276E9C9A-4556-4784-92B2-79DA9FFA9D8A}"/>
               </a:ext>
             </a:extLst>
           </p:cNvPr>
@@ -16093,7 +16093,7 @@
           <p:cNvPr id="137" name="그룹 136">
             <a:extLst>
               <a:ext uri="{FF2B5EF4-FFF2-40B4-BE49-F238E27FC236}">
-                <a16:creationId xmlns:a16="http://schemas.microsoft.com/office/drawing/2014/main" id="{02472736-BE49-4296-9490-8A5B08EBC3DE}"/>
+                <a16:creationId xmlns:a16="http://schemas.microsoft.com/office/drawing/2014/main" xmlns="" id="{02472736-BE49-4296-9490-8A5B08EBC3DE}"/>
               </a:ext>
             </a:extLst>
           </p:cNvPr>
@@ -16118,7 +16118,7 @@
             <p:cNvPr id="138" name="직사각형 137">
               <a:extLst>
                 <a:ext uri="{FF2B5EF4-FFF2-40B4-BE49-F238E27FC236}">
-                  <a16:creationId xmlns:a16="http://schemas.microsoft.com/office/drawing/2014/main" id="{EAD638EF-B1A8-44BE-95D1-02F1E2581C94}"/>
+                  <a16:creationId xmlns:a16="http://schemas.microsoft.com/office/drawing/2014/main" xmlns="" id="{EAD638EF-B1A8-44BE-95D1-02F1E2581C94}"/>
                 </a:ext>
               </a:extLst>
             </p:cNvPr>
@@ -16166,7 +16166,7 @@
             <p:cNvPr id="139" name="직사각형 138">
               <a:extLst>
                 <a:ext uri="{FF2B5EF4-FFF2-40B4-BE49-F238E27FC236}">
-                  <a16:creationId xmlns:a16="http://schemas.microsoft.com/office/drawing/2014/main" id="{572EA520-1592-451F-9621-A819C7E65F51}"/>
+                  <a16:creationId xmlns:a16="http://schemas.microsoft.com/office/drawing/2014/main" xmlns="" id="{572EA520-1592-451F-9621-A819C7E65F51}"/>
                 </a:ext>
               </a:extLst>
             </p:cNvPr>
@@ -16215,7 +16215,7 @@
           <p:cNvPr id="140" name="AutoShape 19">
             <a:extLst>
               <a:ext uri="{FF2B5EF4-FFF2-40B4-BE49-F238E27FC236}">
-                <a16:creationId xmlns:a16="http://schemas.microsoft.com/office/drawing/2014/main" id="{FB1970F9-5615-4447-8CA6-739D29F0B1B0}"/>
+                <a16:creationId xmlns:a16="http://schemas.microsoft.com/office/drawing/2014/main" xmlns="" id="{FB1970F9-5615-4447-8CA6-739D29F0B1B0}"/>
               </a:ext>
             </a:extLst>
           </p:cNvPr>
@@ -16302,7 +16302,7 @@
           <p:cNvPr id="141" name="AutoShape 19">
             <a:extLst>
               <a:ext uri="{FF2B5EF4-FFF2-40B4-BE49-F238E27FC236}">
-                <a16:creationId xmlns:a16="http://schemas.microsoft.com/office/drawing/2014/main" id="{1E69197E-742A-49E9-B2A8-16E57F21A631}"/>
+                <a16:creationId xmlns:a16="http://schemas.microsoft.com/office/drawing/2014/main" xmlns="" id="{1E69197E-742A-49E9-B2A8-16E57F21A631}"/>
               </a:ext>
             </a:extLst>
           </p:cNvPr>
@@ -16393,7 +16393,7 @@
           <p:cNvPr id="158" name="직선 연결선 157">
             <a:extLst>
               <a:ext uri="{FF2B5EF4-FFF2-40B4-BE49-F238E27FC236}">
-                <a16:creationId xmlns:a16="http://schemas.microsoft.com/office/drawing/2014/main" id="{63035384-213E-4AE2-8B4A-3A1B4D5A4891}"/>
+                <a16:creationId xmlns:a16="http://schemas.microsoft.com/office/drawing/2014/main" xmlns="" id="{63035384-213E-4AE2-8B4A-3A1B4D5A4891}"/>
               </a:ext>
             </a:extLst>
           </p:cNvPr>
@@ -16437,7 +16437,7 @@
           <p:cNvPr id="159" name="꺾인 연결선 138">
             <a:extLst>
               <a:ext uri="{FF2B5EF4-FFF2-40B4-BE49-F238E27FC236}">
-                <a16:creationId xmlns:a16="http://schemas.microsoft.com/office/drawing/2014/main" id="{70288294-C2BF-467C-90D5-EB67DF1F777C}"/>
+                <a16:creationId xmlns:a16="http://schemas.microsoft.com/office/drawing/2014/main" xmlns="" id="{70288294-C2BF-467C-90D5-EB67DF1F777C}"/>
               </a:ext>
             </a:extLst>
           </p:cNvPr>
@@ -16486,7 +16486,7 @@
           <p:cNvPr id="66" name="직사각형 65">
             <a:extLst>
               <a:ext uri="{FF2B5EF4-FFF2-40B4-BE49-F238E27FC236}">
-                <a16:creationId xmlns:a16="http://schemas.microsoft.com/office/drawing/2014/main" id="{38933CBF-D845-4783-A022-87B2A34A09E4}"/>
+                <a16:creationId xmlns:a16="http://schemas.microsoft.com/office/drawing/2014/main" xmlns="" id="{38933CBF-D845-4783-A022-87B2A34A09E4}"/>
               </a:ext>
             </a:extLst>
           </p:cNvPr>
@@ -16540,7 +16540,7 @@
           <p:cNvPr id="68" name="AutoShape 19">
             <a:extLst>
               <a:ext uri="{FF2B5EF4-FFF2-40B4-BE49-F238E27FC236}">
-                <a16:creationId xmlns:a16="http://schemas.microsoft.com/office/drawing/2014/main" id="{76A91E9D-D464-4215-864F-EA6E42A8FFAF}"/>
+                <a16:creationId xmlns:a16="http://schemas.microsoft.com/office/drawing/2014/main" xmlns="" id="{76A91E9D-D464-4215-864F-EA6E42A8FFAF}"/>
               </a:ext>
             </a:extLst>
           </p:cNvPr>
@@ -16631,7 +16631,7 @@
           <p:cNvPr id="69" name="AutoShape 19">
             <a:extLst>
               <a:ext uri="{FF2B5EF4-FFF2-40B4-BE49-F238E27FC236}">
-                <a16:creationId xmlns:a16="http://schemas.microsoft.com/office/drawing/2014/main" id="{03959946-D456-42ED-AC48-398E5EC08869}"/>
+                <a16:creationId xmlns:a16="http://schemas.microsoft.com/office/drawing/2014/main" xmlns="" id="{03959946-D456-42ED-AC48-398E5EC08869}"/>
               </a:ext>
             </a:extLst>
           </p:cNvPr>
@@ -16718,7 +16718,7 @@
           <p:cNvPr id="37" name="연결선: 꺾임 36">
             <a:extLst>
               <a:ext uri="{FF2B5EF4-FFF2-40B4-BE49-F238E27FC236}">
-                <a16:creationId xmlns:a16="http://schemas.microsoft.com/office/drawing/2014/main" id="{C7716B05-B409-4D6D-84C8-2833C439FE86}"/>
+                <a16:creationId xmlns:a16="http://schemas.microsoft.com/office/drawing/2014/main" xmlns="" id="{C7716B05-B409-4D6D-84C8-2833C439FE86}"/>
               </a:ext>
             </a:extLst>
           </p:cNvPr>
@@ -16756,7 +16756,7 @@
           <p:cNvPr id="78" name="직사각형 77">
             <a:extLst>
               <a:ext uri="{FF2B5EF4-FFF2-40B4-BE49-F238E27FC236}">
-                <a16:creationId xmlns:a16="http://schemas.microsoft.com/office/drawing/2014/main" id="{F87AF2C7-E7A7-4984-A865-3B9869DD66BE}"/>
+                <a16:creationId xmlns:a16="http://schemas.microsoft.com/office/drawing/2014/main" xmlns="" id="{F87AF2C7-E7A7-4984-A865-3B9869DD66BE}"/>
               </a:ext>
             </a:extLst>
           </p:cNvPr>
@@ -16824,7 +16824,7 @@
           <p:cNvPr id="168" name="AutoShape 19">
             <a:extLst>
               <a:ext uri="{FF2B5EF4-FFF2-40B4-BE49-F238E27FC236}">
-                <a16:creationId xmlns:a16="http://schemas.microsoft.com/office/drawing/2014/main" id="{C492BCFD-4F18-4D80-A061-B352C5E7CBE7}"/>
+                <a16:creationId xmlns:a16="http://schemas.microsoft.com/office/drawing/2014/main" xmlns="" id="{C492BCFD-4F18-4D80-A061-B352C5E7CBE7}"/>
               </a:ext>
             </a:extLst>
           </p:cNvPr>
@@ -16936,7 +16936,7 @@
           <p:cNvPr id="166" name="AutoShape 19">
             <a:extLst>
               <a:ext uri="{FF2B5EF4-FFF2-40B4-BE49-F238E27FC236}">
-                <a16:creationId xmlns:a16="http://schemas.microsoft.com/office/drawing/2014/main" id="{C03B6A22-78D2-4DBA-861A-1F63EBDC22AC}"/>
+                <a16:creationId xmlns:a16="http://schemas.microsoft.com/office/drawing/2014/main" xmlns="" id="{C03B6A22-78D2-4DBA-861A-1F63EBDC22AC}"/>
               </a:ext>
             </a:extLst>
           </p:cNvPr>
@@ -17048,7 +17048,7 @@
           <p:cNvPr id="3" name="Rectangle 2">
             <a:extLst>
               <a:ext uri="{FF2B5EF4-FFF2-40B4-BE49-F238E27FC236}">
-                <a16:creationId xmlns:a16="http://schemas.microsoft.com/office/drawing/2014/main" id="{765F57FD-16B0-4A3C-8402-B173E0C28007}"/>
+                <a16:creationId xmlns:a16="http://schemas.microsoft.com/office/drawing/2014/main" xmlns="" id="{765F57FD-16B0-4A3C-8402-B173E0C28007}"/>
               </a:ext>
             </a:extLst>
           </p:cNvPr>
@@ -17245,7 +17245,7 @@
           <p:cNvPr id="4" name="TextBox 3">
             <a:extLst>
               <a:ext uri="{FF2B5EF4-FFF2-40B4-BE49-F238E27FC236}">
-                <a16:creationId xmlns:a16="http://schemas.microsoft.com/office/drawing/2014/main" id="{0C8CE5D6-CDA9-43CB-A417-EA1CB1AF6755}"/>
+                <a16:creationId xmlns:a16="http://schemas.microsoft.com/office/drawing/2014/main" xmlns="" id="{0C8CE5D6-CDA9-43CB-A417-EA1CB1AF6755}"/>
               </a:ext>
             </a:extLst>
           </p:cNvPr>
@@ -17345,7 +17345,7 @@
           <p:cNvPr id="5" name="Group 88">
             <a:extLst>
               <a:ext uri="{FF2B5EF4-FFF2-40B4-BE49-F238E27FC236}">
-                <a16:creationId xmlns:a16="http://schemas.microsoft.com/office/drawing/2014/main" id="{75F6D779-2459-4B0C-AE83-7D052702A1DF}"/>
+                <a16:creationId xmlns:a16="http://schemas.microsoft.com/office/drawing/2014/main" xmlns="" id="{75F6D779-2459-4B0C-AE83-7D052702A1DF}"/>
               </a:ext>
             </a:extLst>
           </p:cNvPr>
@@ -17372,14 +17372,14 @@
                 <a:gridCol w="288701">
                   <a:extLst>
                     <a:ext uri="{9D8B030D-6E8A-4147-A177-3AD203B41FA5}">
-                      <a16:colId xmlns:a16="http://schemas.microsoft.com/office/drawing/2014/main" val="20000"/>
+                      <a16:colId xmlns:a16="http://schemas.microsoft.com/office/drawing/2014/main" xmlns="" val="20000"/>
                     </a:ext>
                   </a:extLst>
                 </a:gridCol>
                 <a:gridCol w="2087786">
                   <a:extLst>
                     <a:ext uri="{9D8B030D-6E8A-4147-A177-3AD203B41FA5}">
-                      <a16:colId xmlns:a16="http://schemas.microsoft.com/office/drawing/2014/main" val="20001"/>
+                      <a16:colId xmlns:a16="http://schemas.microsoft.com/office/drawing/2014/main" xmlns="" val="20001"/>
                     </a:ext>
                   </a:extLst>
                 </a:gridCol>
@@ -17614,7 +17614,7 @@
                 </a:tc>
                 <a:extLst>
                   <a:ext uri="{0D108BD9-81ED-4DB2-BD59-A6C34878D82A}">
-                    <a16:rowId xmlns:a16="http://schemas.microsoft.com/office/drawing/2014/main" val="10000"/>
+                    <a16:rowId xmlns:a16="http://schemas.microsoft.com/office/drawing/2014/main" xmlns="" val="10000"/>
                   </a:ext>
                 </a:extLst>
               </a:tr>
@@ -17928,7 +17928,7 @@
                 </a:tc>
                 <a:extLst>
                   <a:ext uri="{0D108BD9-81ED-4DB2-BD59-A6C34878D82A}">
-                    <a16:rowId xmlns:a16="http://schemas.microsoft.com/office/drawing/2014/main" val="1221975929"/>
+                    <a16:rowId xmlns:a16="http://schemas.microsoft.com/office/drawing/2014/main" xmlns="" val="1221975929"/>
                   </a:ext>
                 </a:extLst>
               </a:tr>
@@ -18242,7 +18242,7 @@
                 </a:tc>
                 <a:extLst>
                   <a:ext uri="{0D108BD9-81ED-4DB2-BD59-A6C34878D82A}">
-                    <a16:rowId xmlns:a16="http://schemas.microsoft.com/office/drawing/2014/main" val="10002"/>
+                    <a16:rowId xmlns:a16="http://schemas.microsoft.com/office/drawing/2014/main" xmlns="" val="10002"/>
                   </a:ext>
                 </a:extLst>
               </a:tr>
@@ -18255,7 +18255,7 @@
           <p:cNvPr id="6" name="직사각형 5">
             <a:extLst>
               <a:ext uri="{FF2B5EF4-FFF2-40B4-BE49-F238E27FC236}">
-                <a16:creationId xmlns:a16="http://schemas.microsoft.com/office/drawing/2014/main" id="{1B099465-C2A7-409B-8AA0-3995FE3DC99B}"/>
+                <a16:creationId xmlns:a16="http://schemas.microsoft.com/office/drawing/2014/main" xmlns="" id="{1B099465-C2A7-409B-8AA0-3995FE3DC99B}"/>
               </a:ext>
             </a:extLst>
           </p:cNvPr>
@@ -18338,7 +18338,7 @@
           <p:cNvPr id="9" name="직사각형 8">
             <a:extLst>
               <a:ext uri="{FF2B5EF4-FFF2-40B4-BE49-F238E27FC236}">
-                <a16:creationId xmlns:a16="http://schemas.microsoft.com/office/drawing/2014/main" id="{F34B951A-17BA-4849-9490-79F36AA73DF8}"/>
+                <a16:creationId xmlns:a16="http://schemas.microsoft.com/office/drawing/2014/main" xmlns="" id="{F34B951A-17BA-4849-9490-79F36AA73DF8}"/>
               </a:ext>
             </a:extLst>
           </p:cNvPr>
@@ -18411,7 +18411,7 @@
           <p:cNvPr id="11" name="직사각형 10">
             <a:extLst>
               <a:ext uri="{FF2B5EF4-FFF2-40B4-BE49-F238E27FC236}">
-                <a16:creationId xmlns:a16="http://schemas.microsoft.com/office/drawing/2014/main" id="{C4C0F1DA-B11D-4DBD-AA1A-5418A37DAF41}"/>
+                <a16:creationId xmlns:a16="http://schemas.microsoft.com/office/drawing/2014/main" xmlns="" id="{C4C0F1DA-B11D-4DBD-AA1A-5418A37DAF41}"/>
               </a:ext>
             </a:extLst>
           </p:cNvPr>
@@ -18484,7 +18484,7 @@
           <p:cNvPr id="12" name="직사각형 11">
             <a:extLst>
               <a:ext uri="{FF2B5EF4-FFF2-40B4-BE49-F238E27FC236}">
-                <a16:creationId xmlns:a16="http://schemas.microsoft.com/office/drawing/2014/main" id="{BCD38DA3-0EC0-4FF4-AA1D-B1927A1F2207}"/>
+                <a16:creationId xmlns:a16="http://schemas.microsoft.com/office/drawing/2014/main" xmlns="" id="{BCD38DA3-0EC0-4FF4-AA1D-B1927A1F2207}"/>
               </a:ext>
             </a:extLst>
           </p:cNvPr>
@@ -18557,7 +18557,7 @@
           <p:cNvPr id="15" name="그룹 14">
             <a:extLst>
               <a:ext uri="{FF2B5EF4-FFF2-40B4-BE49-F238E27FC236}">
-                <a16:creationId xmlns:a16="http://schemas.microsoft.com/office/drawing/2014/main" id="{9A3F7EAE-4AD7-41B4-885C-3349B7D27330}"/>
+                <a16:creationId xmlns:a16="http://schemas.microsoft.com/office/drawing/2014/main" xmlns="" id="{9A3F7EAE-4AD7-41B4-885C-3349B7D27330}"/>
               </a:ext>
             </a:extLst>
           </p:cNvPr>
@@ -18577,7 +18577,7 @@
             <p:cNvPr id="16" name="순서도: 판단 15">
               <a:extLst>
                 <a:ext uri="{FF2B5EF4-FFF2-40B4-BE49-F238E27FC236}">
-                  <a16:creationId xmlns:a16="http://schemas.microsoft.com/office/drawing/2014/main" id="{16D626F0-628A-4D7B-9D70-913251A02A5D}"/>
+                  <a16:creationId xmlns:a16="http://schemas.microsoft.com/office/drawing/2014/main" xmlns="" id="{16D626F0-628A-4D7B-9D70-913251A02A5D}"/>
                 </a:ext>
               </a:extLst>
             </p:cNvPr>
@@ -18647,7 +18647,7 @@
             <p:cNvPr id="17" name="직사각형 16">
               <a:extLst>
                 <a:ext uri="{FF2B5EF4-FFF2-40B4-BE49-F238E27FC236}">
-                  <a16:creationId xmlns:a16="http://schemas.microsoft.com/office/drawing/2014/main" id="{EEADC960-AFA7-4945-90EC-8218A8921AA1}"/>
+                  <a16:creationId xmlns:a16="http://schemas.microsoft.com/office/drawing/2014/main" xmlns="" id="{EEADC960-AFA7-4945-90EC-8218A8921AA1}"/>
                 </a:ext>
               </a:extLst>
             </p:cNvPr>
@@ -18726,7 +18726,7 @@
           <p:cNvPr id="18" name="꺾인 연결선 138">
             <a:extLst>
               <a:ext uri="{FF2B5EF4-FFF2-40B4-BE49-F238E27FC236}">
-                <a16:creationId xmlns:a16="http://schemas.microsoft.com/office/drawing/2014/main" id="{0C01E81C-12E0-40FF-92B2-A65E172F28C8}"/>
+                <a16:creationId xmlns:a16="http://schemas.microsoft.com/office/drawing/2014/main" xmlns="" id="{0C01E81C-12E0-40FF-92B2-A65E172F28C8}"/>
               </a:ext>
             </a:extLst>
           </p:cNvPr>
@@ -18771,7 +18771,7 @@
           <p:cNvPr id="19" name="직사각형 18">
             <a:extLst>
               <a:ext uri="{FF2B5EF4-FFF2-40B4-BE49-F238E27FC236}">
-                <a16:creationId xmlns:a16="http://schemas.microsoft.com/office/drawing/2014/main" id="{1ECAF982-2F0E-4984-BA7A-54E23F9D8C90}"/>
+                <a16:creationId xmlns:a16="http://schemas.microsoft.com/office/drawing/2014/main" xmlns="" id="{1ECAF982-2F0E-4984-BA7A-54E23F9D8C90}"/>
               </a:ext>
             </a:extLst>
           </p:cNvPr>
@@ -18812,7 +18812,7 @@
           <p:cNvPr id="20" name="직사각형 19">
             <a:extLst>
               <a:ext uri="{FF2B5EF4-FFF2-40B4-BE49-F238E27FC236}">
-                <a16:creationId xmlns:a16="http://schemas.microsoft.com/office/drawing/2014/main" id="{191986B6-96C2-4508-8BCB-A2D2955A6F17}"/>
+                <a16:creationId xmlns:a16="http://schemas.microsoft.com/office/drawing/2014/main" xmlns="" id="{191986B6-96C2-4508-8BCB-A2D2955A6F17}"/>
               </a:ext>
             </a:extLst>
           </p:cNvPr>
@@ -18866,7 +18866,7 @@
           <p:cNvPr id="21" name="꺾인 연결선 140">
             <a:extLst>
               <a:ext uri="{FF2B5EF4-FFF2-40B4-BE49-F238E27FC236}">
-                <a16:creationId xmlns:a16="http://schemas.microsoft.com/office/drawing/2014/main" id="{89E57163-EDC3-4DC3-92A7-8A8680D232D0}"/>
+                <a16:creationId xmlns:a16="http://schemas.microsoft.com/office/drawing/2014/main" xmlns="" id="{89E57163-EDC3-4DC3-92A7-8A8680D232D0}"/>
               </a:ext>
             </a:extLst>
           </p:cNvPr>
@@ -18914,7 +18914,7 @@
           <p:cNvPr id="42" name="직선 화살표 연결선 41">
             <a:extLst>
               <a:ext uri="{FF2B5EF4-FFF2-40B4-BE49-F238E27FC236}">
-                <a16:creationId xmlns:a16="http://schemas.microsoft.com/office/drawing/2014/main" id="{51233EE8-8569-4C7C-BE44-CD4EB565A36B}"/>
+                <a16:creationId xmlns:a16="http://schemas.microsoft.com/office/drawing/2014/main" xmlns="" id="{51233EE8-8569-4C7C-BE44-CD4EB565A36B}"/>
               </a:ext>
             </a:extLst>
           </p:cNvPr>
@@ -18960,7 +18960,7 @@
           <p:cNvPr id="47" name="모서리가 둥근 직사각형 202">
             <a:extLst>
               <a:ext uri="{FF2B5EF4-FFF2-40B4-BE49-F238E27FC236}">
-                <a16:creationId xmlns:a16="http://schemas.microsoft.com/office/drawing/2014/main" id="{0EA41CDC-696A-4538-B829-F5095EB35382}"/>
+                <a16:creationId xmlns:a16="http://schemas.microsoft.com/office/drawing/2014/main" xmlns="" id="{0EA41CDC-696A-4538-B829-F5095EB35382}"/>
               </a:ext>
             </a:extLst>
           </p:cNvPr>
@@ -19016,7 +19016,7 @@
           <p:cNvPr id="48" name="모서리가 둥근 직사각형 203">
             <a:extLst>
               <a:ext uri="{FF2B5EF4-FFF2-40B4-BE49-F238E27FC236}">
-                <a16:creationId xmlns:a16="http://schemas.microsoft.com/office/drawing/2014/main" id="{4F3445B8-BC93-4396-8C9B-91D63FFECD0B}"/>
+                <a16:creationId xmlns:a16="http://schemas.microsoft.com/office/drawing/2014/main" xmlns="" id="{4F3445B8-BC93-4396-8C9B-91D63FFECD0B}"/>
               </a:ext>
             </a:extLst>
           </p:cNvPr>
@@ -19072,7 +19072,7 @@
           <p:cNvPr id="53" name="TextBox 52">
             <a:extLst>
               <a:ext uri="{FF2B5EF4-FFF2-40B4-BE49-F238E27FC236}">
-                <a16:creationId xmlns:a16="http://schemas.microsoft.com/office/drawing/2014/main" id="{524CAFBF-787D-46D6-A1C6-99D8F8535FA5}"/>
+                <a16:creationId xmlns:a16="http://schemas.microsoft.com/office/drawing/2014/main" xmlns="" id="{524CAFBF-787D-46D6-A1C6-99D8F8535FA5}"/>
               </a:ext>
             </a:extLst>
           </p:cNvPr>
@@ -19110,7 +19110,7 @@
           <p:cNvPr id="54" name="TextBox 53">
             <a:extLst>
               <a:ext uri="{FF2B5EF4-FFF2-40B4-BE49-F238E27FC236}">
-                <a16:creationId xmlns:a16="http://schemas.microsoft.com/office/drawing/2014/main" id="{F5F634FD-B447-4E7D-A248-7A52748E359B}"/>
+                <a16:creationId xmlns:a16="http://schemas.microsoft.com/office/drawing/2014/main" xmlns="" id="{F5F634FD-B447-4E7D-A248-7A52748E359B}"/>
               </a:ext>
             </a:extLst>
           </p:cNvPr>
@@ -19148,7 +19148,7 @@
           <p:cNvPr id="64" name="직사각형 63">
             <a:extLst>
               <a:ext uri="{FF2B5EF4-FFF2-40B4-BE49-F238E27FC236}">
-                <a16:creationId xmlns:a16="http://schemas.microsoft.com/office/drawing/2014/main" id="{D9D9AF47-9CBF-4953-AD53-D9B5540871D6}"/>
+                <a16:creationId xmlns:a16="http://schemas.microsoft.com/office/drawing/2014/main" xmlns="" id="{D9D9AF47-9CBF-4953-AD53-D9B5540871D6}"/>
               </a:ext>
             </a:extLst>
           </p:cNvPr>
@@ -19231,7 +19231,7 @@
           <p:cNvPr id="65" name="직선 화살표 연결선 64">
             <a:extLst>
               <a:ext uri="{FF2B5EF4-FFF2-40B4-BE49-F238E27FC236}">
-                <a16:creationId xmlns:a16="http://schemas.microsoft.com/office/drawing/2014/main" id="{D65EFD91-AE7B-47E2-927C-F89FBB746890}"/>
+                <a16:creationId xmlns:a16="http://schemas.microsoft.com/office/drawing/2014/main" xmlns="" id="{D65EFD91-AE7B-47E2-927C-F89FBB746890}"/>
               </a:ext>
             </a:extLst>
           </p:cNvPr>
@@ -19275,7 +19275,7 @@
           <p:cNvPr id="114" name="연결선: 꺾임 113">
             <a:extLst>
               <a:ext uri="{FF2B5EF4-FFF2-40B4-BE49-F238E27FC236}">
-                <a16:creationId xmlns:a16="http://schemas.microsoft.com/office/drawing/2014/main" id="{BCE737EB-22BA-404F-AB3A-B6CC8202AFE4}"/>
+                <a16:creationId xmlns:a16="http://schemas.microsoft.com/office/drawing/2014/main" xmlns="" id="{BCE737EB-22BA-404F-AB3A-B6CC8202AFE4}"/>
               </a:ext>
             </a:extLst>
           </p:cNvPr>
@@ -19313,7 +19313,7 @@
           <p:cNvPr id="131" name="직사각형 130">
             <a:extLst>
               <a:ext uri="{FF2B5EF4-FFF2-40B4-BE49-F238E27FC236}">
-                <a16:creationId xmlns:a16="http://schemas.microsoft.com/office/drawing/2014/main" id="{1199A0DA-32A2-46CA-AD13-68EEA905B915}"/>
+                <a16:creationId xmlns:a16="http://schemas.microsoft.com/office/drawing/2014/main" xmlns="" id="{1199A0DA-32A2-46CA-AD13-68EEA905B915}"/>
               </a:ext>
             </a:extLst>
           </p:cNvPr>
@@ -19396,7 +19396,7 @@
           <p:cNvPr id="167" name="직사각형 166">
             <a:extLst>
               <a:ext uri="{FF2B5EF4-FFF2-40B4-BE49-F238E27FC236}">
-                <a16:creationId xmlns:a16="http://schemas.microsoft.com/office/drawing/2014/main" id="{9B26294E-2671-4004-AB77-557375A3211D}"/>
+                <a16:creationId xmlns:a16="http://schemas.microsoft.com/office/drawing/2014/main" xmlns="" id="{9B26294E-2671-4004-AB77-557375A3211D}"/>
               </a:ext>
             </a:extLst>
           </p:cNvPr>
@@ -19450,7 +19450,7 @@
           <p:cNvPr id="198" name="직사각형 197">
             <a:extLst>
               <a:ext uri="{FF2B5EF4-FFF2-40B4-BE49-F238E27FC236}">
-                <a16:creationId xmlns:a16="http://schemas.microsoft.com/office/drawing/2014/main" id="{80B4ED33-5C79-44CC-AA9F-867DA3CBCEB4}"/>
+                <a16:creationId xmlns:a16="http://schemas.microsoft.com/office/drawing/2014/main" xmlns="" id="{80B4ED33-5C79-44CC-AA9F-867DA3CBCEB4}"/>
               </a:ext>
             </a:extLst>
           </p:cNvPr>
@@ -19533,7 +19533,7 @@
           <p:cNvPr id="199" name="꺾인 연결선 162">
             <a:extLst>
               <a:ext uri="{FF2B5EF4-FFF2-40B4-BE49-F238E27FC236}">
-                <a16:creationId xmlns:a16="http://schemas.microsoft.com/office/drawing/2014/main" id="{0890C061-FC70-4CAD-A5EE-3D607170C0E0}"/>
+                <a16:creationId xmlns:a16="http://schemas.microsoft.com/office/drawing/2014/main" xmlns="" id="{0890C061-FC70-4CAD-A5EE-3D607170C0E0}"/>
               </a:ext>
             </a:extLst>
           </p:cNvPr>
@@ -19578,7 +19578,7 @@
           <p:cNvPr id="222" name="직선 연결선 221">
             <a:extLst>
               <a:ext uri="{FF2B5EF4-FFF2-40B4-BE49-F238E27FC236}">
-                <a16:creationId xmlns:a16="http://schemas.microsoft.com/office/drawing/2014/main" id="{5B9F3989-5692-4310-89BA-46EABB92C1D3}"/>
+                <a16:creationId xmlns:a16="http://schemas.microsoft.com/office/drawing/2014/main" xmlns="" id="{5B9F3989-5692-4310-89BA-46EABB92C1D3}"/>
               </a:ext>
             </a:extLst>
           </p:cNvPr>
@@ -19614,7 +19614,7 @@
           <p:cNvPr id="228" name="직선 화살표 연결선 227">
             <a:extLst>
               <a:ext uri="{FF2B5EF4-FFF2-40B4-BE49-F238E27FC236}">
-                <a16:creationId xmlns:a16="http://schemas.microsoft.com/office/drawing/2014/main" id="{2830ED54-ACAE-4937-B25B-12D161C6D39B}"/>
+                <a16:creationId xmlns:a16="http://schemas.microsoft.com/office/drawing/2014/main" xmlns="" id="{2830ED54-ACAE-4937-B25B-12D161C6D39B}"/>
               </a:ext>
             </a:extLst>
           </p:cNvPr>
@@ -19659,7 +19659,7 @@
           <p:cNvPr id="230" name="그룹 229">
             <a:extLst>
               <a:ext uri="{FF2B5EF4-FFF2-40B4-BE49-F238E27FC236}">
-                <a16:creationId xmlns:a16="http://schemas.microsoft.com/office/drawing/2014/main" id="{A133F2E7-0D9C-42DC-A8F4-F4BFE78214CA}"/>
+                <a16:creationId xmlns:a16="http://schemas.microsoft.com/office/drawing/2014/main" xmlns="" id="{A133F2E7-0D9C-42DC-A8F4-F4BFE78214CA}"/>
               </a:ext>
             </a:extLst>
           </p:cNvPr>
@@ -19679,7 +19679,7 @@
             <p:cNvPr id="231" name="순서도: 판단 230">
               <a:extLst>
                 <a:ext uri="{FF2B5EF4-FFF2-40B4-BE49-F238E27FC236}">
-                  <a16:creationId xmlns:a16="http://schemas.microsoft.com/office/drawing/2014/main" id="{B26C660E-9292-4AB8-ACA6-39288B4A29F9}"/>
+                  <a16:creationId xmlns:a16="http://schemas.microsoft.com/office/drawing/2014/main" xmlns="" id="{B26C660E-9292-4AB8-ACA6-39288B4A29F9}"/>
                 </a:ext>
               </a:extLst>
             </p:cNvPr>
@@ -19749,7 +19749,7 @@
             <p:cNvPr id="232" name="직사각형 231">
               <a:extLst>
                 <a:ext uri="{FF2B5EF4-FFF2-40B4-BE49-F238E27FC236}">
-                  <a16:creationId xmlns:a16="http://schemas.microsoft.com/office/drawing/2014/main" id="{35B8A821-902E-4412-B41D-20127F7BFABB}"/>
+                  <a16:creationId xmlns:a16="http://schemas.microsoft.com/office/drawing/2014/main" xmlns="" id="{35B8A821-902E-4412-B41D-20127F7BFABB}"/>
                 </a:ext>
               </a:extLst>
             </p:cNvPr>
@@ -19808,7 +19808,7 @@
           <p:cNvPr id="233" name="직선 화살표 연결선 232">
             <a:extLst>
               <a:ext uri="{FF2B5EF4-FFF2-40B4-BE49-F238E27FC236}">
-                <a16:creationId xmlns:a16="http://schemas.microsoft.com/office/drawing/2014/main" id="{3B322601-0C89-48C7-850E-FE40DC65E0CD}"/>
+                <a16:creationId xmlns:a16="http://schemas.microsoft.com/office/drawing/2014/main" xmlns="" id="{3B322601-0C89-48C7-850E-FE40DC65E0CD}"/>
               </a:ext>
             </a:extLst>
           </p:cNvPr>
@@ -19853,7 +19853,7 @@
           <p:cNvPr id="235" name="직선 화살표 연결선 234">
             <a:extLst>
               <a:ext uri="{FF2B5EF4-FFF2-40B4-BE49-F238E27FC236}">
-                <a16:creationId xmlns:a16="http://schemas.microsoft.com/office/drawing/2014/main" id="{0A0A2E73-51CA-4F12-9174-E0F31F1E2B66}"/>
+                <a16:creationId xmlns:a16="http://schemas.microsoft.com/office/drawing/2014/main" xmlns="" id="{0A0A2E73-51CA-4F12-9174-E0F31F1E2B66}"/>
               </a:ext>
             </a:extLst>
           </p:cNvPr>
@@ -19897,7 +19897,7 @@
           <p:cNvPr id="238" name="꺾인 연결선 155">
             <a:extLst>
               <a:ext uri="{FF2B5EF4-FFF2-40B4-BE49-F238E27FC236}">
-                <a16:creationId xmlns:a16="http://schemas.microsoft.com/office/drawing/2014/main" id="{62D2595C-9A07-4502-A4B3-4769842AFBDA}"/>
+                <a16:creationId xmlns:a16="http://schemas.microsoft.com/office/drawing/2014/main" xmlns="" id="{62D2595C-9A07-4502-A4B3-4769842AFBDA}"/>
               </a:ext>
             </a:extLst>
           </p:cNvPr>
@@ -19945,7 +19945,7 @@
           <p:cNvPr id="241" name="직사각형 240">
             <a:extLst>
               <a:ext uri="{FF2B5EF4-FFF2-40B4-BE49-F238E27FC236}">
-                <a16:creationId xmlns:a16="http://schemas.microsoft.com/office/drawing/2014/main" id="{9E46C4B0-D5C8-461B-BC53-8D533A35678E}"/>
+                <a16:creationId xmlns:a16="http://schemas.microsoft.com/office/drawing/2014/main" xmlns="" id="{9E46C4B0-D5C8-461B-BC53-8D533A35678E}"/>
               </a:ext>
             </a:extLst>
           </p:cNvPr>
@@ -19999,7 +19999,7 @@
           <p:cNvPr id="243" name="직사각형 242">
             <a:extLst>
               <a:ext uri="{FF2B5EF4-FFF2-40B4-BE49-F238E27FC236}">
-                <a16:creationId xmlns:a16="http://schemas.microsoft.com/office/drawing/2014/main" id="{8791DAF3-F171-4BCB-802F-CC115361BD00}"/>
+                <a16:creationId xmlns:a16="http://schemas.microsoft.com/office/drawing/2014/main" xmlns="" id="{8791DAF3-F171-4BCB-802F-CC115361BD00}"/>
               </a:ext>
             </a:extLst>
           </p:cNvPr>
@@ -20083,7 +20083,7 @@
           <p:cNvPr id="9" name="직사각형 8">
             <a:extLst>
               <a:ext uri="{FF2B5EF4-FFF2-40B4-BE49-F238E27FC236}">
-                <a16:creationId xmlns:a16="http://schemas.microsoft.com/office/drawing/2014/main" id="{9152366B-0095-4AA3-A7E2-A8081BF7E1FC}"/>
+                <a16:creationId xmlns:a16="http://schemas.microsoft.com/office/drawing/2014/main" xmlns="" id="{9152366B-0095-4AA3-A7E2-A8081BF7E1FC}"/>
               </a:ext>
             </a:extLst>
           </p:cNvPr>
@@ -20132,7 +20132,7 @@
           <p:cNvPr id="10" name="직선 연결선 9">
             <a:extLst>
               <a:ext uri="{FF2B5EF4-FFF2-40B4-BE49-F238E27FC236}">
-                <a16:creationId xmlns:a16="http://schemas.microsoft.com/office/drawing/2014/main" id="{E5521BE5-C2D5-4248-8081-35F6F52D21E8}"/>
+                <a16:creationId xmlns:a16="http://schemas.microsoft.com/office/drawing/2014/main" xmlns="" id="{E5521BE5-C2D5-4248-8081-35F6F52D21E8}"/>
               </a:ext>
             </a:extLst>
           </p:cNvPr>
@@ -20173,7 +20173,7 @@
           <p:cNvPr id="11" name="직사각형 10">
             <a:extLst>
               <a:ext uri="{FF2B5EF4-FFF2-40B4-BE49-F238E27FC236}">
-                <a16:creationId xmlns:a16="http://schemas.microsoft.com/office/drawing/2014/main" id="{7A9E2976-1060-4491-B4F8-6E51050C4777}"/>
+                <a16:creationId xmlns:a16="http://schemas.microsoft.com/office/drawing/2014/main" xmlns="" id="{7A9E2976-1060-4491-B4F8-6E51050C4777}"/>
               </a:ext>
             </a:extLst>
           </p:cNvPr>
@@ -20227,7 +20227,7 @@
           <p:cNvPr id="12" name="직선 연결선 11">
             <a:extLst>
               <a:ext uri="{FF2B5EF4-FFF2-40B4-BE49-F238E27FC236}">
-                <a16:creationId xmlns:a16="http://schemas.microsoft.com/office/drawing/2014/main" id="{0C2025CB-7F73-40B8-8EBD-FAA632F580CF}"/>
+                <a16:creationId xmlns:a16="http://schemas.microsoft.com/office/drawing/2014/main" xmlns="" id="{0C2025CB-7F73-40B8-8EBD-FAA632F580CF}"/>
               </a:ext>
             </a:extLst>
           </p:cNvPr>
@@ -20268,7 +20268,7 @@
           <p:cNvPr id="13" name="직선 연결선 12">
             <a:extLst>
               <a:ext uri="{FF2B5EF4-FFF2-40B4-BE49-F238E27FC236}">
-                <a16:creationId xmlns:a16="http://schemas.microsoft.com/office/drawing/2014/main" id="{ED142B4C-1C25-4021-A1E2-33BE1BCAA7D2}"/>
+                <a16:creationId xmlns:a16="http://schemas.microsoft.com/office/drawing/2014/main" xmlns="" id="{ED142B4C-1C25-4021-A1E2-33BE1BCAA7D2}"/>
               </a:ext>
             </a:extLst>
           </p:cNvPr>
@@ -20309,7 +20309,7 @@
           <p:cNvPr id="15" name="직사각형 14">
             <a:extLst>
               <a:ext uri="{FF2B5EF4-FFF2-40B4-BE49-F238E27FC236}">
-                <a16:creationId xmlns:a16="http://schemas.microsoft.com/office/drawing/2014/main" id="{1CF32F52-60F5-4C77-BD19-E3960CB24247}"/>
+                <a16:creationId xmlns:a16="http://schemas.microsoft.com/office/drawing/2014/main" xmlns="" id="{1CF32F52-60F5-4C77-BD19-E3960CB24247}"/>
               </a:ext>
             </a:extLst>
           </p:cNvPr>
@@ -20363,7 +20363,7 @@
           <p:cNvPr id="16" name="직사각형 15">
             <a:extLst>
               <a:ext uri="{FF2B5EF4-FFF2-40B4-BE49-F238E27FC236}">
-                <a16:creationId xmlns:a16="http://schemas.microsoft.com/office/drawing/2014/main" id="{4C24B324-3928-481F-8422-2BD559B5507B}"/>
+                <a16:creationId xmlns:a16="http://schemas.microsoft.com/office/drawing/2014/main" xmlns="" id="{4C24B324-3928-481F-8422-2BD559B5507B}"/>
               </a:ext>
             </a:extLst>
           </p:cNvPr>
@@ -20417,7 +20417,7 @@
           <p:cNvPr id="17" name="직선 화살표 연결선 16">
             <a:extLst>
               <a:ext uri="{FF2B5EF4-FFF2-40B4-BE49-F238E27FC236}">
-                <a16:creationId xmlns:a16="http://schemas.microsoft.com/office/drawing/2014/main" id="{6C9E08DD-3DD2-4189-9316-046C3C49AB40}"/>
+                <a16:creationId xmlns:a16="http://schemas.microsoft.com/office/drawing/2014/main" xmlns="" id="{6C9E08DD-3DD2-4189-9316-046C3C49AB40}"/>
               </a:ext>
             </a:extLst>
           </p:cNvPr>
@@ -20463,7 +20463,7 @@
           <p:cNvPr id="18" name="직선 연결선 17">
             <a:extLst>
               <a:ext uri="{FF2B5EF4-FFF2-40B4-BE49-F238E27FC236}">
-                <a16:creationId xmlns:a16="http://schemas.microsoft.com/office/drawing/2014/main" id="{8B40F234-44BB-4023-9F07-F2A32B775F1A}"/>
+                <a16:creationId xmlns:a16="http://schemas.microsoft.com/office/drawing/2014/main" xmlns="" id="{8B40F234-44BB-4023-9F07-F2A32B775F1A}"/>
               </a:ext>
             </a:extLst>
           </p:cNvPr>
@@ -20504,7 +20504,7 @@
           <p:cNvPr id="19" name="직사각형 18">
             <a:extLst>
               <a:ext uri="{FF2B5EF4-FFF2-40B4-BE49-F238E27FC236}">
-                <a16:creationId xmlns:a16="http://schemas.microsoft.com/office/drawing/2014/main" id="{AC897619-BDF0-46E2-ADCA-3209080330DF}"/>
+                <a16:creationId xmlns:a16="http://schemas.microsoft.com/office/drawing/2014/main" xmlns="" id="{AC897619-BDF0-46E2-ADCA-3209080330DF}"/>
               </a:ext>
             </a:extLst>
           </p:cNvPr>
@@ -20558,7 +20558,7 @@
           <p:cNvPr id="20" name="직선 화살표 연결선 19">
             <a:extLst>
               <a:ext uri="{FF2B5EF4-FFF2-40B4-BE49-F238E27FC236}">
-                <a16:creationId xmlns:a16="http://schemas.microsoft.com/office/drawing/2014/main" id="{401F39F8-5792-4D83-8485-5565404B6E9F}"/>
+                <a16:creationId xmlns:a16="http://schemas.microsoft.com/office/drawing/2014/main" xmlns="" id="{401F39F8-5792-4D83-8485-5565404B6E9F}"/>
               </a:ext>
             </a:extLst>
           </p:cNvPr>
@@ -20604,7 +20604,7 @@
           <p:cNvPr id="23" name="TextBox 22">
             <a:extLst>
               <a:ext uri="{FF2B5EF4-FFF2-40B4-BE49-F238E27FC236}">
-                <a16:creationId xmlns:a16="http://schemas.microsoft.com/office/drawing/2014/main" id="{A8317413-8836-4E46-B640-7E5CA40F1142}"/>
+                <a16:creationId xmlns:a16="http://schemas.microsoft.com/office/drawing/2014/main" xmlns="" id="{A8317413-8836-4E46-B640-7E5CA40F1142}"/>
               </a:ext>
             </a:extLst>
           </p:cNvPr>
@@ -20639,7 +20639,7 @@
           <p:cNvPr id="24" name="TextBox 23">
             <a:extLst>
               <a:ext uri="{FF2B5EF4-FFF2-40B4-BE49-F238E27FC236}">
-                <a16:creationId xmlns:a16="http://schemas.microsoft.com/office/drawing/2014/main" id="{1E5B89A8-6B7B-4B76-8543-29B581291B8C}"/>
+                <a16:creationId xmlns:a16="http://schemas.microsoft.com/office/drawing/2014/main" xmlns="" id="{1E5B89A8-6B7B-4B76-8543-29B581291B8C}"/>
               </a:ext>
             </a:extLst>
           </p:cNvPr>
@@ -20674,7 +20674,7 @@
           <p:cNvPr id="25" name="직선 화살표 연결선 24">
             <a:extLst>
               <a:ext uri="{FF2B5EF4-FFF2-40B4-BE49-F238E27FC236}">
-                <a16:creationId xmlns:a16="http://schemas.microsoft.com/office/drawing/2014/main" id="{5354D8BF-A1F6-43BA-9E32-229D36EB81A1}"/>
+                <a16:creationId xmlns:a16="http://schemas.microsoft.com/office/drawing/2014/main" xmlns="" id="{5354D8BF-A1F6-43BA-9E32-229D36EB81A1}"/>
               </a:ext>
             </a:extLst>
           </p:cNvPr>
@@ -20720,7 +20720,7 @@
           <p:cNvPr id="26" name="TextBox 25">
             <a:extLst>
               <a:ext uri="{FF2B5EF4-FFF2-40B4-BE49-F238E27FC236}">
-                <a16:creationId xmlns:a16="http://schemas.microsoft.com/office/drawing/2014/main" id="{48796F02-4068-413A-9320-FDE0CFC07132}"/>
+                <a16:creationId xmlns:a16="http://schemas.microsoft.com/office/drawing/2014/main" xmlns="" id="{48796F02-4068-413A-9320-FDE0CFC07132}"/>
               </a:ext>
             </a:extLst>
           </p:cNvPr>
@@ -20827,7 +20827,7 @@
           <p:cNvPr id="9" name="직사각형 8">
             <a:extLst>
               <a:ext uri="{FF2B5EF4-FFF2-40B4-BE49-F238E27FC236}">
-                <a16:creationId xmlns:a16="http://schemas.microsoft.com/office/drawing/2014/main" id="{9152366B-0095-4AA3-A7E2-A8081BF7E1FC}"/>
+                <a16:creationId xmlns:a16="http://schemas.microsoft.com/office/drawing/2014/main" xmlns="" id="{9152366B-0095-4AA3-A7E2-A8081BF7E1FC}"/>
               </a:ext>
             </a:extLst>
           </p:cNvPr>
@@ -20873,7 +20873,7 @@
           <p:cNvPr id="10" name="직선 연결선 9">
             <a:extLst>
               <a:ext uri="{FF2B5EF4-FFF2-40B4-BE49-F238E27FC236}">
-                <a16:creationId xmlns:a16="http://schemas.microsoft.com/office/drawing/2014/main" id="{E5521BE5-C2D5-4248-8081-35F6F52D21E8}"/>
+                <a16:creationId xmlns:a16="http://schemas.microsoft.com/office/drawing/2014/main" xmlns="" id="{E5521BE5-C2D5-4248-8081-35F6F52D21E8}"/>
               </a:ext>
             </a:extLst>
           </p:cNvPr>
@@ -20914,7 +20914,7 @@
           <p:cNvPr id="11" name="직사각형 10">
             <a:extLst>
               <a:ext uri="{FF2B5EF4-FFF2-40B4-BE49-F238E27FC236}">
-                <a16:creationId xmlns:a16="http://schemas.microsoft.com/office/drawing/2014/main" id="{7A9E2976-1060-4491-B4F8-6E51050C4777}"/>
+                <a16:creationId xmlns:a16="http://schemas.microsoft.com/office/drawing/2014/main" xmlns="" id="{7A9E2976-1060-4491-B4F8-6E51050C4777}"/>
               </a:ext>
             </a:extLst>
           </p:cNvPr>
@@ -20968,7 +20968,7 @@
           <p:cNvPr id="12" name="직선 연결선 11">
             <a:extLst>
               <a:ext uri="{FF2B5EF4-FFF2-40B4-BE49-F238E27FC236}">
-                <a16:creationId xmlns:a16="http://schemas.microsoft.com/office/drawing/2014/main" id="{0C2025CB-7F73-40B8-8EBD-FAA632F580CF}"/>
+                <a16:creationId xmlns:a16="http://schemas.microsoft.com/office/drawing/2014/main" xmlns="" id="{0C2025CB-7F73-40B8-8EBD-FAA632F580CF}"/>
               </a:ext>
             </a:extLst>
           </p:cNvPr>
@@ -21009,7 +21009,7 @@
           <p:cNvPr id="13" name="직선 연결선 12">
             <a:extLst>
               <a:ext uri="{FF2B5EF4-FFF2-40B4-BE49-F238E27FC236}">
-                <a16:creationId xmlns:a16="http://schemas.microsoft.com/office/drawing/2014/main" id="{ED142B4C-1C25-4021-A1E2-33BE1BCAA7D2}"/>
+                <a16:creationId xmlns:a16="http://schemas.microsoft.com/office/drawing/2014/main" xmlns="" id="{ED142B4C-1C25-4021-A1E2-33BE1BCAA7D2}"/>
               </a:ext>
             </a:extLst>
           </p:cNvPr>
@@ -21050,7 +21050,7 @@
           <p:cNvPr id="15" name="직사각형 14">
             <a:extLst>
               <a:ext uri="{FF2B5EF4-FFF2-40B4-BE49-F238E27FC236}">
-                <a16:creationId xmlns:a16="http://schemas.microsoft.com/office/drawing/2014/main" id="{1CF32F52-60F5-4C77-BD19-E3960CB24247}"/>
+                <a16:creationId xmlns:a16="http://schemas.microsoft.com/office/drawing/2014/main" xmlns="" id="{1CF32F52-60F5-4C77-BD19-E3960CB24247}"/>
               </a:ext>
             </a:extLst>
           </p:cNvPr>
@@ -21104,7 +21104,7 @@
           <p:cNvPr id="16" name="직사각형 15">
             <a:extLst>
               <a:ext uri="{FF2B5EF4-FFF2-40B4-BE49-F238E27FC236}">
-                <a16:creationId xmlns:a16="http://schemas.microsoft.com/office/drawing/2014/main" id="{4C24B324-3928-481F-8422-2BD559B5507B}"/>
+                <a16:creationId xmlns:a16="http://schemas.microsoft.com/office/drawing/2014/main" xmlns="" id="{4C24B324-3928-481F-8422-2BD559B5507B}"/>
               </a:ext>
             </a:extLst>
           </p:cNvPr>
@@ -21158,7 +21158,7 @@
           <p:cNvPr id="17" name="직선 화살표 연결선 16">
             <a:extLst>
               <a:ext uri="{FF2B5EF4-FFF2-40B4-BE49-F238E27FC236}">
-                <a16:creationId xmlns:a16="http://schemas.microsoft.com/office/drawing/2014/main" id="{6C9E08DD-3DD2-4189-9316-046C3C49AB40}"/>
+                <a16:creationId xmlns:a16="http://schemas.microsoft.com/office/drawing/2014/main" xmlns="" id="{6C9E08DD-3DD2-4189-9316-046C3C49AB40}"/>
               </a:ext>
             </a:extLst>
           </p:cNvPr>
@@ -21204,7 +21204,7 @@
           <p:cNvPr id="18" name="직선 연결선 17">
             <a:extLst>
               <a:ext uri="{FF2B5EF4-FFF2-40B4-BE49-F238E27FC236}">
-                <a16:creationId xmlns:a16="http://schemas.microsoft.com/office/drawing/2014/main" id="{8B40F234-44BB-4023-9F07-F2A32B775F1A}"/>
+                <a16:creationId xmlns:a16="http://schemas.microsoft.com/office/drawing/2014/main" xmlns="" id="{8B40F234-44BB-4023-9F07-F2A32B775F1A}"/>
               </a:ext>
             </a:extLst>
           </p:cNvPr>
@@ -21245,7 +21245,7 @@
           <p:cNvPr id="19" name="직사각형 18">
             <a:extLst>
               <a:ext uri="{FF2B5EF4-FFF2-40B4-BE49-F238E27FC236}">
-                <a16:creationId xmlns:a16="http://schemas.microsoft.com/office/drawing/2014/main" id="{AC897619-BDF0-46E2-ADCA-3209080330DF}"/>
+                <a16:creationId xmlns:a16="http://schemas.microsoft.com/office/drawing/2014/main" xmlns="" id="{AC897619-BDF0-46E2-ADCA-3209080330DF}"/>
               </a:ext>
             </a:extLst>
           </p:cNvPr>
@@ -21299,7 +21299,7 @@
           <p:cNvPr id="20" name="직선 화살표 연결선 19">
             <a:extLst>
               <a:ext uri="{FF2B5EF4-FFF2-40B4-BE49-F238E27FC236}">
-                <a16:creationId xmlns:a16="http://schemas.microsoft.com/office/drawing/2014/main" id="{401F39F8-5792-4D83-8485-5565404B6E9F}"/>
+                <a16:creationId xmlns:a16="http://schemas.microsoft.com/office/drawing/2014/main" xmlns="" id="{401F39F8-5792-4D83-8485-5565404B6E9F}"/>
               </a:ext>
             </a:extLst>
           </p:cNvPr>
@@ -21345,7 +21345,7 @@
           <p:cNvPr id="2" name="TextBox 1">
             <a:extLst>
               <a:ext uri="{FF2B5EF4-FFF2-40B4-BE49-F238E27FC236}">
-                <a16:creationId xmlns:a16="http://schemas.microsoft.com/office/drawing/2014/main" id="{09C3AF29-F499-429C-958F-E46B77812C2B}"/>
+                <a16:creationId xmlns:a16="http://schemas.microsoft.com/office/drawing/2014/main" xmlns="" id="{09C3AF29-F499-429C-958F-E46B77812C2B}"/>
               </a:ext>
             </a:extLst>
           </p:cNvPr>
@@ -21390,7 +21390,7 @@
           <p:cNvPr id="14" name="TextBox 13">
             <a:extLst>
               <a:ext uri="{FF2B5EF4-FFF2-40B4-BE49-F238E27FC236}">
-                <a16:creationId xmlns:a16="http://schemas.microsoft.com/office/drawing/2014/main" id="{C0B86267-1314-48ED-8146-7EF4138BAD34}"/>
+                <a16:creationId xmlns:a16="http://schemas.microsoft.com/office/drawing/2014/main" xmlns="" id="{C0B86267-1314-48ED-8146-7EF4138BAD34}"/>
               </a:ext>
             </a:extLst>
           </p:cNvPr>
@@ -21433,7 +21433,7 @@
           <p:cNvPr id="21" name="직사각형 20">
             <a:extLst>
               <a:ext uri="{FF2B5EF4-FFF2-40B4-BE49-F238E27FC236}">
-                <a16:creationId xmlns:a16="http://schemas.microsoft.com/office/drawing/2014/main" id="{1B1AFEBC-7C79-4B24-B24B-C86FFAAF889B}"/>
+                <a16:creationId xmlns:a16="http://schemas.microsoft.com/office/drawing/2014/main" xmlns="" id="{1B1AFEBC-7C79-4B24-B24B-C86FFAAF889B}"/>
               </a:ext>
             </a:extLst>
           </p:cNvPr>
@@ -21487,7 +21487,7 @@
           <p:cNvPr id="22" name="직선 연결선 21">
             <a:extLst>
               <a:ext uri="{FF2B5EF4-FFF2-40B4-BE49-F238E27FC236}">
-                <a16:creationId xmlns:a16="http://schemas.microsoft.com/office/drawing/2014/main" id="{FAFE4898-AA47-49DA-B54A-6F2512085179}"/>
+                <a16:creationId xmlns:a16="http://schemas.microsoft.com/office/drawing/2014/main" xmlns="" id="{FAFE4898-AA47-49DA-B54A-6F2512085179}"/>
               </a:ext>
             </a:extLst>
           </p:cNvPr>
@@ -21528,7 +21528,7 @@
           <p:cNvPr id="24" name="직선 화살표 연결선 23">
             <a:extLst>
               <a:ext uri="{FF2B5EF4-FFF2-40B4-BE49-F238E27FC236}">
-                <a16:creationId xmlns:a16="http://schemas.microsoft.com/office/drawing/2014/main" id="{B244F9D9-A6CA-41CA-B803-BACF07FE4988}"/>
+                <a16:creationId xmlns:a16="http://schemas.microsoft.com/office/drawing/2014/main" xmlns="" id="{B244F9D9-A6CA-41CA-B803-BACF07FE4988}"/>
               </a:ext>
             </a:extLst>
           </p:cNvPr>
@@ -21574,7 +21574,7 @@
           <p:cNvPr id="25" name="TextBox 24">
             <a:extLst>
               <a:ext uri="{FF2B5EF4-FFF2-40B4-BE49-F238E27FC236}">
-                <a16:creationId xmlns:a16="http://schemas.microsoft.com/office/drawing/2014/main" id="{5FE21268-064F-4BE2-8DD0-54FA8E63E87C}"/>
+                <a16:creationId xmlns:a16="http://schemas.microsoft.com/office/drawing/2014/main" xmlns="" id="{5FE21268-064F-4BE2-8DD0-54FA8E63E87C}"/>
               </a:ext>
             </a:extLst>
           </p:cNvPr>
@@ -21609,7 +21609,7 @@
           <p:cNvPr id="26" name="직선 화살표 연결선 25">
             <a:extLst>
               <a:ext uri="{FF2B5EF4-FFF2-40B4-BE49-F238E27FC236}">
-                <a16:creationId xmlns:a16="http://schemas.microsoft.com/office/drawing/2014/main" id="{D787A8B5-6C4D-4945-8291-7FD229FAF9DF}"/>
+                <a16:creationId xmlns:a16="http://schemas.microsoft.com/office/drawing/2014/main" xmlns="" id="{D787A8B5-6C4D-4945-8291-7FD229FAF9DF}"/>
               </a:ext>
             </a:extLst>
           </p:cNvPr>
@@ -21655,7 +21655,7 @@
           <p:cNvPr id="27" name="TextBox 26">
             <a:extLst>
               <a:ext uri="{FF2B5EF4-FFF2-40B4-BE49-F238E27FC236}">
-                <a16:creationId xmlns:a16="http://schemas.microsoft.com/office/drawing/2014/main" id="{D9DB923C-4E93-44AF-9A7E-B30843FAC3E6}"/>
+                <a16:creationId xmlns:a16="http://schemas.microsoft.com/office/drawing/2014/main" xmlns="" id="{D9DB923C-4E93-44AF-9A7E-B30843FAC3E6}"/>
               </a:ext>
             </a:extLst>
           </p:cNvPr>
@@ -21728,7 +21728,7 @@
           <p:cNvPr id="4" name="Rectangle 2">
             <a:extLst>
               <a:ext uri="{FF2B5EF4-FFF2-40B4-BE49-F238E27FC236}">
-                <a16:creationId xmlns:a16="http://schemas.microsoft.com/office/drawing/2014/main" id="{930A6B2F-728F-4CEB-A7D9-9E7303C7870E}"/>
+                <a16:creationId xmlns:a16="http://schemas.microsoft.com/office/drawing/2014/main" xmlns="" id="{930A6B2F-728F-4CEB-A7D9-9E7303C7870E}"/>
               </a:ext>
             </a:extLst>
           </p:cNvPr>
@@ -21911,7 +21911,7 @@
           <p:cNvPr id="5" name="TextBox 4">
             <a:extLst>
               <a:ext uri="{FF2B5EF4-FFF2-40B4-BE49-F238E27FC236}">
-                <a16:creationId xmlns:a16="http://schemas.microsoft.com/office/drawing/2014/main" id="{0D84BDCE-4142-47F0-9190-9FBAFFC08820}"/>
+                <a16:creationId xmlns:a16="http://schemas.microsoft.com/office/drawing/2014/main" xmlns="" id="{0D84BDCE-4142-47F0-9190-9FBAFFC08820}"/>
               </a:ext>
             </a:extLst>
           </p:cNvPr>
@@ -22011,7 +22011,7 @@
           <p:cNvPr id="6" name="Group 88">
             <a:extLst>
               <a:ext uri="{FF2B5EF4-FFF2-40B4-BE49-F238E27FC236}">
-                <a16:creationId xmlns:a16="http://schemas.microsoft.com/office/drawing/2014/main" id="{7430E75A-357B-4AA6-95C6-077496C115F4}"/>
+                <a16:creationId xmlns:a16="http://schemas.microsoft.com/office/drawing/2014/main" xmlns="" id="{7430E75A-357B-4AA6-95C6-077496C115F4}"/>
               </a:ext>
             </a:extLst>
           </p:cNvPr>
@@ -22038,14 +22038,14 @@
                 <a:gridCol w="288701">
                   <a:extLst>
                     <a:ext uri="{9D8B030D-6E8A-4147-A177-3AD203B41FA5}">
-                      <a16:colId xmlns:a16="http://schemas.microsoft.com/office/drawing/2014/main" val="20000"/>
+                      <a16:colId xmlns:a16="http://schemas.microsoft.com/office/drawing/2014/main" xmlns="" val="20000"/>
                     </a:ext>
                   </a:extLst>
                 </a:gridCol>
                 <a:gridCol w="2087786">
                   <a:extLst>
                     <a:ext uri="{9D8B030D-6E8A-4147-A177-3AD203B41FA5}">
-                      <a16:colId xmlns:a16="http://schemas.microsoft.com/office/drawing/2014/main" val="20001"/>
+                      <a16:colId xmlns:a16="http://schemas.microsoft.com/office/drawing/2014/main" xmlns="" val="20001"/>
                     </a:ext>
                   </a:extLst>
                 </a:gridCol>
@@ -22280,7 +22280,7 @@
                 </a:tc>
                 <a:extLst>
                   <a:ext uri="{0D108BD9-81ED-4DB2-BD59-A6C34878D82A}">
-                    <a16:rowId xmlns:a16="http://schemas.microsoft.com/office/drawing/2014/main" val="10000"/>
+                    <a16:rowId xmlns:a16="http://schemas.microsoft.com/office/drawing/2014/main" xmlns="" val="10000"/>
                   </a:ext>
                 </a:extLst>
               </a:tr>
@@ -22564,7 +22564,7 @@
                 </a:tc>
                 <a:extLst>
                   <a:ext uri="{0D108BD9-81ED-4DB2-BD59-A6C34878D82A}">
-                    <a16:rowId xmlns:a16="http://schemas.microsoft.com/office/drawing/2014/main" val="1221975929"/>
+                    <a16:rowId xmlns:a16="http://schemas.microsoft.com/office/drawing/2014/main" xmlns="" val="1221975929"/>
                   </a:ext>
                 </a:extLst>
               </a:tr>
@@ -22848,7 +22848,7 @@
                 </a:tc>
                 <a:extLst>
                   <a:ext uri="{0D108BD9-81ED-4DB2-BD59-A6C34878D82A}">
-                    <a16:rowId xmlns:a16="http://schemas.microsoft.com/office/drawing/2014/main" val="10002"/>
+                    <a16:rowId xmlns:a16="http://schemas.microsoft.com/office/drawing/2014/main" xmlns="" val="10002"/>
                   </a:ext>
                 </a:extLst>
               </a:tr>
@@ -22861,7 +22861,7 @@
           <p:cNvPr id="7" name="직사각형 6">
             <a:extLst>
               <a:ext uri="{FF2B5EF4-FFF2-40B4-BE49-F238E27FC236}">
-                <a16:creationId xmlns:a16="http://schemas.microsoft.com/office/drawing/2014/main" id="{70A6069A-8DBD-4DB7-8F80-ECFC632DBE3D}"/>
+                <a16:creationId xmlns:a16="http://schemas.microsoft.com/office/drawing/2014/main" xmlns="" id="{70A6069A-8DBD-4DB7-8F80-ECFC632DBE3D}"/>
               </a:ext>
             </a:extLst>
           </p:cNvPr>
@@ -22944,7 +22944,7 @@
           <p:cNvPr id="8" name="직사각형 7">
             <a:extLst>
               <a:ext uri="{FF2B5EF4-FFF2-40B4-BE49-F238E27FC236}">
-                <a16:creationId xmlns:a16="http://schemas.microsoft.com/office/drawing/2014/main" id="{16B6CD44-9C8C-45EC-98EF-253C699262CF}"/>
+                <a16:creationId xmlns:a16="http://schemas.microsoft.com/office/drawing/2014/main" xmlns="" id="{16B6CD44-9C8C-45EC-98EF-253C699262CF}"/>
               </a:ext>
             </a:extLst>
           </p:cNvPr>
@@ -23017,7 +23017,7 @@
           <p:cNvPr id="10" name="직사각형 9">
             <a:extLst>
               <a:ext uri="{FF2B5EF4-FFF2-40B4-BE49-F238E27FC236}">
-                <a16:creationId xmlns:a16="http://schemas.microsoft.com/office/drawing/2014/main" id="{469325E8-7D31-4B56-B299-B5079C0D7EC2}"/>
+                <a16:creationId xmlns:a16="http://schemas.microsoft.com/office/drawing/2014/main" xmlns="" id="{469325E8-7D31-4B56-B299-B5079C0D7EC2}"/>
               </a:ext>
             </a:extLst>
           </p:cNvPr>
@@ -23090,7 +23090,7 @@
           <p:cNvPr id="11" name="그룹 10">
             <a:extLst>
               <a:ext uri="{FF2B5EF4-FFF2-40B4-BE49-F238E27FC236}">
-                <a16:creationId xmlns:a16="http://schemas.microsoft.com/office/drawing/2014/main" id="{A383226B-0397-406D-8623-446D47AD92D0}"/>
+                <a16:creationId xmlns:a16="http://schemas.microsoft.com/office/drawing/2014/main" xmlns="" id="{A383226B-0397-406D-8623-446D47AD92D0}"/>
               </a:ext>
             </a:extLst>
           </p:cNvPr>
@@ -23110,7 +23110,7 @@
             <p:cNvPr id="12" name="순서도: 판단 11">
               <a:extLst>
                 <a:ext uri="{FF2B5EF4-FFF2-40B4-BE49-F238E27FC236}">
-                  <a16:creationId xmlns:a16="http://schemas.microsoft.com/office/drawing/2014/main" id="{06290133-FDB7-44AA-BA63-0E4852313F4E}"/>
+                  <a16:creationId xmlns:a16="http://schemas.microsoft.com/office/drawing/2014/main" xmlns="" id="{06290133-FDB7-44AA-BA63-0E4852313F4E}"/>
                 </a:ext>
               </a:extLst>
             </p:cNvPr>
@@ -23180,7 +23180,7 @@
             <p:cNvPr id="13" name="직사각형 12">
               <a:extLst>
                 <a:ext uri="{FF2B5EF4-FFF2-40B4-BE49-F238E27FC236}">
-                  <a16:creationId xmlns:a16="http://schemas.microsoft.com/office/drawing/2014/main" id="{AFC918DB-1BEF-4B99-830B-08DD36DBC5EB}"/>
+                  <a16:creationId xmlns:a16="http://schemas.microsoft.com/office/drawing/2014/main" xmlns="" id="{AFC918DB-1BEF-4B99-830B-08DD36DBC5EB}"/>
                 </a:ext>
               </a:extLst>
             </p:cNvPr>
@@ -23229,7 +23229,7 @@
           <p:cNvPr id="15" name="직사각형 14">
             <a:extLst>
               <a:ext uri="{FF2B5EF4-FFF2-40B4-BE49-F238E27FC236}">
-                <a16:creationId xmlns:a16="http://schemas.microsoft.com/office/drawing/2014/main" id="{30A55CDD-6C1C-4AE5-97EE-E608A95A7EAD}"/>
+                <a16:creationId xmlns:a16="http://schemas.microsoft.com/office/drawing/2014/main" xmlns="" id="{30A55CDD-6C1C-4AE5-97EE-E608A95A7EAD}"/>
               </a:ext>
             </a:extLst>
           </p:cNvPr>
@@ -23270,7 +23270,7 @@
           <p:cNvPr id="16" name="직사각형 15">
             <a:extLst>
               <a:ext uri="{FF2B5EF4-FFF2-40B4-BE49-F238E27FC236}">
-                <a16:creationId xmlns:a16="http://schemas.microsoft.com/office/drawing/2014/main" id="{270A23E8-9A1C-4D82-AD8D-DF2E760092CB}"/>
+                <a16:creationId xmlns:a16="http://schemas.microsoft.com/office/drawing/2014/main" xmlns="" id="{270A23E8-9A1C-4D82-AD8D-DF2E760092CB}"/>
               </a:ext>
             </a:extLst>
           </p:cNvPr>
@@ -23314,7 +23314,7 @@
           <p:cNvPr id="18" name="직선 화살표 연결선 17">
             <a:extLst>
               <a:ext uri="{FF2B5EF4-FFF2-40B4-BE49-F238E27FC236}">
-                <a16:creationId xmlns:a16="http://schemas.microsoft.com/office/drawing/2014/main" id="{364C3115-7206-4C82-BE6B-8D4F4DE6901C}"/>
+                <a16:creationId xmlns:a16="http://schemas.microsoft.com/office/drawing/2014/main" xmlns="" id="{364C3115-7206-4C82-BE6B-8D4F4DE6901C}"/>
               </a:ext>
             </a:extLst>
           </p:cNvPr>
@@ -23360,7 +23360,7 @@
           <p:cNvPr id="19" name="모서리가 둥근 직사각형 202">
             <a:extLst>
               <a:ext uri="{FF2B5EF4-FFF2-40B4-BE49-F238E27FC236}">
-                <a16:creationId xmlns:a16="http://schemas.microsoft.com/office/drawing/2014/main" id="{A01DF1A8-FE87-41EF-B8CB-AEA05902DBA6}"/>
+                <a16:creationId xmlns:a16="http://schemas.microsoft.com/office/drawing/2014/main" xmlns="" id="{A01DF1A8-FE87-41EF-B8CB-AEA05902DBA6}"/>
               </a:ext>
             </a:extLst>
           </p:cNvPr>
@@ -23416,7 +23416,7 @@
           <p:cNvPr id="20" name="모서리가 둥근 직사각형 203">
             <a:extLst>
               <a:ext uri="{FF2B5EF4-FFF2-40B4-BE49-F238E27FC236}">
-                <a16:creationId xmlns:a16="http://schemas.microsoft.com/office/drawing/2014/main" id="{3AE577F5-43CC-4EC7-84E8-7F6DEEAF0563}"/>
+                <a16:creationId xmlns:a16="http://schemas.microsoft.com/office/drawing/2014/main" xmlns="" id="{3AE577F5-43CC-4EC7-84E8-7F6DEEAF0563}"/>
               </a:ext>
             </a:extLst>
           </p:cNvPr>
@@ -23472,7 +23472,7 @@
           <p:cNvPr id="21" name="TextBox 20">
             <a:extLst>
               <a:ext uri="{FF2B5EF4-FFF2-40B4-BE49-F238E27FC236}">
-                <a16:creationId xmlns:a16="http://schemas.microsoft.com/office/drawing/2014/main" id="{FC0782FE-F360-493B-A0C0-67392277965D}"/>
+                <a16:creationId xmlns:a16="http://schemas.microsoft.com/office/drawing/2014/main" xmlns="" id="{FC0782FE-F360-493B-A0C0-67392277965D}"/>
               </a:ext>
             </a:extLst>
           </p:cNvPr>
@@ -23510,7 +23510,7 @@
           <p:cNvPr id="22" name="TextBox 21">
             <a:extLst>
               <a:ext uri="{FF2B5EF4-FFF2-40B4-BE49-F238E27FC236}">
-                <a16:creationId xmlns:a16="http://schemas.microsoft.com/office/drawing/2014/main" id="{0A7C38FF-0A86-4A31-9419-44E3DE8D91CF}"/>
+                <a16:creationId xmlns:a16="http://schemas.microsoft.com/office/drawing/2014/main" xmlns="" id="{0A7C38FF-0A86-4A31-9419-44E3DE8D91CF}"/>
               </a:ext>
             </a:extLst>
           </p:cNvPr>
@@ -23548,7 +23548,7 @@
           <p:cNvPr id="23" name="직사각형 22">
             <a:extLst>
               <a:ext uri="{FF2B5EF4-FFF2-40B4-BE49-F238E27FC236}">
-                <a16:creationId xmlns:a16="http://schemas.microsoft.com/office/drawing/2014/main" id="{096A346D-3E48-47A5-B6CC-B917A4EC6F37}"/>
+                <a16:creationId xmlns:a16="http://schemas.microsoft.com/office/drawing/2014/main" xmlns="" id="{096A346D-3E48-47A5-B6CC-B917A4EC6F37}"/>
               </a:ext>
             </a:extLst>
           </p:cNvPr>
@@ -23631,7 +23631,7 @@
           <p:cNvPr id="24" name="직선 화살표 연결선 23">
             <a:extLst>
               <a:ext uri="{FF2B5EF4-FFF2-40B4-BE49-F238E27FC236}">
-                <a16:creationId xmlns:a16="http://schemas.microsoft.com/office/drawing/2014/main" id="{716B1EA0-1906-475E-86CC-B83A469BA344}"/>
+                <a16:creationId xmlns:a16="http://schemas.microsoft.com/office/drawing/2014/main" xmlns="" id="{716B1EA0-1906-475E-86CC-B83A469BA344}"/>
               </a:ext>
             </a:extLst>
           </p:cNvPr>
@@ -23676,7 +23676,7 @@
           <p:cNvPr id="26" name="직사각형 25">
             <a:extLst>
               <a:ext uri="{FF2B5EF4-FFF2-40B4-BE49-F238E27FC236}">
-                <a16:creationId xmlns:a16="http://schemas.microsoft.com/office/drawing/2014/main" id="{0D4A24EF-54C2-44E1-AC40-AA55A0E245EC}"/>
+                <a16:creationId xmlns:a16="http://schemas.microsoft.com/office/drawing/2014/main" xmlns="" id="{0D4A24EF-54C2-44E1-AC40-AA55A0E245EC}"/>
               </a:ext>
             </a:extLst>
           </p:cNvPr>
@@ -23759,7 +23759,7 @@
           <p:cNvPr id="35" name="직선 화살표 연결선 34">
             <a:extLst>
               <a:ext uri="{FF2B5EF4-FFF2-40B4-BE49-F238E27FC236}">
-                <a16:creationId xmlns:a16="http://schemas.microsoft.com/office/drawing/2014/main" id="{966B9C74-4670-4529-80BA-1D28A87E5B7D}"/>
+                <a16:creationId xmlns:a16="http://schemas.microsoft.com/office/drawing/2014/main" xmlns="" id="{966B9C74-4670-4529-80BA-1D28A87E5B7D}"/>
               </a:ext>
             </a:extLst>
           </p:cNvPr>
@@ -23805,7 +23805,7 @@
           <p:cNvPr id="38" name="직사각형 37">
             <a:extLst>
               <a:ext uri="{FF2B5EF4-FFF2-40B4-BE49-F238E27FC236}">
-                <a16:creationId xmlns:a16="http://schemas.microsoft.com/office/drawing/2014/main" id="{F048C601-9922-4547-AE12-66BD5878CEFC}"/>
+                <a16:creationId xmlns:a16="http://schemas.microsoft.com/office/drawing/2014/main" xmlns="" id="{F048C601-9922-4547-AE12-66BD5878CEFC}"/>
               </a:ext>
             </a:extLst>
           </p:cNvPr>
@@ -23859,7 +23859,7 @@
           <p:cNvPr id="41" name="직사각형 40">
             <a:extLst>
               <a:ext uri="{FF2B5EF4-FFF2-40B4-BE49-F238E27FC236}">
-                <a16:creationId xmlns:a16="http://schemas.microsoft.com/office/drawing/2014/main" id="{346AFB98-47BC-4A7E-8379-81A7CAC73835}"/>
+                <a16:creationId xmlns:a16="http://schemas.microsoft.com/office/drawing/2014/main" xmlns="" id="{346AFB98-47BC-4A7E-8379-81A7CAC73835}"/>
               </a:ext>
             </a:extLst>
           </p:cNvPr>
@@ -23913,7 +23913,7 @@
           <p:cNvPr id="49" name="직사각형 48">
             <a:extLst>
               <a:ext uri="{FF2B5EF4-FFF2-40B4-BE49-F238E27FC236}">
-                <a16:creationId xmlns:a16="http://schemas.microsoft.com/office/drawing/2014/main" id="{F1277E39-A0FD-4052-91D7-BA186CE59870}"/>
+                <a16:creationId xmlns:a16="http://schemas.microsoft.com/office/drawing/2014/main" xmlns="" id="{F1277E39-A0FD-4052-91D7-BA186CE59870}"/>
               </a:ext>
             </a:extLst>
           </p:cNvPr>
@@ -23957,7 +23957,7 @@
           <p:cNvPr id="50" name="그룹 49">
             <a:extLst>
               <a:ext uri="{FF2B5EF4-FFF2-40B4-BE49-F238E27FC236}">
-                <a16:creationId xmlns:a16="http://schemas.microsoft.com/office/drawing/2014/main" id="{FD98E292-5CF0-4060-91E8-6DE545C40FE6}"/>
+                <a16:creationId xmlns:a16="http://schemas.microsoft.com/office/drawing/2014/main" xmlns="" id="{FD98E292-5CF0-4060-91E8-6DE545C40FE6}"/>
               </a:ext>
             </a:extLst>
           </p:cNvPr>
@@ -23977,7 +23977,7 @@
             <p:cNvPr id="51" name="순서도: 판단 50">
               <a:extLst>
                 <a:ext uri="{FF2B5EF4-FFF2-40B4-BE49-F238E27FC236}">
-                  <a16:creationId xmlns:a16="http://schemas.microsoft.com/office/drawing/2014/main" id="{306E1E96-F7C7-4FF4-B655-4237D8646159}"/>
+                  <a16:creationId xmlns:a16="http://schemas.microsoft.com/office/drawing/2014/main" xmlns="" id="{306E1E96-F7C7-4FF4-B655-4237D8646159}"/>
                 </a:ext>
               </a:extLst>
             </p:cNvPr>
@@ -24047,7 +24047,7 @@
             <p:cNvPr id="52" name="직사각형 51">
               <a:extLst>
                 <a:ext uri="{FF2B5EF4-FFF2-40B4-BE49-F238E27FC236}">
-                  <a16:creationId xmlns:a16="http://schemas.microsoft.com/office/drawing/2014/main" id="{47AB2E28-E640-4681-84E9-632A399FB243}"/>
+                  <a16:creationId xmlns:a16="http://schemas.microsoft.com/office/drawing/2014/main" xmlns="" id="{47AB2E28-E640-4681-84E9-632A399FB243}"/>
                 </a:ext>
               </a:extLst>
             </p:cNvPr>
@@ -24106,7 +24106,7 @@
           <p:cNvPr id="54" name="꺾인 연결선 155">
             <a:extLst>
               <a:ext uri="{FF2B5EF4-FFF2-40B4-BE49-F238E27FC236}">
-                <a16:creationId xmlns:a16="http://schemas.microsoft.com/office/drawing/2014/main" id="{92537122-C0F4-41C8-81BF-605E94BD8D50}"/>
+                <a16:creationId xmlns:a16="http://schemas.microsoft.com/office/drawing/2014/main" xmlns="" id="{92537122-C0F4-41C8-81BF-605E94BD8D50}"/>
               </a:ext>
             </a:extLst>
           </p:cNvPr>
@@ -24152,7 +24152,7 @@
           <p:cNvPr id="61" name="직선 화살표 연결선 60">
             <a:extLst>
               <a:ext uri="{FF2B5EF4-FFF2-40B4-BE49-F238E27FC236}">
-                <a16:creationId xmlns:a16="http://schemas.microsoft.com/office/drawing/2014/main" id="{A41979A2-90EF-4689-8573-D20BCF45F281}"/>
+                <a16:creationId xmlns:a16="http://schemas.microsoft.com/office/drawing/2014/main" xmlns="" id="{A41979A2-90EF-4689-8573-D20BCF45F281}"/>
               </a:ext>
             </a:extLst>
           </p:cNvPr>
@@ -24196,7 +24196,7 @@
           <p:cNvPr id="62" name="직선 화살표 연결선 61">
             <a:extLst>
               <a:ext uri="{FF2B5EF4-FFF2-40B4-BE49-F238E27FC236}">
-                <a16:creationId xmlns:a16="http://schemas.microsoft.com/office/drawing/2014/main" id="{2DDC9881-5298-4599-850C-284E01275ECB}"/>
+                <a16:creationId xmlns:a16="http://schemas.microsoft.com/office/drawing/2014/main" xmlns="" id="{2DDC9881-5298-4599-850C-284E01275ECB}"/>
               </a:ext>
             </a:extLst>
           </p:cNvPr>
@@ -24240,7 +24240,7 @@
           <p:cNvPr id="65" name="직사각형 64">
             <a:extLst>
               <a:ext uri="{FF2B5EF4-FFF2-40B4-BE49-F238E27FC236}">
-                <a16:creationId xmlns:a16="http://schemas.microsoft.com/office/drawing/2014/main" id="{A9D15D15-B712-48B7-A1AD-94046E66E701}"/>
+                <a16:creationId xmlns:a16="http://schemas.microsoft.com/office/drawing/2014/main" xmlns="" id="{A9D15D15-B712-48B7-A1AD-94046E66E701}"/>
               </a:ext>
             </a:extLst>
           </p:cNvPr>
@@ -24323,7 +24323,7 @@
           <p:cNvPr id="68" name="직선 화살표 연결선 67">
             <a:extLst>
               <a:ext uri="{FF2B5EF4-FFF2-40B4-BE49-F238E27FC236}">
-                <a16:creationId xmlns:a16="http://schemas.microsoft.com/office/drawing/2014/main" id="{618EC4E3-AA38-41F4-92E9-B9ED1C89621E}"/>
+                <a16:creationId xmlns:a16="http://schemas.microsoft.com/office/drawing/2014/main" xmlns="" id="{618EC4E3-AA38-41F4-92E9-B9ED1C89621E}"/>
               </a:ext>
             </a:extLst>
           </p:cNvPr>
@@ -24367,7 +24367,7 @@
           <p:cNvPr id="74" name="연결선: 꺾임 73">
             <a:extLst>
               <a:ext uri="{FF2B5EF4-FFF2-40B4-BE49-F238E27FC236}">
-                <a16:creationId xmlns:a16="http://schemas.microsoft.com/office/drawing/2014/main" id="{B1F2D419-D1B5-4984-9681-71310298884A}"/>
+                <a16:creationId xmlns:a16="http://schemas.microsoft.com/office/drawing/2014/main" xmlns="" id="{B1F2D419-D1B5-4984-9681-71310298884A}"/>
               </a:ext>
             </a:extLst>
           </p:cNvPr>
@@ -24457,7 +24457,7 @@
     </a:clrScheme>
     <a:fontScheme name="Office">
       <a:majorFont>
-        <a:latin typeface="맑은 고딕" panose="020F0302020204030204"/>
+        <a:latin typeface="맑은 고딕"/>
         <a:ea typeface=""/>
         <a:cs typeface=""/>
         <a:font script="Jpan" typeface="游ゴシック Light"/>
@@ -24509,7 +24509,7 @@
         <a:font script="Tfng" typeface="Ebrima"/>
       </a:majorFont>
       <a:minorFont>
-        <a:latin typeface="맑은 고딕" panose="020F0502020204030204"/>
+        <a:latin typeface="맑은 고딕"/>
         <a:ea typeface=""/>
         <a:cs typeface=""/>
         <a:font script="Jpan" typeface="游ゴシック"/>
@@ -24703,7 +24703,7 @@
   <a:extraClrSchemeLst/>
   <a:extLst>
     <a:ext uri="{05A4C25C-085E-4340-85A3-A5531E510DB2}">
-      <thm15:themeFamily xmlns:thm15="http://schemas.microsoft.com/office/thememl/2012/main" name="Office Theme" id="{62F939B6-93AF-4DB8-9C6B-D6C7DFDC589F}" vid="{4A3C46E8-61CC-4603-A589-7422A47A8E4A}"/>
+      <thm15:themeFamily xmlns:thm15="http://schemas.microsoft.com/office/thememl/2012/main" xmlns="" name="Office Theme" id="{62F939B6-93AF-4DB8-9C6B-D6C7DFDC589F}" vid="{4A3C46E8-61CC-4603-A589-7422A47A8E4A}"/>
     </a:ext>
   </a:extLst>
 </a:theme>
